--- a/恩主頌.pptx
+++ b/恩主頌.pptx
@@ -106,6 +106,22 @@
       </a:defRPr>
     </a:lvl9pPr>
   </p:defaultTextStyle>
+  <p:extLst>
+    <p:ext uri="{EFAFB233-063F-42B5-8137-9DF3F51BA10A}">
+      <p15:sldGuideLst xmlns:p15="http://schemas.microsoft.com/office/powerpoint/2012/main">
+        <p15:guide id="1" orient="horz" pos="2160">
+          <p15:clr>
+            <a:srgbClr val="A4A3A4"/>
+          </p15:clr>
+        </p15:guide>
+        <p15:guide id="2" pos="2880">
+          <p15:clr>
+            <a:srgbClr val="A4A3A4"/>
+          </p15:clr>
+        </p15:guide>
+      </p15:sldGuideLst>
+    </p:ext>
+  </p:extLst>
 </p:presentation>
 </file>
 
@@ -284,7 +300,7 @@
           <a:p>
             <a:fld id="{F196456C-D8C5-4A21-BE41-5372ECB01F10}" type="datetimeFigureOut">
               <a:rPr lang="zh-TW" altLang="en-US" smtClean="0"/>
-              <a:t>2015/7/24</a:t>
+              <a:t>2020/3/5</a:t>
             </a:fld>
             <a:endParaRPr lang="zh-TW" altLang="en-US"/>
           </a:p>
@@ -454,7 +470,7 @@
           <a:p>
             <a:fld id="{F196456C-D8C5-4A21-BE41-5372ECB01F10}" type="datetimeFigureOut">
               <a:rPr lang="zh-TW" altLang="en-US" smtClean="0"/>
-              <a:t>2015/7/24</a:t>
+              <a:t>2020/3/5</a:t>
             </a:fld>
             <a:endParaRPr lang="zh-TW" altLang="en-US"/>
           </a:p>
@@ -629,7 +645,7 @@
           <a:p>
             <a:fld id="{F196456C-D8C5-4A21-BE41-5372ECB01F10}" type="datetimeFigureOut">
               <a:rPr lang="zh-TW" altLang="en-US" smtClean="0"/>
-              <a:t>2015/7/24</a:t>
+              <a:t>2020/3/5</a:t>
             </a:fld>
             <a:endParaRPr lang="zh-TW" altLang="en-US"/>
           </a:p>
@@ -794,7 +810,7 @@
           <a:p>
             <a:fld id="{F196456C-D8C5-4A21-BE41-5372ECB01F10}" type="datetimeFigureOut">
               <a:rPr lang="zh-TW" altLang="en-US" smtClean="0"/>
-              <a:t>2015/7/24</a:t>
+              <a:t>2020/3/5</a:t>
             </a:fld>
             <a:endParaRPr lang="zh-TW" altLang="en-US"/>
           </a:p>
@@ -1028,7 +1044,7 @@
           <a:p>
             <a:fld id="{F196456C-D8C5-4A21-BE41-5372ECB01F10}" type="datetimeFigureOut">
               <a:rPr lang="zh-TW" altLang="en-US" smtClean="0"/>
-              <a:t>2015/7/24</a:t>
+              <a:t>2020/3/5</a:t>
             </a:fld>
             <a:endParaRPr lang="zh-TW" altLang="en-US"/>
           </a:p>
@@ -1324,7 +1340,7 @@
           <a:p>
             <a:fld id="{F196456C-D8C5-4A21-BE41-5372ECB01F10}" type="datetimeFigureOut">
               <a:rPr lang="zh-TW" altLang="en-US" smtClean="0"/>
-              <a:t>2015/7/24</a:t>
+              <a:t>2020/3/5</a:t>
             </a:fld>
             <a:endParaRPr lang="zh-TW" altLang="en-US"/>
           </a:p>
@@ -1708,7 +1724,7 @@
           <a:p>
             <a:fld id="{F196456C-D8C5-4A21-BE41-5372ECB01F10}" type="datetimeFigureOut">
               <a:rPr lang="zh-TW" altLang="en-US" smtClean="0"/>
-              <a:t>2015/7/24</a:t>
+              <a:t>2020/3/5</a:t>
             </a:fld>
             <a:endParaRPr lang="zh-TW" altLang="en-US"/>
           </a:p>
@@ -1881,7 +1897,7 @@
           <a:p>
             <a:fld id="{F196456C-D8C5-4A21-BE41-5372ECB01F10}" type="datetimeFigureOut">
               <a:rPr lang="zh-TW" altLang="en-US" smtClean="0"/>
-              <a:t>2015/7/24</a:t>
+              <a:t>2020/3/5</a:t>
             </a:fld>
             <a:endParaRPr lang="zh-TW" altLang="en-US"/>
           </a:p>
@@ -1971,7 +1987,7 @@
           <a:p>
             <a:fld id="{F196456C-D8C5-4A21-BE41-5372ECB01F10}" type="datetimeFigureOut">
               <a:rPr lang="zh-TW" altLang="en-US" smtClean="0"/>
-              <a:t>2015/7/24</a:t>
+              <a:t>2020/3/5</a:t>
             </a:fld>
             <a:endParaRPr lang="zh-TW" altLang="en-US"/>
           </a:p>
@@ -2266,7 +2282,7 @@
           <a:p>
             <a:fld id="{F196456C-D8C5-4A21-BE41-5372ECB01F10}" type="datetimeFigureOut">
               <a:rPr lang="zh-TW" altLang="en-US" smtClean="0"/>
-              <a:t>2015/7/24</a:t>
+              <a:t>2020/3/5</a:t>
             </a:fld>
             <a:endParaRPr lang="zh-TW" altLang="en-US"/>
           </a:p>
@@ -2400,7 +2416,7 @@
           <a:p>
             <a:fld id="{F196456C-D8C5-4A21-BE41-5372ECB01F10}" type="datetimeFigureOut">
               <a:rPr lang="zh-TW" altLang="en-US" smtClean="0"/>
-              <a:t>2015/7/24</a:t>
+              <a:t>2020/3/5</a:t>
             </a:fld>
             <a:endParaRPr lang="zh-TW" altLang="en-US"/>
           </a:p>
@@ -2703,7 +2719,7 @@
           <a:p>
             <a:fld id="{F196456C-D8C5-4A21-BE41-5372ECB01F10}" type="datetimeFigureOut">
               <a:rPr lang="zh-TW" altLang="en-US" smtClean="0"/>
-              <a:t>2015/7/24</a:t>
+              <a:t>2020/3/5</a:t>
             </a:fld>
             <a:endParaRPr lang="zh-TW" altLang="en-US"/>
           </a:p>
@@ -3427,8 +3443,19 @@
               <a:buNone/>
             </a:pPr>
             <a:r>
+              <a:rPr lang="zh-CN" altLang="en-US" sz="5400" dirty="0">
+                <a:latin typeface="Microsoft JhengHei" panose="020B0604030504040204" pitchFamily="34" charset="-120"/>
+                <a:ea typeface="Microsoft JhengHei" panose="020B0604030504040204" pitchFamily="34" charset="-120"/>
+              </a:rPr>
+              <a:t>祂</a:t>
+            </a:r>
+            <a:r>
               <a:rPr lang="zh-TW" altLang="en-US" sz="5400" dirty="0"/>
-              <a:t>關心愛護兒女</a:t>
+              <a:t>關</a:t>
+            </a:r>
+            <a:r>
+              <a:rPr lang="zh-TW" altLang="en-US" sz="5400" dirty="0"/>
+              <a:t>心愛護兒女</a:t>
             </a:r>
           </a:p>
         </p:txBody>

--- a/恩主頌.pptx
+++ b/恩主頌.pptx
@@ -2,14 +2,13 @@
 <file path=ppt/presentation.xml><?xml version="1.0" encoding="utf-8"?>
 <p:presentation xmlns:a="http://schemas.openxmlformats.org/drawingml/2006/main" xmlns:r="http://schemas.openxmlformats.org/officeDocument/2006/relationships" xmlns:p="http://schemas.openxmlformats.org/presentationml/2006/main" saveSubsetFonts="1">
   <p:sldMasterIdLst>
-    <p:sldMasterId id="2147483672" r:id="rId1"/>
+    <p:sldMasterId id="2147483684" r:id="rId1"/>
   </p:sldMasterIdLst>
   <p:sldIdLst>
     <p:sldId id="256" r:id="rId2"/>
     <p:sldId id="257" r:id="rId3"/>
-    <p:sldId id="258" r:id="rId4"/>
   </p:sldIdLst>
-  <p:sldSz cx="9144000" cy="6858000" type="screen4x3"/>
+  <p:sldSz cx="12192000" cy="6858000"/>
   <p:notesSz cx="6858000" cy="9144000"/>
   <p:defaultTextStyle>
     <a:defPPr>
@@ -109,12 +108,12 @@
   <p:extLst>
     <p:ext uri="{EFAFB233-063F-42B5-8137-9DF3F51BA10A}">
       <p15:sldGuideLst xmlns:p15="http://schemas.microsoft.com/office/powerpoint/2012/main">
-        <p15:guide id="1" orient="horz" pos="2160">
+        <p15:guide id="1" orient="horz" pos="2160" userDrawn="1">
           <p15:clr>
             <a:srgbClr val="A4A3A4"/>
           </p15:clr>
         </p15:guide>
-        <p15:guide id="2" pos="2880">
+        <p15:guide id="2" pos="3840" userDrawn="1">
           <p15:clr>
             <a:srgbClr val="A4A3A4"/>
           </p15:clr>
@@ -126,7 +125,7 @@
 </file>
 
 <file path=ppt/slideLayouts/slideLayout1.xml><?xml version="1.0" encoding="utf-8"?>
-<p:sldLayout xmlns:a="http://schemas.openxmlformats.org/drawingml/2006/main" xmlns:r="http://schemas.openxmlformats.org/officeDocument/2006/relationships" xmlns:p="http://schemas.openxmlformats.org/presentationml/2006/main" showMasterSp="0" type="title" preserve="1">
+<p:sldLayout xmlns:a="http://schemas.openxmlformats.org/drawingml/2006/main" xmlns:r="http://schemas.openxmlformats.org/officeDocument/2006/relationships" xmlns:p="http://schemas.openxmlformats.org/presentationml/2006/main" type="title" preserve="1">
   <p:cSld name="標題投影片">
     <p:spTree>
       <p:nvGrpSpPr>
@@ -144,57 +143,7 @@
       </p:grpSpPr>
       <p:sp>
         <p:nvSpPr>
-          <p:cNvPr id="7" name="直線接點 6"/>
-          <p:cNvSpPr>
-            <a:spLocks noChangeShapeType="1"/>
-          </p:cNvSpPr>
-          <p:nvPr/>
-        </p:nvSpPr>
-        <p:spPr bwMode="auto">
-          <a:xfrm>
-            <a:off x="514350" y="5349902"/>
-            <a:ext cx="8629650" cy="2381"/>
-          </a:xfrm>
-          <a:prstGeom prst="line">
-            <a:avLst/>
-          </a:prstGeom>
-          <a:noFill/>
-          <a:ln w="9525" cap="flat" cmpd="sng" algn="ctr">
-            <a:gradFill flip="none" rotWithShape="1">
-              <a:gsLst>
-                <a:gs pos="0">
-                  <a:schemeClr val="accent1">
-                    <a:alpha val="0"/>
-                  </a:schemeClr>
-                </a:gs>
-                <a:gs pos="17000">
-                  <a:schemeClr val="accent1"/>
-                </a:gs>
-                <a:gs pos="100000">
-                  <a:schemeClr val="accent1"/>
-                </a:gs>
-              </a:gsLst>
-              <a:lin ang="0" scaled="1"/>
-              <a:tileRect/>
-            </a:gradFill>
-            <a:prstDash val="solid"/>
-            <a:round/>
-            <a:headEnd type="none" w="med" len="med"/>
-            <a:tailEnd type="none" w="med" len="med"/>
-          </a:ln>
-          <a:effectLst/>
-        </p:spPr>
-        <p:txBody>
-          <a:bodyPr vert="horz" wrap="square" lIns="91440" tIns="45720" rIns="91440" bIns="45720" anchor="t" compatLnSpc="1"/>
-          <a:lstStyle/>
-          <a:p>
-            <a:endParaRPr kumimoji="0" lang="en-US"/>
-          </a:p>
-        </p:txBody>
-      </p:sp>
-      <p:sp>
-        <p:nvSpPr>
-          <p:cNvPr id="29" name="標題 28"/>
+          <p:cNvPr id="2" name="標題 1"/>
           <p:cNvSpPr>
             <a:spLocks noGrp="1"/>
           </p:cNvSpPr>
@@ -204,25 +153,25 @@
         </p:nvSpPr>
         <p:spPr>
           <a:xfrm>
-            <a:off x="381000" y="4853411"/>
-            <a:ext cx="8458200" cy="1222375"/>
+            <a:off x="914400" y="2130426"/>
+            <a:ext cx="10363200" cy="1470025"/>
           </a:xfrm>
         </p:spPr>
         <p:txBody>
-          <a:bodyPr anchor="t"/>
-          <a:lstStyle/>
-          <a:p>
-            <a:r>
-              <a:rPr kumimoji="0" lang="zh-TW" altLang="en-US" smtClean="0"/>
-              <a:t>按一下以編輯母片標題樣式</a:t>
-            </a:r>
-            <a:endParaRPr kumimoji="0" lang="en-US"/>
-          </a:p>
-        </p:txBody>
-      </p:sp>
-      <p:sp>
-        <p:nvSpPr>
-          <p:cNvPr id="9" name="副標題 8"/>
+          <a:bodyPr/>
+          <a:lstStyle/>
+          <a:p>
+            <a:r>
+              <a:rPr lang="en-US" altLang="zh-TW" smtClean="0"/>
+              <a:t>Click to edit Master title style</a:t>
+            </a:r>
+            <a:endParaRPr lang="zh-TW" altLang="en-US"/>
+          </a:p>
+        </p:txBody>
+      </p:sp>
+      <p:sp>
+        <p:nvSpPr>
+          <p:cNvPr id="3" name="副標題 2"/>
           <p:cNvSpPr>
             <a:spLocks noGrp="1"/>
           </p:cNvSpPr>
@@ -232,60 +181,116 @@
         </p:nvSpPr>
         <p:spPr>
           <a:xfrm>
-            <a:off x="381000" y="3886200"/>
-            <a:ext cx="8458200" cy="914400"/>
+            <a:off x="1828800" y="3886200"/>
+            <a:ext cx="8534400" cy="1752600"/>
           </a:xfrm>
         </p:spPr>
         <p:txBody>
-          <a:bodyPr anchor="b"/>
+          <a:bodyPr/>
           <a:lstStyle>
-            <a:lvl1pPr marL="0" indent="0" algn="l">
-              <a:buNone/>
-              <a:defRPr sz="2400">
+            <a:lvl1pPr marL="0" indent="0" algn="ctr">
+              <a:buNone/>
+              <a:defRPr>
                 <a:solidFill>
-                  <a:schemeClr val="tx2">
-                    <a:shade val="75000"/>
+                  <a:schemeClr val="tx1">
+                    <a:tint val="75000"/>
                   </a:schemeClr>
                 </a:solidFill>
               </a:defRPr>
             </a:lvl1pPr>
-            <a:lvl2pPr marL="457200" indent="0" algn="ctr">
-              <a:buNone/>
+            <a:lvl2pPr marL="609585" indent="0" algn="ctr">
+              <a:buNone/>
+              <a:defRPr>
+                <a:solidFill>
+                  <a:schemeClr val="tx1">
+                    <a:tint val="75000"/>
+                  </a:schemeClr>
+                </a:solidFill>
+              </a:defRPr>
             </a:lvl2pPr>
-            <a:lvl3pPr marL="914400" indent="0" algn="ctr">
-              <a:buNone/>
+            <a:lvl3pPr marL="1219170" indent="0" algn="ctr">
+              <a:buNone/>
+              <a:defRPr>
+                <a:solidFill>
+                  <a:schemeClr val="tx1">
+                    <a:tint val="75000"/>
+                  </a:schemeClr>
+                </a:solidFill>
+              </a:defRPr>
             </a:lvl3pPr>
-            <a:lvl4pPr marL="1371600" indent="0" algn="ctr">
-              <a:buNone/>
+            <a:lvl4pPr marL="1828754" indent="0" algn="ctr">
+              <a:buNone/>
+              <a:defRPr>
+                <a:solidFill>
+                  <a:schemeClr val="tx1">
+                    <a:tint val="75000"/>
+                  </a:schemeClr>
+                </a:solidFill>
+              </a:defRPr>
             </a:lvl4pPr>
-            <a:lvl5pPr marL="1828800" indent="0" algn="ctr">
-              <a:buNone/>
+            <a:lvl5pPr marL="2438339" indent="0" algn="ctr">
+              <a:buNone/>
+              <a:defRPr>
+                <a:solidFill>
+                  <a:schemeClr val="tx1">
+                    <a:tint val="75000"/>
+                  </a:schemeClr>
+                </a:solidFill>
+              </a:defRPr>
             </a:lvl5pPr>
-            <a:lvl6pPr marL="2286000" indent="0" algn="ctr">
-              <a:buNone/>
+            <a:lvl6pPr marL="3047924" indent="0" algn="ctr">
+              <a:buNone/>
+              <a:defRPr>
+                <a:solidFill>
+                  <a:schemeClr val="tx1">
+                    <a:tint val="75000"/>
+                  </a:schemeClr>
+                </a:solidFill>
+              </a:defRPr>
             </a:lvl6pPr>
-            <a:lvl7pPr marL="2743200" indent="0" algn="ctr">
-              <a:buNone/>
+            <a:lvl7pPr marL="3657509" indent="0" algn="ctr">
+              <a:buNone/>
+              <a:defRPr>
+                <a:solidFill>
+                  <a:schemeClr val="tx1">
+                    <a:tint val="75000"/>
+                  </a:schemeClr>
+                </a:solidFill>
+              </a:defRPr>
             </a:lvl7pPr>
-            <a:lvl8pPr marL="3200400" indent="0" algn="ctr">
-              <a:buNone/>
+            <a:lvl8pPr marL="4267093" indent="0" algn="ctr">
+              <a:buNone/>
+              <a:defRPr>
+                <a:solidFill>
+                  <a:schemeClr val="tx1">
+                    <a:tint val="75000"/>
+                  </a:schemeClr>
+                </a:solidFill>
+              </a:defRPr>
             </a:lvl8pPr>
-            <a:lvl9pPr marL="3657600" indent="0" algn="ctr">
-              <a:buNone/>
+            <a:lvl9pPr marL="4876678" indent="0" algn="ctr">
+              <a:buNone/>
+              <a:defRPr>
+                <a:solidFill>
+                  <a:schemeClr val="tx1">
+                    <a:tint val="75000"/>
+                  </a:schemeClr>
+                </a:solidFill>
+              </a:defRPr>
             </a:lvl9pPr>
           </a:lstStyle>
           <a:p>
             <a:r>
-              <a:rPr kumimoji="0" lang="zh-TW" altLang="en-US" smtClean="0"/>
-              <a:t>按一下以編輯母片副標題樣式</a:t>
-            </a:r>
-            <a:endParaRPr kumimoji="0" lang="en-US"/>
-          </a:p>
-        </p:txBody>
-      </p:sp>
-      <p:sp>
-        <p:nvSpPr>
-          <p:cNvPr id="16" name="日期版面配置區 15"/>
+              <a:rPr lang="en-US" altLang="zh-TW" smtClean="0"/>
+              <a:t>Click to edit Master subtitle style</a:t>
+            </a:r>
+            <a:endParaRPr lang="zh-TW" altLang="en-US"/>
+          </a:p>
+        </p:txBody>
+      </p:sp>
+      <p:sp>
+        <p:nvSpPr>
+          <p:cNvPr id="4" name="日期版面配置區 3"/>
           <p:cNvSpPr>
             <a:spLocks noGrp="1"/>
           </p:cNvSpPr>
@@ -300,7 +305,7 @@
           <a:p>
             <a:fld id="{F196456C-D8C5-4A21-BE41-5372ECB01F10}" type="datetimeFigureOut">
               <a:rPr lang="zh-TW" altLang="en-US" smtClean="0"/>
-              <a:t>2020/3/5</a:t>
+              <a:t>2020/3/14</a:t>
             </a:fld>
             <a:endParaRPr lang="zh-TW" altLang="en-US"/>
           </a:p>
@@ -308,7 +313,7 @@
       </p:sp>
       <p:sp>
         <p:nvSpPr>
-          <p:cNvPr id="2" name="頁尾版面配置區 1"/>
+          <p:cNvPr id="5" name="頁尾版面配置區 4"/>
           <p:cNvSpPr>
             <a:spLocks noGrp="1"/>
           </p:cNvSpPr>
@@ -327,7 +332,7 @@
       </p:sp>
       <p:sp>
         <p:nvSpPr>
-          <p:cNvPr id="15" name="投影片編號版面配置區 14"/>
+          <p:cNvPr id="6" name="投影片編號版面配置區 5"/>
           <p:cNvSpPr>
             <a:spLocks noGrp="1"/>
           </p:cNvSpPr>
@@ -335,12 +340,7 @@
             <p:ph type="sldNum" sz="quarter" idx="12"/>
           </p:nvPr>
         </p:nvSpPr>
-        <p:spPr>
-          <a:xfrm>
-            <a:off x="8229600" y="6473952"/>
-            <a:ext cx="758952" cy="246888"/>
-          </a:xfrm>
-        </p:spPr>
+        <p:spPr/>
         <p:txBody>
           <a:bodyPr/>
           <a:lstStyle/>
@@ -354,6 +354,11 @@
         </p:txBody>
       </p:sp>
     </p:spTree>
+    <p:extLst>
+      <p:ext uri="{BB962C8B-B14F-4D97-AF65-F5344CB8AC3E}">
+        <p14:creationId xmlns:p14="http://schemas.microsoft.com/office/powerpoint/2010/main" val="1416094763"/>
+      </p:ext>
+    </p:extLst>
   </p:cSld>
   <p:clrMapOvr>
     <a:masterClrMapping/>
@@ -394,10 +399,10 @@
           <a:lstStyle/>
           <a:p>
             <a:r>
-              <a:rPr kumimoji="0" lang="zh-TW" altLang="en-US" smtClean="0"/>
-              <a:t>按一下以編輯母片標題樣式</a:t>
-            </a:r>
-            <a:endParaRPr kumimoji="0" lang="en-US"/>
+              <a:rPr lang="en-US" altLang="zh-TW" smtClean="0"/>
+              <a:t>Click to edit Master title style</a:t>
+            </a:r>
+            <a:endParaRPr lang="zh-TW" altLang="en-US"/>
           </a:p>
         </p:txBody>
       </p:sp>
@@ -416,40 +421,40 @@
           <a:bodyPr vert="eaVert"/>
           <a:lstStyle/>
           <a:p>
-            <a:pPr lvl="0" eaLnBrk="1" latinLnBrk="0" hangingPunct="1"/>
-            <a:r>
-              <a:rPr lang="zh-TW" altLang="en-US" smtClean="0"/>
-              <a:t>按一下以編輯母片文字樣式</a:t>
-            </a:r>
-          </a:p>
-          <a:p>
-            <a:pPr lvl="1" eaLnBrk="1" latinLnBrk="0" hangingPunct="1"/>
-            <a:r>
-              <a:rPr lang="zh-TW" altLang="en-US" smtClean="0"/>
-              <a:t>第二層</a:t>
-            </a:r>
-          </a:p>
-          <a:p>
-            <a:pPr lvl="2" eaLnBrk="1" latinLnBrk="0" hangingPunct="1"/>
-            <a:r>
-              <a:rPr lang="zh-TW" altLang="en-US" smtClean="0"/>
-              <a:t>第三層</a:t>
-            </a:r>
-          </a:p>
-          <a:p>
-            <a:pPr lvl="3" eaLnBrk="1" latinLnBrk="0" hangingPunct="1"/>
-            <a:r>
-              <a:rPr lang="zh-TW" altLang="en-US" smtClean="0"/>
-              <a:t>第四層</a:t>
-            </a:r>
-          </a:p>
-          <a:p>
-            <a:pPr lvl="4" eaLnBrk="1" latinLnBrk="0" hangingPunct="1"/>
-            <a:r>
-              <a:rPr lang="zh-TW" altLang="en-US" smtClean="0"/>
-              <a:t>第五層</a:t>
-            </a:r>
-            <a:endParaRPr kumimoji="0" lang="en-US"/>
+            <a:pPr lvl="0"/>
+            <a:r>
+              <a:rPr lang="en-US" altLang="zh-TW" smtClean="0"/>
+              <a:t>Edit Master text styles</a:t>
+            </a:r>
+          </a:p>
+          <a:p>
+            <a:pPr lvl="1"/>
+            <a:r>
+              <a:rPr lang="en-US" altLang="zh-TW" smtClean="0"/>
+              <a:t>Second level</a:t>
+            </a:r>
+          </a:p>
+          <a:p>
+            <a:pPr lvl="2"/>
+            <a:r>
+              <a:rPr lang="en-US" altLang="zh-TW" smtClean="0"/>
+              <a:t>Third level</a:t>
+            </a:r>
+          </a:p>
+          <a:p>
+            <a:pPr lvl="3"/>
+            <a:r>
+              <a:rPr lang="en-US" altLang="zh-TW" smtClean="0"/>
+              <a:t>Fourth level</a:t>
+            </a:r>
+          </a:p>
+          <a:p>
+            <a:pPr lvl="4"/>
+            <a:r>
+              <a:rPr lang="en-US" altLang="zh-TW" smtClean="0"/>
+              <a:t>Fifth level</a:t>
+            </a:r>
+            <a:endParaRPr lang="zh-TW" altLang="en-US"/>
           </a:p>
         </p:txBody>
       </p:sp>
@@ -470,7 +475,7 @@
           <a:p>
             <a:fld id="{F196456C-D8C5-4A21-BE41-5372ECB01F10}" type="datetimeFigureOut">
               <a:rPr lang="zh-TW" altLang="en-US" smtClean="0"/>
-              <a:t>2020/3/5</a:t>
+              <a:t>2020/3/14</a:t>
             </a:fld>
             <a:endParaRPr lang="zh-TW" altLang="en-US"/>
           </a:p>
@@ -519,6 +524,11 @@
         </p:txBody>
       </p:sp>
     </p:spTree>
+    <p:extLst>
+      <p:ext uri="{BB962C8B-B14F-4D97-AF65-F5344CB8AC3E}">
+        <p14:creationId xmlns:p14="http://schemas.microsoft.com/office/powerpoint/2010/main" val="2214940149"/>
+      </p:ext>
+    </p:extLst>
   </p:cSld>
   <p:clrMapOvr>
     <a:masterClrMapping/>
@@ -527,7 +537,7 @@
 </file>
 
 <file path=ppt/slideLayouts/slideLayout11.xml><?xml version="1.0" encoding="utf-8"?>
-<p:sldLayout xmlns:a="http://schemas.openxmlformats.org/drawingml/2006/main" xmlns:r="http://schemas.openxmlformats.org/officeDocument/2006/relationships" xmlns:p="http://schemas.openxmlformats.org/presentationml/2006/main" showMasterSp="0" type="vertTitleAndTx" preserve="1">
+<p:sldLayout xmlns:a="http://schemas.openxmlformats.org/drawingml/2006/main" xmlns:r="http://schemas.openxmlformats.org/officeDocument/2006/relationships" xmlns:p="http://schemas.openxmlformats.org/presentationml/2006/main" type="vertTitleAndTx" preserve="1">
   <p:cSld name="直排標題及文字">
     <p:spTree>
       <p:nvGrpSpPr>
@@ -555,8 +565,8 @@
         </p:nvSpPr>
         <p:spPr>
           <a:xfrm>
-            <a:off x="6858000" y="549276"/>
-            <a:ext cx="1828800" cy="5851525"/>
+            <a:off x="8839200" y="274639"/>
+            <a:ext cx="2743200" cy="5851525"/>
           </a:xfrm>
         </p:spPr>
         <p:txBody>
@@ -564,10 +574,10 @@
           <a:lstStyle/>
           <a:p>
             <a:r>
-              <a:rPr kumimoji="0" lang="zh-TW" altLang="en-US" smtClean="0"/>
-              <a:t>按一下以編輯母片標題樣式</a:t>
-            </a:r>
-            <a:endParaRPr kumimoji="0" lang="en-US"/>
+              <a:rPr lang="en-US" altLang="zh-TW" smtClean="0"/>
+              <a:t>Click to edit Master title style</a:t>
+            </a:r>
+            <a:endParaRPr lang="zh-TW" altLang="en-US"/>
           </a:p>
         </p:txBody>
       </p:sp>
@@ -583,48 +593,48 @@
         </p:nvSpPr>
         <p:spPr>
           <a:xfrm>
-            <a:off x="457200" y="549276"/>
-            <a:ext cx="6248400" cy="5851525"/>
+            <a:off x="609600" y="274639"/>
+            <a:ext cx="8026400" cy="5851525"/>
           </a:xfrm>
         </p:spPr>
         <p:txBody>
           <a:bodyPr vert="eaVert"/>
           <a:lstStyle/>
           <a:p>
-            <a:pPr lvl="0" eaLnBrk="1" latinLnBrk="0" hangingPunct="1"/>
-            <a:r>
-              <a:rPr lang="zh-TW" altLang="en-US" smtClean="0"/>
-              <a:t>按一下以編輯母片文字樣式</a:t>
-            </a:r>
-          </a:p>
-          <a:p>
-            <a:pPr lvl="1" eaLnBrk="1" latinLnBrk="0" hangingPunct="1"/>
-            <a:r>
-              <a:rPr lang="zh-TW" altLang="en-US" smtClean="0"/>
-              <a:t>第二層</a:t>
-            </a:r>
-          </a:p>
-          <a:p>
-            <a:pPr lvl="2" eaLnBrk="1" latinLnBrk="0" hangingPunct="1"/>
-            <a:r>
-              <a:rPr lang="zh-TW" altLang="en-US" smtClean="0"/>
-              <a:t>第三層</a:t>
-            </a:r>
-          </a:p>
-          <a:p>
-            <a:pPr lvl="3" eaLnBrk="1" latinLnBrk="0" hangingPunct="1"/>
-            <a:r>
-              <a:rPr lang="zh-TW" altLang="en-US" smtClean="0"/>
-              <a:t>第四層</a:t>
-            </a:r>
-          </a:p>
-          <a:p>
-            <a:pPr lvl="4" eaLnBrk="1" latinLnBrk="0" hangingPunct="1"/>
-            <a:r>
-              <a:rPr lang="zh-TW" altLang="en-US" smtClean="0"/>
-              <a:t>第五層</a:t>
-            </a:r>
-            <a:endParaRPr kumimoji="0" lang="en-US"/>
+            <a:pPr lvl="0"/>
+            <a:r>
+              <a:rPr lang="en-US" altLang="zh-TW" smtClean="0"/>
+              <a:t>Edit Master text styles</a:t>
+            </a:r>
+          </a:p>
+          <a:p>
+            <a:pPr lvl="1"/>
+            <a:r>
+              <a:rPr lang="en-US" altLang="zh-TW" smtClean="0"/>
+              <a:t>Second level</a:t>
+            </a:r>
+          </a:p>
+          <a:p>
+            <a:pPr lvl="2"/>
+            <a:r>
+              <a:rPr lang="en-US" altLang="zh-TW" smtClean="0"/>
+              <a:t>Third level</a:t>
+            </a:r>
+          </a:p>
+          <a:p>
+            <a:pPr lvl="3"/>
+            <a:r>
+              <a:rPr lang="en-US" altLang="zh-TW" smtClean="0"/>
+              <a:t>Fourth level</a:t>
+            </a:r>
+          </a:p>
+          <a:p>
+            <a:pPr lvl="4"/>
+            <a:r>
+              <a:rPr lang="en-US" altLang="zh-TW" smtClean="0"/>
+              <a:t>Fifth level</a:t>
+            </a:r>
+            <a:endParaRPr lang="zh-TW" altLang="en-US"/>
           </a:p>
         </p:txBody>
       </p:sp>
@@ -645,7 +655,7 @@
           <a:p>
             <a:fld id="{F196456C-D8C5-4A21-BE41-5372ECB01F10}" type="datetimeFigureOut">
               <a:rPr lang="zh-TW" altLang="en-US" smtClean="0"/>
-              <a:t>2020/3/5</a:t>
+              <a:t>2020/3/14</a:t>
             </a:fld>
             <a:endParaRPr lang="zh-TW" altLang="en-US"/>
           </a:p>
@@ -694,6 +704,11 @@
         </p:txBody>
       </p:sp>
     </p:spTree>
+    <p:extLst>
+      <p:ext uri="{BB962C8B-B14F-4D97-AF65-F5344CB8AC3E}">
+        <p14:creationId xmlns:p14="http://schemas.microsoft.com/office/powerpoint/2010/main" val="681157346"/>
+      </p:ext>
+    </p:extLst>
   </p:cSld>
   <p:clrMapOvr>
     <a:masterClrMapping/>
@@ -720,7 +735,7 @@
       </p:grpSpPr>
       <p:sp>
         <p:nvSpPr>
-          <p:cNvPr id="22" name="標題 21"/>
+          <p:cNvPr id="2" name="標題 1"/>
           <p:cNvSpPr>
             <a:spLocks noGrp="1"/>
           </p:cNvSpPr>
@@ -734,16 +749,16 @@
           <a:lstStyle/>
           <a:p>
             <a:r>
-              <a:rPr kumimoji="0" lang="zh-TW" altLang="en-US" smtClean="0"/>
-              <a:t>按一下以編輯母片標題樣式</a:t>
-            </a:r>
-            <a:endParaRPr kumimoji="0" lang="en-US"/>
-          </a:p>
-        </p:txBody>
-      </p:sp>
-      <p:sp>
-        <p:nvSpPr>
-          <p:cNvPr id="27" name="內容版面配置區 26"/>
+              <a:rPr lang="en-US" altLang="zh-TW" smtClean="0"/>
+              <a:t>Click to edit Master title style</a:t>
+            </a:r>
+            <a:endParaRPr lang="zh-TW" altLang="en-US"/>
+          </a:p>
+        </p:txBody>
+      </p:sp>
+      <p:sp>
+        <p:nvSpPr>
+          <p:cNvPr id="3" name="內容版面配置區 2"/>
           <p:cNvSpPr>
             <a:spLocks noGrp="1"/>
           </p:cNvSpPr>
@@ -756,46 +771,46 @@
           <a:bodyPr/>
           <a:lstStyle/>
           <a:p>
-            <a:pPr lvl="0" eaLnBrk="1" latinLnBrk="0" hangingPunct="1"/>
-            <a:r>
-              <a:rPr lang="zh-TW" altLang="en-US" smtClean="0"/>
-              <a:t>按一下以編輯母片文字樣式</a:t>
-            </a:r>
-          </a:p>
-          <a:p>
-            <a:pPr lvl="1" eaLnBrk="1" latinLnBrk="0" hangingPunct="1"/>
-            <a:r>
-              <a:rPr lang="zh-TW" altLang="en-US" smtClean="0"/>
-              <a:t>第二層</a:t>
-            </a:r>
-          </a:p>
-          <a:p>
-            <a:pPr lvl="2" eaLnBrk="1" latinLnBrk="0" hangingPunct="1"/>
-            <a:r>
-              <a:rPr lang="zh-TW" altLang="en-US" smtClean="0"/>
-              <a:t>第三層</a:t>
-            </a:r>
-          </a:p>
-          <a:p>
-            <a:pPr lvl="3" eaLnBrk="1" latinLnBrk="0" hangingPunct="1"/>
-            <a:r>
-              <a:rPr lang="zh-TW" altLang="en-US" smtClean="0"/>
-              <a:t>第四層</a:t>
-            </a:r>
-          </a:p>
-          <a:p>
-            <a:pPr lvl="4" eaLnBrk="1" latinLnBrk="0" hangingPunct="1"/>
-            <a:r>
-              <a:rPr lang="zh-TW" altLang="en-US" smtClean="0"/>
-              <a:t>第五層</a:t>
-            </a:r>
-            <a:endParaRPr kumimoji="0" lang="en-US"/>
-          </a:p>
-        </p:txBody>
-      </p:sp>
-      <p:sp>
-        <p:nvSpPr>
-          <p:cNvPr id="25" name="日期版面配置區 24"/>
+            <a:pPr lvl="0"/>
+            <a:r>
+              <a:rPr lang="en-US" altLang="zh-TW" smtClean="0"/>
+              <a:t>Edit Master text styles</a:t>
+            </a:r>
+          </a:p>
+          <a:p>
+            <a:pPr lvl="1"/>
+            <a:r>
+              <a:rPr lang="en-US" altLang="zh-TW" smtClean="0"/>
+              <a:t>Second level</a:t>
+            </a:r>
+          </a:p>
+          <a:p>
+            <a:pPr lvl="2"/>
+            <a:r>
+              <a:rPr lang="en-US" altLang="zh-TW" smtClean="0"/>
+              <a:t>Third level</a:t>
+            </a:r>
+          </a:p>
+          <a:p>
+            <a:pPr lvl="3"/>
+            <a:r>
+              <a:rPr lang="en-US" altLang="zh-TW" smtClean="0"/>
+              <a:t>Fourth level</a:t>
+            </a:r>
+          </a:p>
+          <a:p>
+            <a:pPr lvl="4"/>
+            <a:r>
+              <a:rPr lang="en-US" altLang="zh-TW" smtClean="0"/>
+              <a:t>Fifth level</a:t>
+            </a:r>
+            <a:endParaRPr lang="zh-TW" altLang="en-US"/>
+          </a:p>
+        </p:txBody>
+      </p:sp>
+      <p:sp>
+        <p:nvSpPr>
+          <p:cNvPr id="4" name="日期版面配置區 3"/>
           <p:cNvSpPr>
             <a:spLocks noGrp="1"/>
           </p:cNvSpPr>
@@ -810,7 +825,7 @@
           <a:p>
             <a:fld id="{F196456C-D8C5-4A21-BE41-5372ECB01F10}" type="datetimeFigureOut">
               <a:rPr lang="zh-TW" altLang="en-US" smtClean="0"/>
-              <a:t>2020/3/5</a:t>
+              <a:t>2020/3/14</a:t>
             </a:fld>
             <a:endParaRPr lang="zh-TW" altLang="en-US"/>
           </a:p>
@@ -818,7 +833,7 @@
       </p:sp>
       <p:sp>
         <p:nvSpPr>
-          <p:cNvPr id="19" name="頁尾版面配置區 18"/>
+          <p:cNvPr id="5" name="頁尾版面配置區 4"/>
           <p:cNvSpPr>
             <a:spLocks noGrp="1"/>
           </p:cNvSpPr>
@@ -826,23 +841,18 @@
             <p:ph type="ftr" sz="quarter" idx="11"/>
           </p:nvPr>
         </p:nvSpPr>
-        <p:spPr>
-          <a:xfrm>
-            <a:off x="3581400" y="76200"/>
-            <a:ext cx="2895600" cy="288925"/>
-          </a:xfrm>
-        </p:spPr>
-        <p:txBody>
-          <a:bodyPr/>
-          <a:lstStyle/>
-          <a:p>
-            <a:endParaRPr lang="zh-TW" altLang="en-US"/>
-          </a:p>
-        </p:txBody>
-      </p:sp>
-      <p:sp>
-        <p:nvSpPr>
-          <p:cNvPr id="16" name="投影片編號版面配置區 15"/>
+        <p:spPr/>
+        <p:txBody>
+          <a:bodyPr/>
+          <a:lstStyle/>
+          <a:p>
+            <a:endParaRPr lang="zh-TW" altLang="en-US"/>
+          </a:p>
+        </p:txBody>
+      </p:sp>
+      <p:sp>
+        <p:nvSpPr>
+          <p:cNvPr id="6" name="投影片編號版面配置區 5"/>
           <p:cNvSpPr>
             <a:spLocks noGrp="1"/>
           </p:cNvSpPr>
@@ -850,12 +860,7 @@
             <p:ph type="sldNum" sz="quarter" idx="12"/>
           </p:nvPr>
         </p:nvSpPr>
-        <p:spPr>
-          <a:xfrm>
-            <a:off x="8229600" y="6473952"/>
-            <a:ext cx="758952" cy="246888"/>
-          </a:xfrm>
-        </p:spPr>
+        <p:spPr/>
         <p:txBody>
           <a:bodyPr/>
           <a:lstStyle/>
@@ -869,6 +874,11 @@
         </p:txBody>
       </p:sp>
     </p:spTree>
+    <p:extLst>
+      <p:ext uri="{BB962C8B-B14F-4D97-AF65-F5344CB8AC3E}">
+        <p14:creationId xmlns:p14="http://schemas.microsoft.com/office/powerpoint/2010/main" val="2248061315"/>
+      </p:ext>
+    </p:extLst>
   </p:cSld>
   <p:clrMapOvr>
     <a:masterClrMapping/>
@@ -877,13 +887,8 @@
 </file>
 
 <file path=ppt/slideLayouts/slideLayout3.xml><?xml version="1.0" encoding="utf-8"?>
-<p:sldLayout xmlns:a="http://schemas.openxmlformats.org/drawingml/2006/main" xmlns:r="http://schemas.openxmlformats.org/officeDocument/2006/relationships" xmlns:p="http://schemas.openxmlformats.org/presentationml/2006/main" showMasterSp="0" type="secHead" preserve="1">
+<p:sldLayout xmlns:a="http://schemas.openxmlformats.org/drawingml/2006/main" xmlns:r="http://schemas.openxmlformats.org/officeDocument/2006/relationships" xmlns:p="http://schemas.openxmlformats.org/presentationml/2006/main" type="secHead" preserve="1">
   <p:cSld name="區段標題">
-    <p:bg>
-      <p:bgRef idx="1003">
-        <a:schemeClr val="bg2"/>
-      </p:bgRef>
-    </p:bg>
     <p:spTree>
       <p:nvGrpSpPr>
         <p:cNvPr id="1" name=""/>
@@ -900,86 +905,68 @@
       </p:grpSpPr>
       <p:sp>
         <p:nvSpPr>
-          <p:cNvPr id="7" name="直線接點 6"/>
-          <p:cNvSpPr>
-            <a:spLocks noChangeShapeType="1"/>
-          </p:cNvSpPr>
-          <p:nvPr/>
-        </p:nvSpPr>
-        <p:spPr bwMode="auto">
-          <a:xfrm>
-            <a:off x="514350" y="3444902"/>
-            <a:ext cx="8629650" cy="2381"/>
-          </a:xfrm>
-          <a:prstGeom prst="line">
-            <a:avLst/>
-          </a:prstGeom>
-          <a:noFill/>
-          <a:ln w="9525" cap="flat" cmpd="sng" algn="ctr">
-            <a:gradFill flip="none" rotWithShape="1">
-              <a:gsLst>
-                <a:gs pos="0">
-                  <a:schemeClr val="accent1">
-                    <a:alpha val="0"/>
-                  </a:schemeClr>
-                </a:gs>
-                <a:gs pos="17000">
-                  <a:schemeClr val="accent1"/>
-                </a:gs>
-                <a:gs pos="100000">
-                  <a:schemeClr val="accent1"/>
-                </a:gs>
-              </a:gsLst>
-              <a:lin ang="0" scaled="1"/>
-              <a:tileRect/>
-            </a:gradFill>
-            <a:prstDash val="solid"/>
-            <a:round/>
-            <a:headEnd type="none" w="med" len="med"/>
-            <a:tailEnd type="none" w="med" len="med"/>
-          </a:ln>
-          <a:effectLst/>
-        </p:spPr>
-        <p:txBody>
-          <a:bodyPr vert="horz" wrap="square" lIns="91440" tIns="45720" rIns="91440" bIns="45720" anchor="t" compatLnSpc="1"/>
-          <a:lstStyle/>
-          <a:p>
-            <a:endParaRPr kumimoji="0" lang="en-US"/>
-          </a:p>
-        </p:txBody>
-      </p:sp>
-      <p:sp>
-        <p:nvSpPr>
-          <p:cNvPr id="6" name="文字版面配置區 5"/>
-          <p:cNvSpPr>
-            <a:spLocks noGrp="1"/>
-          </p:cNvSpPr>
-          <p:nvPr>
-            <p:ph type="body" idx="1"/>
+          <p:cNvPr id="2" name="標題 1"/>
+          <p:cNvSpPr>
+            <a:spLocks noGrp="1"/>
+          </p:cNvSpPr>
+          <p:nvPr>
+            <p:ph type="title"/>
           </p:nvPr>
         </p:nvSpPr>
         <p:spPr>
           <a:xfrm>
-            <a:off x="381000" y="1676400"/>
-            <a:ext cx="8458200" cy="1219200"/>
+            <a:off x="963084" y="4406901"/>
+            <a:ext cx="10363200" cy="1362075"/>
           </a:xfrm>
         </p:spPr>
         <p:txBody>
+          <a:bodyPr anchor="t"/>
+          <a:lstStyle>
+            <a:lvl1pPr algn="l">
+              <a:defRPr sz="5333" b="1" cap="all"/>
+            </a:lvl1pPr>
+          </a:lstStyle>
+          <a:p>
+            <a:r>
+              <a:rPr lang="en-US" altLang="zh-TW" smtClean="0"/>
+              <a:t>Click to edit Master title style</a:t>
+            </a:r>
+            <a:endParaRPr lang="zh-TW" altLang="en-US"/>
+          </a:p>
+        </p:txBody>
+      </p:sp>
+      <p:sp>
+        <p:nvSpPr>
+          <p:cNvPr id="3" name="文字版面配置區 2"/>
+          <p:cNvSpPr>
+            <a:spLocks noGrp="1"/>
+          </p:cNvSpPr>
+          <p:nvPr>
+            <p:ph type="body" idx="1"/>
+          </p:nvPr>
+        </p:nvSpPr>
+        <p:spPr>
+          <a:xfrm>
+            <a:off x="963084" y="2906713"/>
+            <a:ext cx="10363200" cy="1500187"/>
+          </a:xfrm>
+        </p:spPr>
+        <p:txBody>
           <a:bodyPr anchor="b"/>
           <a:lstStyle>
-            <a:lvl1pPr marL="0" indent="0" algn="r">
-              <a:buNone/>
-              <a:defRPr sz="2000">
+            <a:lvl1pPr marL="0" indent="0">
+              <a:buNone/>
+              <a:defRPr sz="2667">
                 <a:solidFill>
-                  <a:schemeClr val="tx2">
-                    <a:shade val="75000"/>
+                  <a:schemeClr val="tx1">
+                    <a:tint val="75000"/>
                   </a:schemeClr>
                 </a:solidFill>
               </a:defRPr>
             </a:lvl1pPr>
-            <a:lvl2pPr>
-              <a:buNone/>
-              <a:defRPr sz="1800">
+            <a:lvl2pPr marL="609585" indent="0">
+              <a:buNone/>
+              <a:defRPr sz="2400">
                 <a:solidFill>
                   <a:schemeClr val="tx1">
                     <a:tint val="75000"/>
@@ -987,9 +974,9 @@
                 </a:solidFill>
               </a:defRPr>
             </a:lvl2pPr>
-            <a:lvl3pPr>
-              <a:buNone/>
-              <a:defRPr sz="1600">
+            <a:lvl3pPr marL="1219170" indent="0">
+              <a:buNone/>
+              <a:defRPr sz="2133">
                 <a:solidFill>
                   <a:schemeClr val="tx1">
                     <a:tint val="75000"/>
@@ -997,9 +984,9 @@
                 </a:solidFill>
               </a:defRPr>
             </a:lvl3pPr>
-            <a:lvl4pPr>
-              <a:buNone/>
-              <a:defRPr sz="1400">
+            <a:lvl4pPr marL="1828754" indent="0">
+              <a:buNone/>
+              <a:defRPr sz="1867">
                 <a:solidFill>
                   <a:schemeClr val="tx1">
                     <a:tint val="75000"/>
@@ -1007,9 +994,9 @@
                 </a:solidFill>
               </a:defRPr>
             </a:lvl4pPr>
-            <a:lvl5pPr>
-              <a:buNone/>
-              <a:defRPr sz="1400">
+            <a:lvl5pPr marL="2438339" indent="0">
+              <a:buNone/>
+              <a:defRPr sz="1867">
                 <a:solidFill>
                   <a:schemeClr val="tx1">
                     <a:tint val="75000"/>
@@ -1017,19 +1004,59 @@
                 </a:solidFill>
               </a:defRPr>
             </a:lvl5pPr>
+            <a:lvl6pPr marL="3047924" indent="0">
+              <a:buNone/>
+              <a:defRPr sz="1867">
+                <a:solidFill>
+                  <a:schemeClr val="tx1">
+                    <a:tint val="75000"/>
+                  </a:schemeClr>
+                </a:solidFill>
+              </a:defRPr>
+            </a:lvl6pPr>
+            <a:lvl7pPr marL="3657509" indent="0">
+              <a:buNone/>
+              <a:defRPr sz="1867">
+                <a:solidFill>
+                  <a:schemeClr val="tx1">
+                    <a:tint val="75000"/>
+                  </a:schemeClr>
+                </a:solidFill>
+              </a:defRPr>
+            </a:lvl7pPr>
+            <a:lvl8pPr marL="4267093" indent="0">
+              <a:buNone/>
+              <a:defRPr sz="1867">
+                <a:solidFill>
+                  <a:schemeClr val="tx1">
+                    <a:tint val="75000"/>
+                  </a:schemeClr>
+                </a:solidFill>
+              </a:defRPr>
+            </a:lvl8pPr>
+            <a:lvl9pPr marL="4876678" indent="0">
+              <a:buNone/>
+              <a:defRPr sz="1867">
+                <a:solidFill>
+                  <a:schemeClr val="tx1">
+                    <a:tint val="75000"/>
+                  </a:schemeClr>
+                </a:solidFill>
+              </a:defRPr>
+            </a:lvl9pPr>
           </a:lstStyle>
           <a:p>
-            <a:pPr lvl="0" eaLnBrk="1" latinLnBrk="0" hangingPunct="1"/>
-            <a:r>
-              <a:rPr kumimoji="0" lang="zh-TW" altLang="en-US" smtClean="0"/>
-              <a:t>按一下以編輯母片文字樣式</a:t>
-            </a:r>
-          </a:p>
-        </p:txBody>
-      </p:sp>
-      <p:sp>
-        <p:nvSpPr>
-          <p:cNvPr id="19" name="日期版面配置區 18"/>
+            <a:pPr lvl="0"/>
+            <a:r>
+              <a:rPr lang="en-US" altLang="zh-TW" smtClean="0"/>
+              <a:t>Edit Master text styles</a:t>
+            </a:r>
+          </a:p>
+        </p:txBody>
+      </p:sp>
+      <p:sp>
+        <p:nvSpPr>
+          <p:cNvPr id="4" name="日期版面配置區 3"/>
           <p:cNvSpPr>
             <a:spLocks noGrp="1"/>
           </p:cNvSpPr>
@@ -1044,7 +1071,7 @@
           <a:p>
             <a:fld id="{F196456C-D8C5-4A21-BE41-5372ECB01F10}" type="datetimeFigureOut">
               <a:rPr lang="zh-TW" altLang="en-US" smtClean="0"/>
-              <a:t>2020/3/5</a:t>
+              <a:t>2020/3/14</a:t>
             </a:fld>
             <a:endParaRPr lang="zh-TW" altLang="en-US"/>
           </a:p>
@@ -1052,7 +1079,7 @@
       </p:sp>
       <p:sp>
         <p:nvSpPr>
-          <p:cNvPr id="11" name="頁尾版面配置區 10"/>
+          <p:cNvPr id="5" name="頁尾版面配置區 4"/>
           <p:cNvSpPr>
             <a:spLocks noGrp="1"/>
           </p:cNvSpPr>
@@ -1071,7 +1098,7 @@
       </p:sp>
       <p:sp>
         <p:nvSpPr>
-          <p:cNvPr id="16" name="投影片編號版面配置區 15"/>
+          <p:cNvPr id="6" name="投影片編號版面配置區 5"/>
           <p:cNvSpPr>
             <a:spLocks noGrp="1"/>
           </p:cNvSpPr>
@@ -1092,42 +1119,15 @@
           </a:p>
         </p:txBody>
       </p:sp>
-      <p:sp>
-        <p:nvSpPr>
-          <p:cNvPr id="8" name="標題 7"/>
-          <p:cNvSpPr>
-            <a:spLocks noGrp="1"/>
-          </p:cNvSpPr>
-          <p:nvPr>
-            <p:ph type="title"/>
-          </p:nvPr>
-        </p:nvSpPr>
-        <p:spPr>
-          <a:xfrm>
-            <a:off x="180475" y="2947085"/>
-            <a:ext cx="8686800" cy="1184825"/>
-          </a:xfrm>
-        </p:spPr>
-        <p:txBody>
-          <a:bodyPr rtlCol="0" anchor="t"/>
-          <a:lstStyle>
-            <a:lvl1pPr algn="r">
-              <a:defRPr/>
-            </a:lvl1pPr>
-          </a:lstStyle>
-          <a:p>
-            <a:r>
-              <a:rPr kumimoji="0" lang="zh-TW" altLang="en-US" smtClean="0"/>
-              <a:t>按一下以編輯母片標題樣式</a:t>
-            </a:r>
-            <a:endParaRPr kumimoji="0" lang="en-US"/>
-          </a:p>
-        </p:txBody>
-      </p:sp>
     </p:spTree>
+    <p:extLst>
+      <p:ext uri="{BB962C8B-B14F-4D97-AF65-F5344CB8AC3E}">
+        <p14:creationId xmlns:p14="http://schemas.microsoft.com/office/powerpoint/2010/main" val="3687689190"/>
+      </p:ext>
+    </p:extLst>
   </p:cSld>
   <p:clrMapOvr>
-    <a:overrideClrMapping bg1="dk1" tx1="lt1" bg2="dk2" tx2="lt2" accent1="accent1" accent2="accent2" accent3="accent3" accent4="accent4" accent5="accent5" accent6="accent6" hlink="hlink" folHlink="folHlink"/>
+    <a:masterClrMapping/>
   </p:clrMapOvr>
 </p:sldLayout>
 </file>
@@ -1151,181 +1151,200 @@
       </p:grpSpPr>
       <p:sp>
         <p:nvSpPr>
-          <p:cNvPr id="20" name="標題 19"/>
+          <p:cNvPr id="2" name="標題 1"/>
           <p:cNvSpPr>
             <a:spLocks noGrp="1"/>
           </p:cNvSpPr>
           <p:nvPr>
             <p:ph type="title"/>
+          </p:nvPr>
+        </p:nvSpPr>
+        <p:spPr/>
+        <p:txBody>
+          <a:bodyPr/>
+          <a:lstStyle/>
+          <a:p>
+            <a:r>
+              <a:rPr lang="en-US" altLang="zh-TW" smtClean="0"/>
+              <a:t>Click to edit Master title style</a:t>
+            </a:r>
+            <a:endParaRPr lang="zh-TW" altLang="en-US"/>
+          </a:p>
+        </p:txBody>
+      </p:sp>
+      <p:sp>
+        <p:nvSpPr>
+          <p:cNvPr id="3" name="內容版面配置區 2"/>
+          <p:cNvSpPr>
+            <a:spLocks noGrp="1"/>
+          </p:cNvSpPr>
+          <p:nvPr>
+            <p:ph sz="half" idx="1"/>
           </p:nvPr>
         </p:nvSpPr>
         <p:spPr>
           <a:xfrm>
-            <a:off x="301752" y="457200"/>
-            <a:ext cx="8686800" cy="841248"/>
+            <a:off x="609600" y="1600201"/>
+            <a:ext cx="5384800" cy="4525963"/>
           </a:xfrm>
         </p:spPr>
         <p:txBody>
           <a:bodyPr/>
-          <a:lstStyle/>
-          <a:p>
-            <a:r>
-              <a:rPr kumimoji="0" lang="zh-TW" altLang="en-US" smtClean="0"/>
-              <a:t>按一下以編輯母片標題樣式</a:t>
-            </a:r>
-            <a:endParaRPr kumimoji="0" lang="en-US"/>
-          </a:p>
-        </p:txBody>
-      </p:sp>
-      <p:sp>
-        <p:nvSpPr>
-          <p:cNvPr id="14" name="內容版面配置區 13"/>
-          <p:cNvSpPr>
-            <a:spLocks noGrp="1"/>
-          </p:cNvSpPr>
-          <p:nvPr>
-            <p:ph sz="half" idx="1"/>
+          <a:lstStyle>
+            <a:lvl1pPr>
+              <a:defRPr sz="3733"/>
+            </a:lvl1pPr>
+            <a:lvl2pPr>
+              <a:defRPr sz="3200"/>
+            </a:lvl2pPr>
+            <a:lvl3pPr>
+              <a:defRPr sz="2667"/>
+            </a:lvl3pPr>
+            <a:lvl4pPr>
+              <a:defRPr sz="2400"/>
+            </a:lvl4pPr>
+            <a:lvl5pPr>
+              <a:defRPr sz="2400"/>
+            </a:lvl5pPr>
+            <a:lvl6pPr>
+              <a:defRPr sz="2400"/>
+            </a:lvl6pPr>
+            <a:lvl7pPr>
+              <a:defRPr sz="2400"/>
+            </a:lvl7pPr>
+            <a:lvl8pPr>
+              <a:defRPr sz="2400"/>
+            </a:lvl8pPr>
+            <a:lvl9pPr>
+              <a:defRPr sz="2400"/>
+            </a:lvl9pPr>
+          </a:lstStyle>
+          <a:p>
+            <a:pPr lvl="0"/>
+            <a:r>
+              <a:rPr lang="en-US" altLang="zh-TW" smtClean="0"/>
+              <a:t>Edit Master text styles</a:t>
+            </a:r>
+          </a:p>
+          <a:p>
+            <a:pPr lvl="1"/>
+            <a:r>
+              <a:rPr lang="en-US" altLang="zh-TW" smtClean="0"/>
+              <a:t>Second level</a:t>
+            </a:r>
+          </a:p>
+          <a:p>
+            <a:pPr lvl="2"/>
+            <a:r>
+              <a:rPr lang="en-US" altLang="zh-TW" smtClean="0"/>
+              <a:t>Third level</a:t>
+            </a:r>
+          </a:p>
+          <a:p>
+            <a:pPr lvl="3"/>
+            <a:r>
+              <a:rPr lang="en-US" altLang="zh-TW" smtClean="0"/>
+              <a:t>Fourth level</a:t>
+            </a:r>
+          </a:p>
+          <a:p>
+            <a:pPr lvl="4"/>
+            <a:r>
+              <a:rPr lang="en-US" altLang="zh-TW" smtClean="0"/>
+              <a:t>Fifth level</a:t>
+            </a:r>
+            <a:endParaRPr lang="zh-TW" altLang="en-US"/>
+          </a:p>
+        </p:txBody>
+      </p:sp>
+      <p:sp>
+        <p:nvSpPr>
+          <p:cNvPr id="4" name="內容版面配置區 3"/>
+          <p:cNvSpPr>
+            <a:spLocks noGrp="1"/>
+          </p:cNvSpPr>
+          <p:nvPr>
+            <p:ph sz="half" idx="2"/>
           </p:nvPr>
         </p:nvSpPr>
         <p:spPr>
           <a:xfrm>
-            <a:off x="304800" y="1600200"/>
-            <a:ext cx="4191000" cy="4724400"/>
+            <a:off x="6197600" y="1600201"/>
+            <a:ext cx="5384800" cy="4525963"/>
           </a:xfrm>
         </p:spPr>
         <p:txBody>
           <a:bodyPr/>
           <a:lstStyle>
             <a:lvl1pPr>
-              <a:defRPr sz="2800"/>
+              <a:defRPr sz="3733"/>
             </a:lvl1pPr>
             <a:lvl2pPr>
-              <a:defRPr sz="2400"/>
+              <a:defRPr sz="3200"/>
             </a:lvl2pPr>
             <a:lvl3pPr>
-              <a:defRPr sz="2000"/>
+              <a:defRPr sz="2667"/>
             </a:lvl3pPr>
             <a:lvl4pPr>
-              <a:defRPr sz="1800"/>
+              <a:defRPr sz="2400"/>
             </a:lvl4pPr>
             <a:lvl5pPr>
-              <a:defRPr sz="1800"/>
+              <a:defRPr sz="2400"/>
             </a:lvl5pPr>
+            <a:lvl6pPr>
+              <a:defRPr sz="2400"/>
+            </a:lvl6pPr>
+            <a:lvl7pPr>
+              <a:defRPr sz="2400"/>
+            </a:lvl7pPr>
+            <a:lvl8pPr>
+              <a:defRPr sz="2400"/>
+            </a:lvl8pPr>
+            <a:lvl9pPr>
+              <a:defRPr sz="2400"/>
+            </a:lvl9pPr>
           </a:lstStyle>
           <a:p>
-            <a:pPr lvl="0" eaLnBrk="1" latinLnBrk="0" hangingPunct="1"/>
-            <a:r>
-              <a:rPr lang="zh-TW" altLang="en-US" smtClean="0"/>
-              <a:t>按一下以編輯母片文字樣式</a:t>
-            </a:r>
-          </a:p>
-          <a:p>
-            <a:pPr lvl="1" eaLnBrk="1" latinLnBrk="0" hangingPunct="1"/>
-            <a:r>
-              <a:rPr lang="zh-TW" altLang="en-US" smtClean="0"/>
-              <a:t>第二層</a:t>
-            </a:r>
-          </a:p>
-          <a:p>
-            <a:pPr lvl="2" eaLnBrk="1" latinLnBrk="0" hangingPunct="1"/>
-            <a:r>
-              <a:rPr lang="zh-TW" altLang="en-US" smtClean="0"/>
-              <a:t>第三層</a:t>
-            </a:r>
-          </a:p>
-          <a:p>
-            <a:pPr lvl="3" eaLnBrk="1" latinLnBrk="0" hangingPunct="1"/>
-            <a:r>
-              <a:rPr lang="zh-TW" altLang="en-US" smtClean="0"/>
-              <a:t>第四層</a:t>
-            </a:r>
-          </a:p>
-          <a:p>
-            <a:pPr lvl="4" eaLnBrk="1" latinLnBrk="0" hangingPunct="1"/>
-            <a:r>
-              <a:rPr lang="zh-TW" altLang="en-US" smtClean="0"/>
-              <a:t>第五層</a:t>
-            </a:r>
-            <a:endParaRPr kumimoji="0" lang="en-US"/>
-          </a:p>
-        </p:txBody>
-      </p:sp>
-      <p:sp>
-        <p:nvSpPr>
-          <p:cNvPr id="13" name="內容版面配置區 12"/>
-          <p:cNvSpPr>
-            <a:spLocks noGrp="1"/>
-          </p:cNvSpPr>
-          <p:nvPr>
-            <p:ph sz="half" idx="2"/>
-          </p:nvPr>
-        </p:nvSpPr>
-        <p:spPr>
-          <a:xfrm>
-            <a:off x="4648200" y="1600200"/>
-            <a:ext cx="4343400" cy="4724400"/>
-          </a:xfrm>
-        </p:spPr>
-        <p:txBody>
-          <a:bodyPr/>
-          <a:lstStyle>
-            <a:lvl1pPr>
-              <a:defRPr sz="2800"/>
-            </a:lvl1pPr>
-            <a:lvl2pPr>
-              <a:defRPr sz="2400"/>
-            </a:lvl2pPr>
-            <a:lvl3pPr>
-              <a:defRPr sz="2000"/>
-            </a:lvl3pPr>
-            <a:lvl4pPr>
-              <a:defRPr sz="1800"/>
-            </a:lvl4pPr>
-            <a:lvl5pPr>
-              <a:defRPr sz="1800"/>
-            </a:lvl5pPr>
-          </a:lstStyle>
-          <a:p>
-            <a:pPr lvl="0" eaLnBrk="1" latinLnBrk="0" hangingPunct="1"/>
-            <a:r>
-              <a:rPr lang="zh-TW" altLang="en-US" smtClean="0"/>
-              <a:t>按一下以編輯母片文字樣式</a:t>
-            </a:r>
-          </a:p>
-          <a:p>
-            <a:pPr lvl="1" eaLnBrk="1" latinLnBrk="0" hangingPunct="1"/>
-            <a:r>
-              <a:rPr lang="zh-TW" altLang="en-US" smtClean="0"/>
-              <a:t>第二層</a:t>
-            </a:r>
-          </a:p>
-          <a:p>
-            <a:pPr lvl="2" eaLnBrk="1" latinLnBrk="0" hangingPunct="1"/>
-            <a:r>
-              <a:rPr lang="zh-TW" altLang="en-US" smtClean="0"/>
-              <a:t>第三層</a:t>
-            </a:r>
-          </a:p>
-          <a:p>
-            <a:pPr lvl="3" eaLnBrk="1" latinLnBrk="0" hangingPunct="1"/>
-            <a:r>
-              <a:rPr lang="zh-TW" altLang="en-US" smtClean="0"/>
-              <a:t>第四層</a:t>
-            </a:r>
-          </a:p>
-          <a:p>
-            <a:pPr lvl="4" eaLnBrk="1" latinLnBrk="0" hangingPunct="1"/>
-            <a:r>
-              <a:rPr lang="zh-TW" altLang="en-US" smtClean="0"/>
-              <a:t>第五層</a:t>
-            </a:r>
-            <a:endParaRPr kumimoji="0" lang="en-US"/>
-          </a:p>
-        </p:txBody>
-      </p:sp>
-      <p:sp>
-        <p:nvSpPr>
-          <p:cNvPr id="21" name="日期版面配置區 20"/>
+            <a:pPr lvl="0"/>
+            <a:r>
+              <a:rPr lang="en-US" altLang="zh-TW" smtClean="0"/>
+              <a:t>Edit Master text styles</a:t>
+            </a:r>
+          </a:p>
+          <a:p>
+            <a:pPr lvl="1"/>
+            <a:r>
+              <a:rPr lang="en-US" altLang="zh-TW" smtClean="0"/>
+              <a:t>Second level</a:t>
+            </a:r>
+          </a:p>
+          <a:p>
+            <a:pPr lvl="2"/>
+            <a:r>
+              <a:rPr lang="en-US" altLang="zh-TW" smtClean="0"/>
+              <a:t>Third level</a:t>
+            </a:r>
+          </a:p>
+          <a:p>
+            <a:pPr lvl="3"/>
+            <a:r>
+              <a:rPr lang="en-US" altLang="zh-TW" smtClean="0"/>
+              <a:t>Fourth level</a:t>
+            </a:r>
+          </a:p>
+          <a:p>
+            <a:pPr lvl="4"/>
+            <a:r>
+              <a:rPr lang="en-US" altLang="zh-TW" smtClean="0"/>
+              <a:t>Fifth level</a:t>
+            </a:r>
+            <a:endParaRPr lang="zh-TW" altLang="en-US"/>
+          </a:p>
+        </p:txBody>
+      </p:sp>
+      <p:sp>
+        <p:nvSpPr>
+          <p:cNvPr id="5" name="日期版面配置區 4"/>
           <p:cNvSpPr>
             <a:spLocks noGrp="1"/>
           </p:cNvSpPr>
@@ -1340,7 +1359,7 @@
           <a:p>
             <a:fld id="{F196456C-D8C5-4A21-BE41-5372ECB01F10}" type="datetimeFigureOut">
               <a:rPr lang="zh-TW" altLang="en-US" smtClean="0"/>
-              <a:t>2020/3/5</a:t>
+              <a:t>2020/3/14</a:t>
             </a:fld>
             <a:endParaRPr lang="zh-TW" altLang="en-US"/>
           </a:p>
@@ -1348,7 +1367,7 @@
       </p:sp>
       <p:sp>
         <p:nvSpPr>
-          <p:cNvPr id="10" name="頁尾版面配置區 9"/>
+          <p:cNvPr id="6" name="頁尾版面配置區 5"/>
           <p:cNvSpPr>
             <a:spLocks noGrp="1"/>
           </p:cNvSpPr>
@@ -1367,7 +1386,7 @@
       </p:sp>
       <p:sp>
         <p:nvSpPr>
-          <p:cNvPr id="31" name="投影片編號版面配置區 30"/>
+          <p:cNvPr id="7" name="投影片編號版面配置區 6"/>
           <p:cNvSpPr>
             <a:spLocks noGrp="1"/>
           </p:cNvSpPr>
@@ -1389,6 +1408,11 @@
         </p:txBody>
       </p:sp>
     </p:spTree>
+    <p:extLst>
+      <p:ext uri="{BB962C8B-B14F-4D97-AF65-F5344CB8AC3E}">
+        <p14:creationId xmlns:p14="http://schemas.microsoft.com/office/powerpoint/2010/main" val="1132790611"/>
+      </p:ext>
+    </p:extLst>
   </p:cSld>
   <p:clrMapOvr>
     <a:masterClrMapping/>
@@ -1397,7 +1421,7 @@
 </file>
 
 <file path=ppt/slideLayouts/slideLayout5.xml><?xml version="1.0" encoding="utf-8"?>
-<p:sldLayout xmlns:a="http://schemas.openxmlformats.org/drawingml/2006/main" xmlns:r="http://schemas.openxmlformats.org/officeDocument/2006/relationships" xmlns:p="http://schemas.openxmlformats.org/presentationml/2006/main" showMasterSp="0" type="twoTxTwoObj" preserve="1">
+<p:sldLayout xmlns:a="http://schemas.openxmlformats.org/drawingml/2006/main" xmlns:r="http://schemas.openxmlformats.org/officeDocument/2006/relationships" xmlns:p="http://schemas.openxmlformats.org/presentationml/2006/main" type="twoTxTwoObj" preserve="1">
   <p:cSld name="比對">
     <p:spTree>
       <p:nvGrpSpPr>
@@ -1415,7 +1439,7 @@
       </p:grpSpPr>
       <p:sp>
         <p:nvSpPr>
-          <p:cNvPr id="29" name="標題 28"/>
+          <p:cNvPr id="2" name="標題 1"/>
           <p:cNvSpPr>
             <a:spLocks noGrp="1"/>
           </p:cNvSpPr>
@@ -1423,14 +1447,9 @@
             <p:ph type="title"/>
           </p:nvPr>
         </p:nvSpPr>
-        <p:spPr>
-          <a:xfrm>
-            <a:off x="304800" y="5410200"/>
-            <a:ext cx="8610600" cy="882650"/>
-          </a:xfrm>
-        </p:spPr>
-        <p:txBody>
-          <a:bodyPr anchor="ctr"/>
+        <p:spPr/>
+        <p:txBody>
+          <a:bodyPr/>
           <a:lstStyle>
             <a:lvl1pPr>
               <a:defRPr/>
@@ -1438,16 +1457,16 @@
           </a:lstStyle>
           <a:p>
             <a:r>
-              <a:rPr kumimoji="0" lang="zh-TW" altLang="en-US" smtClean="0"/>
-              <a:t>按一下以編輯母片標題樣式</a:t>
-            </a:r>
-            <a:endParaRPr kumimoji="0" lang="en-US"/>
-          </a:p>
-        </p:txBody>
-      </p:sp>
-      <p:sp>
-        <p:nvSpPr>
-          <p:cNvPr id="13" name="文字版面配置區 12"/>
+              <a:rPr lang="en-US" altLang="zh-TW" smtClean="0"/>
+              <a:t>Click to edit Master title style</a:t>
+            </a:r>
+            <a:endParaRPr lang="zh-TW" altLang="en-US"/>
+          </a:p>
+        </p:txBody>
+      </p:sp>
+      <p:sp>
+        <p:nvSpPr>
+          <p:cNvPr id="3" name="文字版面配置區 2"/>
           <p:cNvSpPr>
             <a:spLocks noGrp="1"/>
           </p:cNvSpPr>
@@ -1457,259 +1476,297 @@
         </p:nvSpPr>
         <p:spPr>
           <a:xfrm>
-            <a:off x="281444" y="666750"/>
-            <a:ext cx="4290556" cy="639762"/>
+            <a:off x="609600" y="1535113"/>
+            <a:ext cx="5386917" cy="639763"/>
           </a:xfrm>
         </p:spPr>
         <p:txBody>
-          <a:bodyPr anchor="ctr"/>
+          <a:bodyPr anchor="b"/>
           <a:lstStyle>
             <a:lvl1pPr marL="0" indent="0">
               <a:buNone/>
-              <a:defRPr sz="1800" b="0" cap="all" baseline="0">
-                <a:solidFill>
-                  <a:schemeClr val="accent1">
-                    <a:shade val="50000"/>
-                  </a:schemeClr>
-                </a:solidFill>
-                <a:latin typeface="+mj-lt"/>
-                <a:ea typeface="+mj-ea"/>
-                <a:cs typeface="+mj-cs"/>
-              </a:defRPr>
+              <a:defRPr sz="3200" b="1"/>
+            </a:lvl1pPr>
+            <a:lvl2pPr marL="609585" indent="0">
+              <a:buNone/>
+              <a:defRPr sz="2667" b="1"/>
+            </a:lvl2pPr>
+            <a:lvl3pPr marL="1219170" indent="0">
+              <a:buNone/>
+              <a:defRPr sz="2400" b="1"/>
+            </a:lvl3pPr>
+            <a:lvl4pPr marL="1828754" indent="0">
+              <a:buNone/>
+              <a:defRPr sz="2133" b="1"/>
+            </a:lvl4pPr>
+            <a:lvl5pPr marL="2438339" indent="0">
+              <a:buNone/>
+              <a:defRPr sz="2133" b="1"/>
+            </a:lvl5pPr>
+            <a:lvl6pPr marL="3047924" indent="0">
+              <a:buNone/>
+              <a:defRPr sz="2133" b="1"/>
+            </a:lvl6pPr>
+            <a:lvl7pPr marL="3657509" indent="0">
+              <a:buNone/>
+              <a:defRPr sz="2133" b="1"/>
+            </a:lvl7pPr>
+            <a:lvl8pPr marL="4267093" indent="0">
+              <a:buNone/>
+              <a:defRPr sz="2133" b="1"/>
+            </a:lvl8pPr>
+            <a:lvl9pPr marL="4876678" indent="0">
+              <a:buNone/>
+              <a:defRPr sz="2133" b="1"/>
+            </a:lvl9pPr>
+          </a:lstStyle>
+          <a:p>
+            <a:pPr lvl="0"/>
+            <a:r>
+              <a:rPr lang="en-US" altLang="zh-TW" smtClean="0"/>
+              <a:t>Edit Master text styles</a:t>
+            </a:r>
+          </a:p>
+        </p:txBody>
+      </p:sp>
+      <p:sp>
+        <p:nvSpPr>
+          <p:cNvPr id="4" name="內容版面配置區 3"/>
+          <p:cNvSpPr>
+            <a:spLocks noGrp="1"/>
+          </p:cNvSpPr>
+          <p:nvPr>
+            <p:ph sz="half" idx="2"/>
+          </p:nvPr>
+        </p:nvSpPr>
+        <p:spPr>
+          <a:xfrm>
+            <a:off x="609600" y="2174875"/>
+            <a:ext cx="5386917" cy="3951288"/>
+          </a:xfrm>
+        </p:spPr>
+        <p:txBody>
+          <a:bodyPr/>
+          <a:lstStyle>
+            <a:lvl1pPr>
+              <a:defRPr sz="3200"/>
             </a:lvl1pPr>
             <a:lvl2pPr>
-              <a:buNone/>
-              <a:defRPr sz="2000" b="1"/>
+              <a:defRPr sz="2667"/>
             </a:lvl2pPr>
             <a:lvl3pPr>
-              <a:buNone/>
-              <a:defRPr sz="1800" b="1"/>
+              <a:defRPr sz="2400"/>
             </a:lvl3pPr>
             <a:lvl4pPr>
-              <a:buNone/>
-              <a:defRPr sz="1600" b="1"/>
+              <a:defRPr sz="2133"/>
             </a:lvl4pPr>
             <a:lvl5pPr>
-              <a:buNone/>
-              <a:defRPr sz="1600" b="1"/>
+              <a:defRPr sz="2133"/>
             </a:lvl5pPr>
+            <a:lvl6pPr>
+              <a:defRPr sz="2133"/>
+            </a:lvl6pPr>
+            <a:lvl7pPr>
+              <a:defRPr sz="2133"/>
+            </a:lvl7pPr>
+            <a:lvl8pPr>
+              <a:defRPr sz="2133"/>
+            </a:lvl8pPr>
+            <a:lvl9pPr>
+              <a:defRPr sz="2133"/>
+            </a:lvl9pPr>
           </a:lstStyle>
           <a:p>
-            <a:pPr lvl="0" eaLnBrk="1" latinLnBrk="0" hangingPunct="1"/>
-            <a:r>
-              <a:rPr kumimoji="0" lang="zh-TW" altLang="en-US" smtClean="0"/>
-              <a:t>按一下以編輯母片文字樣式</a:t>
-            </a:r>
-          </a:p>
-        </p:txBody>
-      </p:sp>
-      <p:sp>
-        <p:nvSpPr>
-          <p:cNvPr id="25" name="文字版面配置區 24"/>
-          <p:cNvSpPr>
-            <a:spLocks noGrp="1"/>
-          </p:cNvSpPr>
-          <p:nvPr>
-            <p:ph type="body" sz="half" idx="3"/>
+            <a:pPr lvl="0"/>
+            <a:r>
+              <a:rPr lang="en-US" altLang="zh-TW" smtClean="0"/>
+              <a:t>Edit Master text styles</a:t>
+            </a:r>
+          </a:p>
+          <a:p>
+            <a:pPr lvl="1"/>
+            <a:r>
+              <a:rPr lang="en-US" altLang="zh-TW" smtClean="0"/>
+              <a:t>Second level</a:t>
+            </a:r>
+          </a:p>
+          <a:p>
+            <a:pPr lvl="2"/>
+            <a:r>
+              <a:rPr lang="en-US" altLang="zh-TW" smtClean="0"/>
+              <a:t>Third level</a:t>
+            </a:r>
+          </a:p>
+          <a:p>
+            <a:pPr lvl="3"/>
+            <a:r>
+              <a:rPr lang="en-US" altLang="zh-TW" smtClean="0"/>
+              <a:t>Fourth level</a:t>
+            </a:r>
+          </a:p>
+          <a:p>
+            <a:pPr lvl="4"/>
+            <a:r>
+              <a:rPr lang="en-US" altLang="zh-TW" smtClean="0"/>
+              <a:t>Fifth level</a:t>
+            </a:r>
+            <a:endParaRPr lang="zh-TW" altLang="en-US"/>
+          </a:p>
+        </p:txBody>
+      </p:sp>
+      <p:sp>
+        <p:nvSpPr>
+          <p:cNvPr id="5" name="文字版面配置區 4"/>
+          <p:cNvSpPr>
+            <a:spLocks noGrp="1"/>
+          </p:cNvSpPr>
+          <p:nvPr>
+            <p:ph type="body" sz="quarter" idx="3"/>
           </p:nvPr>
         </p:nvSpPr>
         <p:spPr>
           <a:xfrm>
-            <a:off x="4645025" y="666750"/>
-            <a:ext cx="4292241" cy="639762"/>
+            <a:off x="6193369" y="1535113"/>
+            <a:ext cx="5389033" cy="639763"/>
           </a:xfrm>
         </p:spPr>
         <p:txBody>
-          <a:bodyPr anchor="ctr"/>
+          <a:bodyPr anchor="b"/>
           <a:lstStyle>
             <a:lvl1pPr marL="0" indent="0">
               <a:buNone/>
-              <a:defRPr sz="1800" b="0" cap="all" baseline="0">
-                <a:solidFill>
-                  <a:schemeClr val="accent1">
-                    <a:shade val="50000"/>
-                  </a:schemeClr>
-                </a:solidFill>
-                <a:latin typeface="+mj-lt"/>
-                <a:ea typeface="+mj-ea"/>
-                <a:cs typeface="+mj-cs"/>
-              </a:defRPr>
+              <a:defRPr sz="3200" b="1"/>
+            </a:lvl1pPr>
+            <a:lvl2pPr marL="609585" indent="0">
+              <a:buNone/>
+              <a:defRPr sz="2667" b="1"/>
+            </a:lvl2pPr>
+            <a:lvl3pPr marL="1219170" indent="0">
+              <a:buNone/>
+              <a:defRPr sz="2400" b="1"/>
+            </a:lvl3pPr>
+            <a:lvl4pPr marL="1828754" indent="0">
+              <a:buNone/>
+              <a:defRPr sz="2133" b="1"/>
+            </a:lvl4pPr>
+            <a:lvl5pPr marL="2438339" indent="0">
+              <a:buNone/>
+              <a:defRPr sz="2133" b="1"/>
+            </a:lvl5pPr>
+            <a:lvl6pPr marL="3047924" indent="0">
+              <a:buNone/>
+              <a:defRPr sz="2133" b="1"/>
+            </a:lvl6pPr>
+            <a:lvl7pPr marL="3657509" indent="0">
+              <a:buNone/>
+              <a:defRPr sz="2133" b="1"/>
+            </a:lvl7pPr>
+            <a:lvl8pPr marL="4267093" indent="0">
+              <a:buNone/>
+              <a:defRPr sz="2133" b="1"/>
+            </a:lvl8pPr>
+            <a:lvl9pPr marL="4876678" indent="0">
+              <a:buNone/>
+              <a:defRPr sz="2133" b="1"/>
+            </a:lvl9pPr>
+          </a:lstStyle>
+          <a:p>
+            <a:pPr lvl="0"/>
+            <a:r>
+              <a:rPr lang="en-US" altLang="zh-TW" smtClean="0"/>
+              <a:t>Edit Master text styles</a:t>
+            </a:r>
+          </a:p>
+        </p:txBody>
+      </p:sp>
+      <p:sp>
+        <p:nvSpPr>
+          <p:cNvPr id="6" name="內容版面配置區 5"/>
+          <p:cNvSpPr>
+            <a:spLocks noGrp="1"/>
+          </p:cNvSpPr>
+          <p:nvPr>
+            <p:ph sz="quarter" idx="4"/>
+          </p:nvPr>
+        </p:nvSpPr>
+        <p:spPr>
+          <a:xfrm>
+            <a:off x="6193369" y="2174875"/>
+            <a:ext cx="5389033" cy="3951288"/>
+          </a:xfrm>
+        </p:spPr>
+        <p:txBody>
+          <a:bodyPr/>
+          <a:lstStyle>
+            <a:lvl1pPr>
+              <a:defRPr sz="3200"/>
             </a:lvl1pPr>
             <a:lvl2pPr>
-              <a:buNone/>
-              <a:defRPr sz="2000" b="1"/>
+              <a:defRPr sz="2667"/>
             </a:lvl2pPr>
             <a:lvl3pPr>
-              <a:buNone/>
-              <a:defRPr sz="1800" b="1"/>
+              <a:defRPr sz="2400"/>
             </a:lvl3pPr>
             <a:lvl4pPr>
-              <a:buNone/>
-              <a:defRPr sz="1600" b="1"/>
+              <a:defRPr sz="2133"/>
             </a:lvl4pPr>
             <a:lvl5pPr>
-              <a:buNone/>
-              <a:defRPr sz="1600" b="1"/>
+              <a:defRPr sz="2133"/>
             </a:lvl5pPr>
+            <a:lvl6pPr>
+              <a:defRPr sz="2133"/>
+            </a:lvl6pPr>
+            <a:lvl7pPr>
+              <a:defRPr sz="2133"/>
+            </a:lvl7pPr>
+            <a:lvl8pPr>
+              <a:defRPr sz="2133"/>
+            </a:lvl8pPr>
+            <a:lvl9pPr>
+              <a:defRPr sz="2133"/>
+            </a:lvl9pPr>
           </a:lstStyle>
           <a:p>
-            <a:pPr lvl="0" eaLnBrk="1" latinLnBrk="0" hangingPunct="1"/>
-            <a:r>
-              <a:rPr kumimoji="0" lang="zh-TW" altLang="en-US" smtClean="0"/>
-              <a:t>按一下以編輯母片文字樣式</a:t>
-            </a:r>
-          </a:p>
-        </p:txBody>
-      </p:sp>
-      <p:sp>
-        <p:nvSpPr>
-          <p:cNvPr id="4" name="內容版面配置區 3"/>
-          <p:cNvSpPr>
-            <a:spLocks noGrp="1"/>
-          </p:cNvSpPr>
-          <p:nvPr>
-            <p:ph sz="quarter" idx="2"/>
-          </p:nvPr>
-        </p:nvSpPr>
-        <p:spPr>
-          <a:xfrm>
-            <a:off x="281444" y="1316037"/>
-            <a:ext cx="4290556" cy="3941763"/>
-          </a:xfrm>
-        </p:spPr>
-        <p:txBody>
-          <a:bodyPr/>
-          <a:lstStyle>
-            <a:lvl1pPr>
-              <a:defRPr sz="2400"/>
-            </a:lvl1pPr>
-            <a:lvl2pPr>
-              <a:defRPr sz="2000"/>
-            </a:lvl2pPr>
-            <a:lvl3pPr>
-              <a:defRPr sz="1800"/>
-            </a:lvl3pPr>
-            <a:lvl4pPr>
-              <a:defRPr sz="1600"/>
-            </a:lvl4pPr>
-            <a:lvl5pPr>
-              <a:defRPr sz="1600"/>
-            </a:lvl5pPr>
-          </a:lstStyle>
-          <a:p>
-            <a:pPr lvl="0" eaLnBrk="1" latinLnBrk="0" hangingPunct="1"/>
-            <a:r>
-              <a:rPr lang="zh-TW" altLang="en-US" smtClean="0"/>
-              <a:t>按一下以編輯母片文字樣式</a:t>
-            </a:r>
-          </a:p>
-          <a:p>
-            <a:pPr lvl="1" eaLnBrk="1" latinLnBrk="0" hangingPunct="1"/>
-            <a:r>
-              <a:rPr lang="zh-TW" altLang="en-US" smtClean="0"/>
-              <a:t>第二層</a:t>
-            </a:r>
-          </a:p>
-          <a:p>
-            <a:pPr lvl="2" eaLnBrk="1" latinLnBrk="0" hangingPunct="1"/>
-            <a:r>
-              <a:rPr lang="zh-TW" altLang="en-US" smtClean="0"/>
-              <a:t>第三層</a:t>
-            </a:r>
-          </a:p>
-          <a:p>
-            <a:pPr lvl="3" eaLnBrk="1" latinLnBrk="0" hangingPunct="1"/>
-            <a:r>
-              <a:rPr lang="zh-TW" altLang="en-US" smtClean="0"/>
-              <a:t>第四層</a:t>
-            </a:r>
-          </a:p>
-          <a:p>
-            <a:pPr lvl="4" eaLnBrk="1" latinLnBrk="0" hangingPunct="1"/>
-            <a:r>
-              <a:rPr lang="zh-TW" altLang="en-US" smtClean="0"/>
-              <a:t>第五層</a:t>
-            </a:r>
-            <a:endParaRPr kumimoji="0" lang="en-US"/>
-          </a:p>
-        </p:txBody>
-      </p:sp>
-      <p:sp>
-        <p:nvSpPr>
-          <p:cNvPr id="28" name="內容版面配置區 27"/>
-          <p:cNvSpPr>
-            <a:spLocks noGrp="1"/>
-          </p:cNvSpPr>
-          <p:nvPr>
-            <p:ph sz="quarter" idx="4"/>
-          </p:nvPr>
-        </p:nvSpPr>
-        <p:spPr>
-          <a:xfrm>
-            <a:off x="4648730" y="1316037"/>
-            <a:ext cx="4288536" cy="3941763"/>
-          </a:xfrm>
-        </p:spPr>
-        <p:txBody>
-          <a:bodyPr/>
-          <a:lstStyle>
-            <a:lvl1pPr>
-              <a:defRPr sz="2400"/>
-            </a:lvl1pPr>
-            <a:lvl2pPr>
-              <a:defRPr sz="2000"/>
-            </a:lvl2pPr>
-            <a:lvl3pPr>
-              <a:defRPr sz="1800"/>
-            </a:lvl3pPr>
-            <a:lvl4pPr>
-              <a:defRPr sz="1600"/>
-            </a:lvl4pPr>
-            <a:lvl5pPr>
-              <a:defRPr sz="1600"/>
-            </a:lvl5pPr>
-          </a:lstStyle>
-          <a:p>
-            <a:pPr lvl="0" eaLnBrk="1" latinLnBrk="0" hangingPunct="1"/>
-            <a:r>
-              <a:rPr lang="zh-TW" altLang="en-US" smtClean="0"/>
-              <a:t>按一下以編輯母片文字樣式</a:t>
-            </a:r>
-          </a:p>
-          <a:p>
-            <a:pPr lvl="1" eaLnBrk="1" latinLnBrk="0" hangingPunct="1"/>
-            <a:r>
-              <a:rPr lang="zh-TW" altLang="en-US" smtClean="0"/>
-              <a:t>第二層</a:t>
-            </a:r>
-          </a:p>
-          <a:p>
-            <a:pPr lvl="2" eaLnBrk="1" latinLnBrk="0" hangingPunct="1"/>
-            <a:r>
-              <a:rPr lang="zh-TW" altLang="en-US" smtClean="0"/>
-              <a:t>第三層</a:t>
-            </a:r>
-          </a:p>
-          <a:p>
-            <a:pPr lvl="3" eaLnBrk="1" latinLnBrk="0" hangingPunct="1"/>
-            <a:r>
-              <a:rPr lang="zh-TW" altLang="en-US" smtClean="0"/>
-              <a:t>第四層</a:t>
-            </a:r>
-          </a:p>
-          <a:p>
-            <a:pPr lvl="4" eaLnBrk="1" latinLnBrk="0" hangingPunct="1"/>
-            <a:r>
-              <a:rPr lang="zh-TW" altLang="en-US" smtClean="0"/>
-              <a:t>第五層</a:t>
-            </a:r>
-            <a:endParaRPr kumimoji="0" lang="en-US"/>
-          </a:p>
-        </p:txBody>
-      </p:sp>
-      <p:sp>
-        <p:nvSpPr>
-          <p:cNvPr id="10" name="日期版面配置區 9"/>
+            <a:pPr lvl="0"/>
+            <a:r>
+              <a:rPr lang="en-US" altLang="zh-TW" smtClean="0"/>
+              <a:t>Edit Master text styles</a:t>
+            </a:r>
+          </a:p>
+          <a:p>
+            <a:pPr lvl="1"/>
+            <a:r>
+              <a:rPr lang="en-US" altLang="zh-TW" smtClean="0"/>
+              <a:t>Second level</a:t>
+            </a:r>
+          </a:p>
+          <a:p>
+            <a:pPr lvl="2"/>
+            <a:r>
+              <a:rPr lang="en-US" altLang="zh-TW" smtClean="0"/>
+              <a:t>Third level</a:t>
+            </a:r>
+          </a:p>
+          <a:p>
+            <a:pPr lvl="3"/>
+            <a:r>
+              <a:rPr lang="en-US" altLang="zh-TW" smtClean="0"/>
+              <a:t>Fourth level</a:t>
+            </a:r>
+          </a:p>
+          <a:p>
+            <a:pPr lvl="4"/>
+            <a:r>
+              <a:rPr lang="en-US" altLang="zh-TW" smtClean="0"/>
+              <a:t>Fifth level</a:t>
+            </a:r>
+            <a:endParaRPr lang="zh-TW" altLang="en-US"/>
+          </a:p>
+        </p:txBody>
+      </p:sp>
+      <p:sp>
+        <p:nvSpPr>
+          <p:cNvPr id="7" name="日期版面配置區 6"/>
           <p:cNvSpPr>
             <a:spLocks noGrp="1"/>
           </p:cNvSpPr>
@@ -1724,7 +1781,7 @@
           <a:p>
             <a:fld id="{F196456C-D8C5-4A21-BE41-5372ECB01F10}" type="datetimeFigureOut">
               <a:rPr lang="zh-TW" altLang="en-US" smtClean="0"/>
-              <a:t>2020/3/5</a:t>
+              <a:t>2020/3/14</a:t>
             </a:fld>
             <a:endParaRPr lang="zh-TW" altLang="en-US"/>
           </a:p>
@@ -1732,7 +1789,7 @@
       </p:sp>
       <p:sp>
         <p:nvSpPr>
-          <p:cNvPr id="6" name="頁尾版面配置區 5"/>
+          <p:cNvPr id="8" name="頁尾版面配置區 7"/>
           <p:cNvSpPr>
             <a:spLocks noGrp="1"/>
           </p:cNvSpPr>
@@ -1751,7 +1808,7 @@
       </p:sp>
       <p:sp>
         <p:nvSpPr>
-          <p:cNvPr id="7" name="投影片編號版面配置區 6"/>
+          <p:cNvPr id="9" name="投影片編號版面配置區 8"/>
           <p:cNvSpPr>
             <a:spLocks noGrp="1"/>
           </p:cNvSpPr>
@@ -1759,12 +1816,7 @@
             <p:ph type="sldNum" sz="quarter" idx="12"/>
           </p:nvPr>
         </p:nvSpPr>
-        <p:spPr>
-          <a:xfrm>
-            <a:off x="8229600" y="6477000"/>
-            <a:ext cx="762000" cy="246888"/>
-          </a:xfrm>
-        </p:spPr>
+        <p:spPr/>
         <p:txBody>
           <a:bodyPr/>
           <a:lstStyle/>
@@ -1777,57 +1829,12 @@
           </a:p>
         </p:txBody>
       </p:sp>
-      <p:sp>
-        <p:nvSpPr>
-          <p:cNvPr id="11" name="直線接點 10"/>
-          <p:cNvSpPr>
-            <a:spLocks noChangeShapeType="1"/>
-          </p:cNvSpPr>
-          <p:nvPr/>
-        </p:nvSpPr>
-        <p:spPr bwMode="auto">
-          <a:xfrm>
-            <a:off x="514350" y="6019800"/>
-            <a:ext cx="8629650" cy="2381"/>
-          </a:xfrm>
-          <a:prstGeom prst="line">
-            <a:avLst/>
-          </a:prstGeom>
-          <a:noFill/>
-          <a:ln w="9525" cap="flat" cmpd="sng" algn="ctr">
-            <a:gradFill flip="none" rotWithShape="1">
-              <a:gsLst>
-                <a:gs pos="0">
-                  <a:schemeClr val="accent1">
-                    <a:alpha val="0"/>
-                  </a:schemeClr>
-                </a:gs>
-                <a:gs pos="17000">
-                  <a:schemeClr val="accent1"/>
-                </a:gs>
-                <a:gs pos="100000">
-                  <a:schemeClr val="accent1"/>
-                </a:gs>
-              </a:gsLst>
-              <a:lin ang="0" scaled="1"/>
-              <a:tileRect/>
-            </a:gradFill>
-            <a:prstDash val="solid"/>
-            <a:round/>
-            <a:headEnd type="none" w="med" len="med"/>
-            <a:tailEnd type="none" w="med" len="med"/>
-          </a:ln>
-          <a:effectLst/>
-        </p:spPr>
-        <p:txBody>
-          <a:bodyPr vert="horz" wrap="square" lIns="91440" tIns="45720" rIns="91440" bIns="45720" anchor="t" compatLnSpc="1"/>
-          <a:lstStyle/>
-          <a:p>
-            <a:endParaRPr kumimoji="0" lang="en-US"/>
-          </a:p>
-        </p:txBody>
-      </p:sp>
     </p:spTree>
+    <p:extLst>
+      <p:ext uri="{BB962C8B-B14F-4D97-AF65-F5344CB8AC3E}">
+        <p14:creationId xmlns:p14="http://schemas.microsoft.com/office/powerpoint/2010/main" val="3516698803"/>
+      </p:ext>
+    </p:extLst>
   </p:cSld>
   <p:clrMapOvr>
     <a:masterClrMapping/>
@@ -1854,7 +1861,7 @@
       </p:grpSpPr>
       <p:sp>
         <p:nvSpPr>
-          <p:cNvPr id="30" name="標題 29"/>
+          <p:cNvPr id="2" name="標題 1"/>
           <p:cNvSpPr>
             <a:spLocks noGrp="1"/>
           </p:cNvSpPr>
@@ -1862,27 +1869,22 @@
             <p:ph type="title"/>
           </p:nvPr>
         </p:nvSpPr>
-        <p:spPr>
-          <a:xfrm>
-            <a:off x="301752" y="457200"/>
-            <a:ext cx="8686800" cy="841248"/>
-          </a:xfrm>
-        </p:spPr>
-        <p:txBody>
-          <a:bodyPr/>
-          <a:lstStyle/>
-          <a:p>
-            <a:r>
-              <a:rPr kumimoji="0" lang="zh-TW" altLang="en-US" smtClean="0"/>
-              <a:t>按一下以編輯母片標題樣式</a:t>
-            </a:r>
-            <a:endParaRPr kumimoji="0" lang="en-US"/>
-          </a:p>
-        </p:txBody>
-      </p:sp>
-      <p:sp>
-        <p:nvSpPr>
-          <p:cNvPr id="12" name="日期版面配置區 11"/>
+        <p:spPr/>
+        <p:txBody>
+          <a:bodyPr/>
+          <a:lstStyle/>
+          <a:p>
+            <a:r>
+              <a:rPr lang="en-US" altLang="zh-TW" smtClean="0"/>
+              <a:t>Click to edit Master title style</a:t>
+            </a:r>
+            <a:endParaRPr lang="zh-TW" altLang="en-US"/>
+          </a:p>
+        </p:txBody>
+      </p:sp>
+      <p:sp>
+        <p:nvSpPr>
+          <p:cNvPr id="3" name="日期版面配置區 2"/>
           <p:cNvSpPr>
             <a:spLocks noGrp="1"/>
           </p:cNvSpPr>
@@ -1897,7 +1899,7 @@
           <a:p>
             <a:fld id="{F196456C-D8C5-4A21-BE41-5372ECB01F10}" type="datetimeFigureOut">
               <a:rPr lang="zh-TW" altLang="en-US" smtClean="0"/>
-              <a:t>2020/3/5</a:t>
+              <a:t>2020/3/14</a:t>
             </a:fld>
             <a:endParaRPr lang="zh-TW" altLang="en-US"/>
           </a:p>
@@ -1905,7 +1907,7 @@
       </p:sp>
       <p:sp>
         <p:nvSpPr>
-          <p:cNvPr id="21" name="頁尾版面配置區 20"/>
+          <p:cNvPr id="4" name="頁尾版面配置區 3"/>
           <p:cNvSpPr>
             <a:spLocks noGrp="1"/>
           </p:cNvSpPr>
@@ -1924,7 +1926,7 @@
       </p:sp>
       <p:sp>
         <p:nvSpPr>
-          <p:cNvPr id="6" name="投影片編號版面配置區 5"/>
+          <p:cNvPr id="5" name="投影片編號版面配置區 4"/>
           <p:cNvSpPr>
             <a:spLocks noGrp="1"/>
           </p:cNvSpPr>
@@ -1946,6 +1948,11 @@
         </p:txBody>
       </p:sp>
     </p:spTree>
+    <p:extLst>
+      <p:ext uri="{BB962C8B-B14F-4D97-AF65-F5344CB8AC3E}">
+        <p14:creationId xmlns:p14="http://schemas.microsoft.com/office/powerpoint/2010/main" val="2196683328"/>
+      </p:ext>
+    </p:extLst>
   </p:cSld>
   <p:clrMapOvr>
     <a:masterClrMapping/>
@@ -1954,7 +1961,7 @@
 </file>
 
 <file path=ppt/slideLayouts/slideLayout7.xml><?xml version="1.0" encoding="utf-8"?>
-<p:sldLayout xmlns:a="http://schemas.openxmlformats.org/drawingml/2006/main" xmlns:r="http://schemas.openxmlformats.org/officeDocument/2006/relationships" xmlns:p="http://schemas.openxmlformats.org/presentationml/2006/main" showMasterSp="0" type="blank" preserve="1">
+<p:sldLayout xmlns:a="http://schemas.openxmlformats.org/drawingml/2006/main" xmlns:r="http://schemas.openxmlformats.org/officeDocument/2006/relationships" xmlns:p="http://schemas.openxmlformats.org/presentationml/2006/main" type="blank" preserve="1">
   <p:cSld name="空白">
     <p:spTree>
       <p:nvGrpSpPr>
@@ -1972,7 +1979,7 @@
       </p:grpSpPr>
       <p:sp>
         <p:nvSpPr>
-          <p:cNvPr id="3" name="日期版面配置區 2"/>
+          <p:cNvPr id="2" name="日期版面配置區 1"/>
           <p:cNvSpPr>
             <a:spLocks noGrp="1"/>
           </p:cNvSpPr>
@@ -1987,7 +1994,7 @@
           <a:p>
             <a:fld id="{F196456C-D8C5-4A21-BE41-5372ECB01F10}" type="datetimeFigureOut">
               <a:rPr lang="zh-TW" altLang="en-US" smtClean="0"/>
-              <a:t>2020/3/5</a:t>
+              <a:t>2020/3/14</a:t>
             </a:fld>
             <a:endParaRPr lang="zh-TW" altLang="en-US"/>
           </a:p>
@@ -1995,7 +2002,7 @@
       </p:sp>
       <p:sp>
         <p:nvSpPr>
-          <p:cNvPr id="24" name="頁尾版面配置區 23"/>
+          <p:cNvPr id="3" name="頁尾版面配置區 2"/>
           <p:cNvSpPr>
             <a:spLocks noGrp="1"/>
           </p:cNvSpPr>
@@ -2014,7 +2021,7 @@
       </p:sp>
       <p:sp>
         <p:nvSpPr>
-          <p:cNvPr id="7" name="投影片編號版面配置區 6"/>
+          <p:cNvPr id="4" name="投影片編號版面配置區 3"/>
           <p:cNvSpPr>
             <a:spLocks noGrp="1"/>
           </p:cNvSpPr>
@@ -2036,6 +2043,11 @@
         </p:txBody>
       </p:sp>
     </p:spTree>
+    <p:extLst>
+      <p:ext uri="{BB962C8B-B14F-4D97-AF65-F5344CB8AC3E}">
+        <p14:creationId xmlns:p14="http://schemas.microsoft.com/office/powerpoint/2010/main" val="658825005"/>
+      </p:ext>
+    </p:extLst>
   </p:cSld>
   <p:clrMapOvr>
     <a:masterClrMapping/>
@@ -2044,7 +2056,7 @@
 </file>
 
 <file path=ppt/slideLayouts/slideLayout8.xml><?xml version="1.0" encoding="utf-8"?>
-<p:sldLayout xmlns:a="http://schemas.openxmlformats.org/drawingml/2006/main" xmlns:r="http://schemas.openxmlformats.org/officeDocument/2006/relationships" xmlns:p="http://schemas.openxmlformats.org/presentationml/2006/main" showMasterSp="0" type="objTx" preserve="1">
+<p:sldLayout xmlns:a="http://schemas.openxmlformats.org/drawingml/2006/main" xmlns:r="http://schemas.openxmlformats.org/officeDocument/2006/relationships" xmlns:p="http://schemas.openxmlformats.org/presentationml/2006/main" type="objTx" preserve="1">
   <p:cSld name="含標題的內容">
     <p:spTree>
       <p:nvGrpSpPr>
@@ -2062,57 +2074,7 @@
       </p:grpSpPr>
       <p:sp>
         <p:nvSpPr>
-          <p:cNvPr id="8" name="直線接點 7"/>
-          <p:cNvSpPr>
-            <a:spLocks noChangeShapeType="1"/>
-          </p:cNvSpPr>
-          <p:nvPr/>
-        </p:nvSpPr>
-        <p:spPr bwMode="auto">
-          <a:xfrm>
-            <a:off x="514350" y="5849117"/>
-            <a:ext cx="8629650" cy="2381"/>
-          </a:xfrm>
-          <a:prstGeom prst="line">
-            <a:avLst/>
-          </a:prstGeom>
-          <a:noFill/>
-          <a:ln w="9525" cap="flat" cmpd="sng" algn="ctr">
-            <a:gradFill flip="none" rotWithShape="1">
-              <a:gsLst>
-                <a:gs pos="0">
-                  <a:schemeClr val="accent1">
-                    <a:alpha val="0"/>
-                  </a:schemeClr>
-                </a:gs>
-                <a:gs pos="17000">
-                  <a:schemeClr val="accent1"/>
-                </a:gs>
-                <a:gs pos="100000">
-                  <a:schemeClr val="accent1"/>
-                </a:gs>
-              </a:gsLst>
-              <a:lin ang="0" scaled="1"/>
-              <a:tileRect/>
-            </a:gradFill>
-            <a:prstDash val="solid"/>
-            <a:round/>
-            <a:headEnd type="none" w="med" len="med"/>
-            <a:tailEnd type="none" w="med" len="med"/>
-          </a:ln>
-          <a:effectLst/>
-        </p:spPr>
-        <p:txBody>
-          <a:bodyPr vert="horz" wrap="square" lIns="91440" tIns="45720" rIns="91440" bIns="45720" anchor="t" compatLnSpc="1"/>
-          <a:lstStyle/>
-          <a:p>
-            <a:endParaRPr kumimoji="0" lang="en-US"/>
-          </a:p>
-        </p:txBody>
-      </p:sp>
-      <p:sp>
-        <p:nvSpPr>
-          <p:cNvPr id="12" name="標題 11"/>
+          <p:cNvPr id="2" name="標題 1"/>
           <p:cNvSpPr>
             <a:spLocks noGrp="1"/>
           </p:cNvSpPr>
@@ -2122,152 +2084,179 @@
         </p:nvSpPr>
         <p:spPr>
           <a:xfrm>
-            <a:off x="457200" y="5486400"/>
-            <a:ext cx="8458200" cy="520700"/>
+            <a:off x="609602" y="273049"/>
+            <a:ext cx="4011084" cy="1162051"/>
           </a:xfrm>
         </p:spPr>
         <p:txBody>
-          <a:bodyPr anchor="ctr"/>
+          <a:bodyPr anchor="b"/>
           <a:lstStyle>
             <a:lvl1pPr algn="l">
-              <a:buNone/>
-              <a:defRPr sz="2000" b="1"/>
+              <a:defRPr sz="2667" b="1"/>
             </a:lvl1pPr>
           </a:lstStyle>
           <a:p>
             <a:r>
-              <a:rPr kumimoji="0" lang="zh-TW" altLang="en-US" smtClean="0"/>
-              <a:t>按一下以編輯母片標題樣式</a:t>
-            </a:r>
-            <a:endParaRPr kumimoji="0" lang="en-US"/>
-          </a:p>
-        </p:txBody>
-      </p:sp>
-      <p:sp>
-        <p:nvSpPr>
-          <p:cNvPr id="26" name="文字版面配置區 25"/>
-          <p:cNvSpPr>
-            <a:spLocks noGrp="1"/>
-          </p:cNvSpPr>
-          <p:nvPr>
-            <p:ph type="body" idx="2"/>
+              <a:rPr lang="en-US" altLang="zh-TW" smtClean="0"/>
+              <a:t>Click to edit Master title style</a:t>
+            </a:r>
+            <a:endParaRPr lang="zh-TW" altLang="en-US"/>
+          </a:p>
+        </p:txBody>
+      </p:sp>
+      <p:sp>
+        <p:nvSpPr>
+          <p:cNvPr id="3" name="內容版面配置區 2"/>
+          <p:cNvSpPr>
+            <a:spLocks noGrp="1"/>
+          </p:cNvSpPr>
+          <p:nvPr>
+            <p:ph idx="1"/>
           </p:nvPr>
         </p:nvSpPr>
         <p:spPr>
           <a:xfrm>
-            <a:off x="457200" y="609600"/>
-            <a:ext cx="3008313" cy="4800600"/>
+            <a:off x="4766733" y="273052"/>
+            <a:ext cx="6815667" cy="5853113"/>
           </a:xfrm>
         </p:spPr>
         <p:txBody>
           <a:bodyPr/>
           <a:lstStyle>
-            <a:lvl1pPr marL="0" indent="0">
-              <a:buNone/>
-              <a:defRPr sz="1400"/>
+            <a:lvl1pPr>
+              <a:defRPr sz="4267"/>
             </a:lvl1pPr>
             <a:lvl2pPr>
-              <a:buNone/>
-              <a:defRPr sz="1200"/>
+              <a:defRPr sz="3733"/>
             </a:lvl2pPr>
             <a:lvl3pPr>
-              <a:buNone/>
-              <a:defRPr sz="1000"/>
+              <a:defRPr sz="3200"/>
             </a:lvl3pPr>
             <a:lvl4pPr>
-              <a:buNone/>
-              <a:defRPr sz="900"/>
+              <a:defRPr sz="2667"/>
             </a:lvl4pPr>
             <a:lvl5pPr>
-              <a:buNone/>
-              <a:defRPr sz="900"/>
+              <a:defRPr sz="2667"/>
             </a:lvl5pPr>
+            <a:lvl6pPr>
+              <a:defRPr sz="2667"/>
+            </a:lvl6pPr>
+            <a:lvl7pPr>
+              <a:defRPr sz="2667"/>
+            </a:lvl7pPr>
+            <a:lvl8pPr>
+              <a:defRPr sz="2667"/>
+            </a:lvl8pPr>
+            <a:lvl9pPr>
+              <a:defRPr sz="2667"/>
+            </a:lvl9pPr>
           </a:lstStyle>
           <a:p>
-            <a:pPr lvl="0" eaLnBrk="1" latinLnBrk="0" hangingPunct="1"/>
-            <a:r>
-              <a:rPr kumimoji="0" lang="zh-TW" altLang="en-US" smtClean="0"/>
-              <a:t>按一下以編輯母片文字樣式</a:t>
-            </a:r>
-          </a:p>
-        </p:txBody>
-      </p:sp>
-      <p:sp>
-        <p:nvSpPr>
-          <p:cNvPr id="14" name="內容版面配置區 13"/>
-          <p:cNvSpPr>
-            <a:spLocks noGrp="1"/>
-          </p:cNvSpPr>
-          <p:nvPr>
-            <p:ph sz="half" idx="1"/>
+            <a:pPr lvl="0"/>
+            <a:r>
+              <a:rPr lang="en-US" altLang="zh-TW" smtClean="0"/>
+              <a:t>Edit Master text styles</a:t>
+            </a:r>
+          </a:p>
+          <a:p>
+            <a:pPr lvl="1"/>
+            <a:r>
+              <a:rPr lang="en-US" altLang="zh-TW" smtClean="0"/>
+              <a:t>Second level</a:t>
+            </a:r>
+          </a:p>
+          <a:p>
+            <a:pPr lvl="2"/>
+            <a:r>
+              <a:rPr lang="en-US" altLang="zh-TW" smtClean="0"/>
+              <a:t>Third level</a:t>
+            </a:r>
+          </a:p>
+          <a:p>
+            <a:pPr lvl="3"/>
+            <a:r>
+              <a:rPr lang="en-US" altLang="zh-TW" smtClean="0"/>
+              <a:t>Fourth level</a:t>
+            </a:r>
+          </a:p>
+          <a:p>
+            <a:pPr lvl="4"/>
+            <a:r>
+              <a:rPr lang="en-US" altLang="zh-TW" smtClean="0"/>
+              <a:t>Fifth level</a:t>
+            </a:r>
+            <a:endParaRPr lang="zh-TW" altLang="en-US"/>
+          </a:p>
+        </p:txBody>
+      </p:sp>
+      <p:sp>
+        <p:nvSpPr>
+          <p:cNvPr id="4" name="文字版面配置區 3"/>
+          <p:cNvSpPr>
+            <a:spLocks noGrp="1"/>
+          </p:cNvSpPr>
+          <p:nvPr>
+            <p:ph type="body" sz="half" idx="2"/>
           </p:nvPr>
         </p:nvSpPr>
         <p:spPr>
           <a:xfrm>
-            <a:off x="3575050" y="609600"/>
-            <a:ext cx="5340350" cy="4800600"/>
+            <a:off x="609602" y="1435102"/>
+            <a:ext cx="4011084" cy="4691063"/>
           </a:xfrm>
         </p:spPr>
         <p:txBody>
           <a:bodyPr/>
           <a:lstStyle>
-            <a:lvl1pPr>
-              <a:defRPr sz="3200"/>
+            <a:lvl1pPr marL="0" indent="0">
+              <a:buNone/>
+              <a:defRPr sz="1867"/>
             </a:lvl1pPr>
-            <a:lvl2pPr>
-              <a:defRPr sz="2800"/>
+            <a:lvl2pPr marL="609585" indent="0">
+              <a:buNone/>
+              <a:defRPr sz="1600"/>
             </a:lvl2pPr>
-            <a:lvl3pPr>
-              <a:defRPr sz="2400"/>
+            <a:lvl3pPr marL="1219170" indent="0">
+              <a:buNone/>
+              <a:defRPr sz="1333"/>
             </a:lvl3pPr>
-            <a:lvl4pPr>
-              <a:defRPr sz="2000"/>
+            <a:lvl4pPr marL="1828754" indent="0">
+              <a:buNone/>
+              <a:defRPr sz="1200"/>
             </a:lvl4pPr>
-            <a:lvl5pPr>
-              <a:defRPr sz="2000"/>
+            <a:lvl5pPr marL="2438339" indent="0">
+              <a:buNone/>
+              <a:defRPr sz="1200"/>
             </a:lvl5pPr>
+            <a:lvl6pPr marL="3047924" indent="0">
+              <a:buNone/>
+              <a:defRPr sz="1200"/>
+            </a:lvl6pPr>
+            <a:lvl7pPr marL="3657509" indent="0">
+              <a:buNone/>
+              <a:defRPr sz="1200"/>
+            </a:lvl7pPr>
+            <a:lvl8pPr marL="4267093" indent="0">
+              <a:buNone/>
+              <a:defRPr sz="1200"/>
+            </a:lvl8pPr>
+            <a:lvl9pPr marL="4876678" indent="0">
+              <a:buNone/>
+              <a:defRPr sz="1200"/>
+            </a:lvl9pPr>
           </a:lstStyle>
           <a:p>
-            <a:pPr lvl="0" eaLnBrk="1" latinLnBrk="0" hangingPunct="1"/>
-            <a:r>
-              <a:rPr lang="zh-TW" altLang="en-US" smtClean="0"/>
-              <a:t>按一下以編輯母片文字樣式</a:t>
-            </a:r>
-          </a:p>
-          <a:p>
-            <a:pPr lvl="1" eaLnBrk="1" latinLnBrk="0" hangingPunct="1"/>
-            <a:r>
-              <a:rPr lang="zh-TW" altLang="en-US" smtClean="0"/>
-              <a:t>第二層</a:t>
-            </a:r>
-          </a:p>
-          <a:p>
-            <a:pPr lvl="2" eaLnBrk="1" latinLnBrk="0" hangingPunct="1"/>
-            <a:r>
-              <a:rPr lang="zh-TW" altLang="en-US" smtClean="0"/>
-              <a:t>第三層</a:t>
-            </a:r>
-          </a:p>
-          <a:p>
-            <a:pPr lvl="3" eaLnBrk="1" latinLnBrk="0" hangingPunct="1"/>
-            <a:r>
-              <a:rPr lang="zh-TW" altLang="en-US" smtClean="0"/>
-              <a:t>第四層</a:t>
-            </a:r>
-          </a:p>
-          <a:p>
-            <a:pPr lvl="4" eaLnBrk="1" latinLnBrk="0" hangingPunct="1"/>
-            <a:r>
-              <a:rPr lang="zh-TW" altLang="en-US" smtClean="0"/>
-              <a:t>第五層</a:t>
-            </a:r>
-            <a:endParaRPr kumimoji="0" lang="en-US"/>
-          </a:p>
-        </p:txBody>
-      </p:sp>
-      <p:sp>
-        <p:nvSpPr>
-          <p:cNvPr id="25" name="日期版面配置區 24"/>
+            <a:pPr lvl="0"/>
+            <a:r>
+              <a:rPr lang="en-US" altLang="zh-TW" smtClean="0"/>
+              <a:t>Edit Master text styles</a:t>
+            </a:r>
+          </a:p>
+        </p:txBody>
+      </p:sp>
+      <p:sp>
+        <p:nvSpPr>
+          <p:cNvPr id="5" name="日期版面配置區 4"/>
           <p:cNvSpPr>
             <a:spLocks noGrp="1"/>
           </p:cNvSpPr>
@@ -2282,7 +2271,7 @@
           <a:p>
             <a:fld id="{F196456C-D8C5-4A21-BE41-5372ECB01F10}" type="datetimeFigureOut">
               <a:rPr lang="zh-TW" altLang="en-US" smtClean="0"/>
-              <a:t>2020/3/5</a:t>
+              <a:t>2020/3/14</a:t>
             </a:fld>
             <a:endParaRPr lang="zh-TW" altLang="en-US"/>
           </a:p>
@@ -2290,7 +2279,7 @@
       </p:sp>
       <p:sp>
         <p:nvSpPr>
-          <p:cNvPr id="29" name="頁尾版面配置區 28"/>
+          <p:cNvPr id="6" name="頁尾版面配置區 5"/>
           <p:cNvSpPr>
             <a:spLocks noGrp="1"/>
           </p:cNvSpPr>
@@ -2331,6 +2320,11 @@
         </p:txBody>
       </p:sp>
     </p:spTree>
+    <p:extLst>
+      <p:ext uri="{BB962C8B-B14F-4D97-AF65-F5344CB8AC3E}">
+        <p14:creationId xmlns:p14="http://schemas.microsoft.com/office/powerpoint/2010/main" val="119589731"/>
+      </p:ext>
+    </p:extLst>
   </p:cSld>
   <p:clrMapOvr>
     <a:masterClrMapping/>
@@ -2339,7 +2333,7 @@
 </file>
 
 <file path=ppt/slideLayouts/slideLayout9.xml><?xml version="1.0" encoding="utf-8"?>
-<p:sldLayout xmlns:a="http://schemas.openxmlformats.org/drawingml/2006/main" xmlns:r="http://schemas.openxmlformats.org/officeDocument/2006/relationships" xmlns:p="http://schemas.openxmlformats.org/presentationml/2006/main" showMasterSp="0" type="picTx" preserve="1">
+<p:sldLayout xmlns:a="http://schemas.openxmlformats.org/drawingml/2006/main" xmlns:r="http://schemas.openxmlformats.org/officeDocument/2006/relationships" xmlns:p="http://schemas.openxmlformats.org/presentationml/2006/main" type="picTx" preserve="1">
   <p:cSld name="含標題的圖片">
     <p:spTree>
       <p:nvGrpSpPr>
@@ -2357,51 +2351,169 @@
       </p:grpSpPr>
       <p:sp>
         <p:nvSpPr>
-          <p:cNvPr id="13" name="圖片版面配置區 12"/>
-          <p:cNvSpPr>
-            <a:spLocks noGrp="1"/>
-          </p:cNvSpPr>
-          <p:nvPr>
-            <p:ph type="pic" idx="1"/>
+          <p:cNvPr id="2" name="標題 1"/>
+          <p:cNvSpPr>
+            <a:spLocks noGrp="1"/>
+          </p:cNvSpPr>
+          <p:nvPr>
+            <p:ph type="title"/>
           </p:nvPr>
         </p:nvSpPr>
         <p:spPr>
           <a:xfrm>
-            <a:off x="3505200" y="616634"/>
-            <a:ext cx="5029200" cy="3657600"/>
+            <a:off x="2389717" y="4800600"/>
+            <a:ext cx="7315200" cy="566739"/>
           </a:xfrm>
-          <a:solidFill>
-            <a:schemeClr val="bg1"/>
-          </a:solidFill>
-          <a:ln w="6350">
-            <a:solidFill>
-              <a:schemeClr val="accent1"/>
-            </a:solidFill>
-          </a:ln>
-          <a:effectLst>
-            <a:reflection blurRad="1000" stA="49000" endA="500" endPos="10000" dist="900" dir="5400000" sy="-90000" algn="bl" rotWithShape="0"/>
-          </a:effectLst>
+        </p:spPr>
+        <p:txBody>
+          <a:bodyPr anchor="b"/>
+          <a:lstStyle>
+            <a:lvl1pPr algn="l">
+              <a:defRPr sz="2667" b="1"/>
+            </a:lvl1pPr>
+          </a:lstStyle>
+          <a:p>
+            <a:r>
+              <a:rPr lang="en-US" altLang="zh-TW" smtClean="0"/>
+              <a:t>Click to edit Master title style</a:t>
+            </a:r>
+            <a:endParaRPr lang="zh-TW" altLang="en-US"/>
+          </a:p>
+        </p:txBody>
+      </p:sp>
+      <p:sp>
+        <p:nvSpPr>
+          <p:cNvPr id="3" name="圖片版面配置區 2"/>
+          <p:cNvSpPr>
+            <a:spLocks noGrp="1"/>
+          </p:cNvSpPr>
+          <p:nvPr>
+            <p:ph type="pic" idx="1"/>
+          </p:nvPr>
+        </p:nvSpPr>
+        <p:spPr>
+          <a:xfrm>
+            <a:off x="2389717" y="612775"/>
+            <a:ext cx="7315200" cy="4114800"/>
+          </a:xfrm>
         </p:spPr>
         <p:txBody>
           <a:bodyPr/>
           <a:lstStyle>
             <a:lvl1pPr marL="0" indent="0">
               <a:buNone/>
+              <a:defRPr sz="4267"/>
+            </a:lvl1pPr>
+            <a:lvl2pPr marL="609585" indent="0">
+              <a:buNone/>
+              <a:defRPr sz="3733"/>
+            </a:lvl2pPr>
+            <a:lvl3pPr marL="1219170" indent="0">
+              <a:buNone/>
               <a:defRPr sz="3200"/>
+            </a:lvl3pPr>
+            <a:lvl4pPr marL="1828754" indent="0">
+              <a:buNone/>
+              <a:defRPr sz="2667"/>
+            </a:lvl4pPr>
+            <a:lvl5pPr marL="2438339" indent="0">
+              <a:buNone/>
+              <a:defRPr sz="2667"/>
+            </a:lvl5pPr>
+            <a:lvl6pPr marL="3047924" indent="0">
+              <a:buNone/>
+              <a:defRPr sz="2667"/>
+            </a:lvl6pPr>
+            <a:lvl7pPr marL="3657509" indent="0">
+              <a:buNone/>
+              <a:defRPr sz="2667"/>
+            </a:lvl7pPr>
+            <a:lvl8pPr marL="4267093" indent="0">
+              <a:buNone/>
+              <a:defRPr sz="2667"/>
+            </a:lvl8pPr>
+            <a:lvl9pPr marL="4876678" indent="0">
+              <a:buNone/>
+              <a:defRPr sz="2667"/>
+            </a:lvl9pPr>
+          </a:lstStyle>
+          <a:p>
+            <a:r>
+              <a:rPr lang="en-US" altLang="zh-TW" smtClean="0"/>
+              <a:t>Click icon to add picture</a:t>
+            </a:r>
+            <a:endParaRPr lang="zh-TW" altLang="en-US"/>
+          </a:p>
+        </p:txBody>
+      </p:sp>
+      <p:sp>
+        <p:nvSpPr>
+          <p:cNvPr id="4" name="文字版面配置區 3"/>
+          <p:cNvSpPr>
+            <a:spLocks noGrp="1"/>
+          </p:cNvSpPr>
+          <p:nvPr>
+            <p:ph type="body" sz="half" idx="2"/>
+          </p:nvPr>
+        </p:nvSpPr>
+        <p:spPr>
+          <a:xfrm>
+            <a:off x="2389717" y="5367338"/>
+            <a:ext cx="7315200" cy="804863"/>
+          </a:xfrm>
+        </p:spPr>
+        <p:txBody>
+          <a:bodyPr/>
+          <a:lstStyle>
+            <a:lvl1pPr marL="0" indent="0">
+              <a:buNone/>
+              <a:defRPr sz="1867"/>
             </a:lvl1pPr>
+            <a:lvl2pPr marL="609585" indent="0">
+              <a:buNone/>
+              <a:defRPr sz="1600"/>
+            </a:lvl2pPr>
+            <a:lvl3pPr marL="1219170" indent="0">
+              <a:buNone/>
+              <a:defRPr sz="1333"/>
+            </a:lvl3pPr>
+            <a:lvl4pPr marL="1828754" indent="0">
+              <a:buNone/>
+              <a:defRPr sz="1200"/>
+            </a:lvl4pPr>
+            <a:lvl5pPr marL="2438339" indent="0">
+              <a:buNone/>
+              <a:defRPr sz="1200"/>
+            </a:lvl5pPr>
+            <a:lvl6pPr marL="3047924" indent="0">
+              <a:buNone/>
+              <a:defRPr sz="1200"/>
+            </a:lvl6pPr>
+            <a:lvl7pPr marL="3657509" indent="0">
+              <a:buNone/>
+              <a:defRPr sz="1200"/>
+            </a:lvl7pPr>
+            <a:lvl8pPr marL="4267093" indent="0">
+              <a:buNone/>
+              <a:defRPr sz="1200"/>
+            </a:lvl8pPr>
+            <a:lvl9pPr marL="4876678" indent="0">
+              <a:buNone/>
+              <a:defRPr sz="1200"/>
+            </a:lvl9pPr>
           </a:lstStyle>
           <a:p>
-            <a:r>
-              <a:rPr kumimoji="0" lang="zh-TW" altLang="en-US" smtClean="0"/>
-              <a:t>按一下圖示以新增圖片</a:t>
-            </a:r>
-            <a:endParaRPr kumimoji="0" lang="en-US" dirty="0"/>
-          </a:p>
-        </p:txBody>
-      </p:sp>
-      <p:sp>
-        <p:nvSpPr>
-          <p:cNvPr id="7" name="日期版面配置區 6"/>
+            <a:pPr lvl="0"/>
+            <a:r>
+              <a:rPr lang="en-US" altLang="zh-TW" smtClean="0"/>
+              <a:t>Edit Master text styles</a:t>
+            </a:r>
+          </a:p>
+        </p:txBody>
+      </p:sp>
+      <p:sp>
+        <p:nvSpPr>
+          <p:cNvPr id="5" name="日期版面配置區 4"/>
           <p:cNvSpPr>
             <a:spLocks noGrp="1"/>
           </p:cNvSpPr>
@@ -2416,7 +2528,7 @@
           <a:p>
             <a:fld id="{F196456C-D8C5-4A21-BE41-5372ECB01F10}" type="datetimeFigureOut">
               <a:rPr lang="zh-TW" altLang="en-US" smtClean="0"/>
-              <a:t>2020/3/5</a:t>
+              <a:t>2020/3/14</a:t>
             </a:fld>
             <a:endParaRPr lang="zh-TW" altLang="en-US"/>
           </a:p>
@@ -2424,7 +2536,7 @@
       </p:sp>
       <p:sp>
         <p:nvSpPr>
-          <p:cNvPr id="5" name="頁尾版面配置區 4"/>
+          <p:cNvPr id="6" name="頁尾版面配置區 5"/>
           <p:cNvSpPr>
             <a:spLocks noGrp="1"/>
           </p:cNvSpPr>
@@ -2443,7 +2555,7 @@
       </p:sp>
       <p:sp>
         <p:nvSpPr>
-          <p:cNvPr id="31" name="投影片編號版面配置區 30"/>
+          <p:cNvPr id="7" name="投影片編號版面配置區 6"/>
           <p:cNvSpPr>
             <a:spLocks noGrp="1"/>
           </p:cNvSpPr>
@@ -2464,85 +2576,12 @@
           </a:p>
         </p:txBody>
       </p:sp>
-      <p:sp>
-        <p:nvSpPr>
-          <p:cNvPr id="17" name="標題 16"/>
-          <p:cNvSpPr>
-            <a:spLocks noGrp="1"/>
-          </p:cNvSpPr>
-          <p:nvPr>
-            <p:ph type="title"/>
-          </p:nvPr>
-        </p:nvSpPr>
-        <p:spPr>
-          <a:xfrm>
-            <a:off x="381000" y="4993760"/>
-            <a:ext cx="5867400" cy="522288"/>
-          </a:xfrm>
-        </p:spPr>
-        <p:txBody>
-          <a:bodyPr anchor="ctr"/>
-          <a:lstStyle>
-            <a:lvl1pPr algn="l">
-              <a:buNone/>
-              <a:defRPr sz="2000" b="1"/>
-            </a:lvl1pPr>
-          </a:lstStyle>
-          <a:p>
-            <a:r>
-              <a:rPr kumimoji="0" lang="zh-TW" altLang="en-US" smtClean="0"/>
-              <a:t>按一下以編輯母片標題樣式</a:t>
-            </a:r>
-            <a:endParaRPr kumimoji="0" lang="en-US"/>
-          </a:p>
-        </p:txBody>
-      </p:sp>
-      <p:sp>
-        <p:nvSpPr>
-          <p:cNvPr id="26" name="文字版面配置區 25"/>
-          <p:cNvSpPr>
-            <a:spLocks noGrp="1"/>
-          </p:cNvSpPr>
-          <p:nvPr>
-            <p:ph type="body" sz="half" idx="2"/>
-          </p:nvPr>
-        </p:nvSpPr>
-        <p:spPr>
-          <a:xfrm>
-            <a:off x="381000" y="5533218"/>
-            <a:ext cx="5867400" cy="768350"/>
-          </a:xfrm>
-        </p:spPr>
-        <p:txBody>
-          <a:bodyPr lIns="109728" tIns="0"/>
-          <a:lstStyle>
-            <a:lvl1pPr marL="0" indent="0">
-              <a:buNone/>
-              <a:defRPr sz="1400"/>
-            </a:lvl1pPr>
-            <a:lvl2pPr>
-              <a:defRPr sz="1200"/>
-            </a:lvl2pPr>
-            <a:lvl3pPr>
-              <a:defRPr sz="1000"/>
-            </a:lvl3pPr>
-            <a:lvl4pPr>
-              <a:defRPr sz="900"/>
-            </a:lvl4pPr>
-            <a:lvl5pPr>
-              <a:defRPr sz="900"/>
-            </a:lvl5pPr>
-          </a:lstStyle>
-          <a:p>
-            <a:pPr lvl="0" eaLnBrk="1" latinLnBrk="0" hangingPunct="1"/>
-            <a:r>
-              <a:rPr kumimoji="0" lang="zh-TW" altLang="en-US" smtClean="0"/>
-              <a:t>按一下以編輯母片文字樣式</a:t>
-            </a:r>
-          </a:p>
-        </p:txBody>
-      </p:sp>
     </p:spTree>
+    <p:extLst>
+      <p:ext uri="{BB962C8B-B14F-4D97-AF65-F5344CB8AC3E}">
+        <p14:creationId xmlns:p14="http://schemas.microsoft.com/office/powerpoint/2010/main" val="3041600634"/>
+      </p:ext>
+    </p:extLst>
   </p:cSld>
   <p:clrMapOvr>
     <a:masterClrMapping/>
@@ -2554,9 +2593,14 @@
 <p:sldMaster xmlns:a="http://schemas.openxmlformats.org/drawingml/2006/main" xmlns:r="http://schemas.openxmlformats.org/officeDocument/2006/relationships" xmlns:p="http://schemas.openxmlformats.org/presentationml/2006/main">
   <p:cSld>
     <p:bg>
-      <p:bgRef idx="1003">
-        <a:schemeClr val="bg2"/>
-      </p:bgRef>
+      <p:bgPr>
+        <a:blipFill dpi="0" rotWithShape="1">
+          <a:blip r:embed="rId13"/>
+          <a:srcRect/>
+          <a:tile tx="0" ty="0" sx="100000" sy="100000" flip="none" algn="tl"/>
+        </a:blipFill>
+        <a:effectLst/>
+      </p:bgPr>
     </p:bg>
     <p:spTree>
       <p:nvGrpSpPr>
@@ -2574,143 +2618,126 @@
       </p:grpSpPr>
       <p:sp>
         <p:nvSpPr>
-          <p:cNvPr id="7" name="直線接點 6"/>
-          <p:cNvSpPr>
-            <a:spLocks noChangeShapeType="1"/>
-          </p:cNvSpPr>
-          <p:nvPr/>
-        </p:nvSpPr>
-        <p:spPr bwMode="auto">
-          <a:xfrm>
-            <a:off x="514350" y="1050898"/>
-            <a:ext cx="8629650" cy="2381"/>
-          </a:xfrm>
-          <a:prstGeom prst="line">
-            <a:avLst/>
-          </a:prstGeom>
-          <a:noFill/>
-          <a:ln w="9525" cap="flat" cmpd="sng" algn="ctr">
-            <a:gradFill flip="none" rotWithShape="1">
-              <a:gsLst>
-                <a:gs pos="0">
-                  <a:schemeClr val="accent1">
-                    <a:alpha val="0"/>
-                  </a:schemeClr>
-                </a:gs>
-                <a:gs pos="17000">
-                  <a:schemeClr val="accent1"/>
-                </a:gs>
-                <a:gs pos="100000">
-                  <a:schemeClr val="accent1"/>
-                </a:gs>
-              </a:gsLst>
-              <a:lin ang="0" scaled="1"/>
-              <a:tileRect/>
-            </a:gradFill>
-            <a:prstDash val="solid"/>
-            <a:round/>
-            <a:headEnd type="none" w="med" len="med"/>
-            <a:tailEnd type="none" w="med" len="med"/>
-          </a:ln>
-          <a:effectLst/>
-        </p:spPr>
-        <p:txBody>
-          <a:bodyPr vert="horz" wrap="square" lIns="91440" tIns="45720" rIns="91440" bIns="45720" anchor="t" compatLnSpc="1"/>
-          <a:lstStyle/>
-          <a:p>
-            <a:endParaRPr kumimoji="0" lang="en-US"/>
-          </a:p>
-        </p:txBody>
-      </p:sp>
-      <p:sp>
-        <p:nvSpPr>
-          <p:cNvPr id="8" name="文字版面配置區 7"/>
-          <p:cNvSpPr>
-            <a:spLocks noGrp="1"/>
-          </p:cNvSpPr>
-          <p:nvPr>
-            <p:ph type="body" idx="1"/>
+          <p:cNvPr id="2" name="標題版面配置區 1"/>
+          <p:cNvSpPr>
+            <a:spLocks noGrp="1"/>
+          </p:cNvSpPr>
+          <p:nvPr>
+            <p:ph type="title"/>
           </p:nvPr>
         </p:nvSpPr>
         <p:spPr>
           <a:xfrm>
-            <a:off x="304800" y="1554162"/>
-            <a:ext cx="8686800" cy="4525963"/>
+            <a:off x="609600" y="274639"/>
+            <a:ext cx="10972800" cy="1143000"/>
           </a:xfrm>
           <a:prstGeom prst="rect">
             <a:avLst/>
           </a:prstGeom>
         </p:spPr>
         <p:txBody>
-          <a:bodyPr vert="horz">
+          <a:bodyPr vert="horz" lIns="91440" tIns="45720" rIns="91440" bIns="45720" rtlCol="0" anchor="ctr">
             <a:normAutofit/>
           </a:bodyPr>
           <a:lstStyle/>
           <a:p>
-            <a:pPr lvl="0" eaLnBrk="1" latinLnBrk="0" hangingPunct="1"/>
-            <a:r>
-              <a:rPr kumimoji="0" lang="zh-TW" altLang="en-US" smtClean="0"/>
-              <a:t>按一下以編輯母片文字樣式</a:t>
-            </a:r>
-          </a:p>
-          <a:p>
-            <a:pPr lvl="1" eaLnBrk="1" latinLnBrk="0" hangingPunct="1"/>
-            <a:r>
-              <a:rPr kumimoji="0" lang="zh-TW" altLang="en-US" smtClean="0"/>
-              <a:t>第二層</a:t>
-            </a:r>
-          </a:p>
-          <a:p>
-            <a:pPr lvl="2" eaLnBrk="1" latinLnBrk="0" hangingPunct="1"/>
-            <a:r>
-              <a:rPr kumimoji="0" lang="zh-TW" altLang="en-US" smtClean="0"/>
-              <a:t>第三層</a:t>
-            </a:r>
-          </a:p>
-          <a:p>
-            <a:pPr lvl="3" eaLnBrk="1" latinLnBrk="0" hangingPunct="1"/>
-            <a:r>
-              <a:rPr kumimoji="0" lang="zh-TW" altLang="en-US" smtClean="0"/>
-              <a:t>第四層</a:t>
-            </a:r>
-          </a:p>
-          <a:p>
-            <a:pPr lvl="4" eaLnBrk="1" latinLnBrk="0" hangingPunct="1"/>
-            <a:r>
-              <a:rPr kumimoji="0" lang="zh-TW" altLang="en-US" smtClean="0"/>
-              <a:t>第五層</a:t>
-            </a:r>
-            <a:endParaRPr kumimoji="0" lang="en-US"/>
-          </a:p>
-        </p:txBody>
-      </p:sp>
-      <p:sp>
-        <p:nvSpPr>
-          <p:cNvPr id="11" name="日期版面配置區 10"/>
-          <p:cNvSpPr>
-            <a:spLocks noGrp="1"/>
-          </p:cNvSpPr>
-          <p:nvPr>
-            <p:ph type="dt" sz="half" idx="2"/>
+            <a:r>
+              <a:rPr lang="zh-TW" altLang="en-US" smtClean="0"/>
+              <a:t>按一下以編輯母片標題樣式</a:t>
+            </a:r>
+            <a:endParaRPr lang="zh-TW" altLang="en-US"/>
+          </a:p>
+        </p:txBody>
+      </p:sp>
+      <p:sp>
+        <p:nvSpPr>
+          <p:cNvPr id="3" name="文字版面配置區 2"/>
+          <p:cNvSpPr>
+            <a:spLocks noGrp="1"/>
+          </p:cNvSpPr>
+          <p:nvPr>
+            <p:ph type="body" idx="1"/>
           </p:nvPr>
         </p:nvSpPr>
         <p:spPr>
           <a:xfrm>
-            <a:off x="6477000" y="76200"/>
-            <a:ext cx="2514600" cy="288925"/>
+            <a:off x="609600" y="1600201"/>
+            <a:ext cx="10972800" cy="4525963"/>
           </a:xfrm>
           <a:prstGeom prst="rect">
             <a:avLst/>
           </a:prstGeom>
         </p:spPr>
         <p:txBody>
-          <a:bodyPr vert="horz"/>
+          <a:bodyPr vert="horz" lIns="91440" tIns="45720" rIns="91440" bIns="45720" rtlCol="0">
+            <a:normAutofit/>
+          </a:bodyPr>
+          <a:lstStyle/>
+          <a:p>
+            <a:pPr lvl="0"/>
+            <a:r>
+              <a:rPr lang="zh-TW" altLang="en-US" smtClean="0"/>
+              <a:t>按一下以編輯母片文字樣式</a:t>
+            </a:r>
+          </a:p>
+          <a:p>
+            <a:pPr lvl="1"/>
+            <a:r>
+              <a:rPr lang="zh-TW" altLang="en-US" smtClean="0"/>
+              <a:t>第二層</a:t>
+            </a:r>
+          </a:p>
+          <a:p>
+            <a:pPr lvl="2"/>
+            <a:r>
+              <a:rPr lang="zh-TW" altLang="en-US" smtClean="0"/>
+              <a:t>第三層</a:t>
+            </a:r>
+          </a:p>
+          <a:p>
+            <a:pPr lvl="3"/>
+            <a:r>
+              <a:rPr lang="zh-TW" altLang="en-US" smtClean="0"/>
+              <a:t>第四層</a:t>
+            </a:r>
+          </a:p>
+          <a:p>
+            <a:pPr lvl="4"/>
+            <a:r>
+              <a:rPr lang="zh-TW" altLang="en-US" smtClean="0"/>
+              <a:t>第五層</a:t>
+            </a:r>
+            <a:endParaRPr lang="zh-TW" altLang="en-US"/>
+          </a:p>
+        </p:txBody>
+      </p:sp>
+      <p:sp>
+        <p:nvSpPr>
+          <p:cNvPr id="4" name="日期版面配置區 3"/>
+          <p:cNvSpPr>
+            <a:spLocks noGrp="1"/>
+          </p:cNvSpPr>
+          <p:nvPr>
+            <p:ph type="dt" sz="half" idx="2"/>
+          </p:nvPr>
+        </p:nvSpPr>
+        <p:spPr>
+          <a:xfrm>
+            <a:off x="609600" y="6356351"/>
+            <a:ext cx="2844800" cy="365125"/>
+          </a:xfrm>
+          <a:prstGeom prst="rect">
+            <a:avLst/>
+          </a:prstGeom>
+        </p:spPr>
+        <p:txBody>
+          <a:bodyPr vert="horz" lIns="91440" tIns="45720" rIns="91440" bIns="45720" rtlCol="0" anchor="ctr"/>
           <a:lstStyle>
-            <a:lvl1pPr algn="l" eaLnBrk="1" latinLnBrk="0" hangingPunct="1">
-              <a:defRPr kumimoji="0" sz="1200">
+            <a:lvl1pPr algn="l">
+              <a:defRPr sz="1600">
                 <a:solidFill>
-                  <a:schemeClr val="accent1">
-                    <a:shade val="75000"/>
+                  <a:schemeClr val="tx1">
+                    <a:tint val="75000"/>
                   </a:schemeClr>
                 </a:solidFill>
               </a:defRPr>
@@ -2719,7 +2746,7 @@
           <a:p>
             <a:fld id="{F196456C-D8C5-4A21-BE41-5372ECB01F10}" type="datetimeFigureOut">
               <a:rPr lang="zh-TW" altLang="en-US" smtClean="0"/>
-              <a:t>2020/3/5</a:t>
+              <a:t>2020/3/14</a:t>
             </a:fld>
             <a:endParaRPr lang="zh-TW" altLang="en-US"/>
           </a:p>
@@ -2727,7 +2754,7 @@
       </p:sp>
       <p:sp>
         <p:nvSpPr>
-          <p:cNvPr id="28" name="頁尾版面配置區 27"/>
+          <p:cNvPr id="5" name="頁尾版面配置區 4"/>
           <p:cNvSpPr>
             <a:spLocks noGrp="1"/>
           </p:cNvSpPr>
@@ -2737,21 +2764,21 @@
         </p:nvSpPr>
         <p:spPr>
           <a:xfrm>
-            <a:off x="3124200" y="76200"/>
-            <a:ext cx="3352800" cy="288925"/>
+            <a:off x="4165600" y="6356351"/>
+            <a:ext cx="3860800" cy="365125"/>
           </a:xfrm>
           <a:prstGeom prst="rect">
             <a:avLst/>
           </a:prstGeom>
         </p:spPr>
         <p:txBody>
-          <a:bodyPr vert="horz"/>
+          <a:bodyPr vert="horz" lIns="91440" tIns="45720" rIns="91440" bIns="45720" rtlCol="0" anchor="ctr"/>
           <a:lstStyle>
-            <a:lvl1pPr algn="r" eaLnBrk="1" latinLnBrk="0" hangingPunct="1">
-              <a:defRPr kumimoji="0" sz="1200">
+            <a:lvl1pPr algn="ctr">
+              <a:defRPr sz="1600">
                 <a:solidFill>
-                  <a:schemeClr val="accent1">
-                    <a:shade val="75000"/>
+                  <a:schemeClr val="tx1">
+                    <a:tint val="75000"/>
                   </a:schemeClr>
                 </a:solidFill>
               </a:defRPr>
@@ -2764,7 +2791,7 @@
       </p:sp>
       <p:sp>
         <p:nvSpPr>
-          <p:cNvPr id="5" name="投影片編號版面配置區 4"/>
+          <p:cNvPr id="6" name="投影片編號版面配置區 5"/>
           <p:cNvSpPr>
             <a:spLocks noGrp="1"/>
           </p:cNvSpPr>
@@ -2774,21 +2801,21 @@
         </p:nvSpPr>
         <p:spPr>
           <a:xfrm>
-            <a:off x="8229600" y="6477000"/>
-            <a:ext cx="762000" cy="244475"/>
+            <a:off x="8737600" y="6356351"/>
+            <a:ext cx="2844800" cy="365125"/>
           </a:xfrm>
           <a:prstGeom prst="rect">
             <a:avLst/>
           </a:prstGeom>
         </p:spPr>
         <p:txBody>
-          <a:bodyPr vert="horz"/>
+          <a:bodyPr vert="horz" lIns="91440" tIns="45720" rIns="91440" bIns="45720" rtlCol="0" anchor="ctr"/>
           <a:lstStyle>
-            <a:lvl1pPr algn="r" eaLnBrk="1" latinLnBrk="0" hangingPunct="1">
-              <a:defRPr kumimoji="0" sz="1200">
+            <a:lvl1pPr algn="r">
+              <a:defRPr sz="1600">
                 <a:solidFill>
-                  <a:schemeClr val="accent1">
-                    <a:shade val="75000"/>
+                  <a:schemeClr val="tx1">
+                    <a:tint val="75000"/>
                   </a:schemeClr>
                 </a:solidFill>
               </a:defRPr>
@@ -2803,169 +2830,38 @@
           </a:p>
         </p:txBody>
       </p:sp>
-      <p:sp>
-        <p:nvSpPr>
-          <p:cNvPr id="10" name="標題版面配置區 9"/>
-          <p:cNvSpPr>
-            <a:spLocks noGrp="1"/>
-          </p:cNvSpPr>
-          <p:nvPr>
-            <p:ph type="title"/>
-          </p:nvPr>
-        </p:nvSpPr>
-        <p:spPr>
-          <a:xfrm>
-            <a:off x="304800" y="457200"/>
-            <a:ext cx="8686800" cy="838200"/>
-          </a:xfrm>
-          <a:prstGeom prst="rect">
-            <a:avLst/>
-          </a:prstGeom>
-        </p:spPr>
-        <p:txBody>
-          <a:bodyPr vert="horz" anchor="ctr">
-            <a:normAutofit/>
-          </a:bodyPr>
-          <a:lstStyle/>
-          <a:p>
-            <a:r>
-              <a:rPr kumimoji="0" lang="zh-TW" altLang="en-US" smtClean="0"/>
-              <a:t>按一下以編輯母片標題樣式</a:t>
-            </a:r>
-            <a:endParaRPr kumimoji="0" lang="en-US"/>
-          </a:p>
-        </p:txBody>
-      </p:sp>
-      <p:sp>
-        <p:nvSpPr>
-          <p:cNvPr id="9" name="直線接點 8"/>
-          <p:cNvSpPr>
-            <a:spLocks noChangeShapeType="1"/>
-          </p:cNvSpPr>
-          <p:nvPr/>
-        </p:nvSpPr>
-        <p:spPr bwMode="auto">
-          <a:xfrm>
-            <a:off x="514350" y="1050898"/>
-            <a:ext cx="8629650" cy="2381"/>
-          </a:xfrm>
-          <a:prstGeom prst="line">
-            <a:avLst/>
-          </a:prstGeom>
-          <a:noFill/>
-          <a:ln w="9525" cap="flat" cmpd="sng" algn="ctr">
-            <a:gradFill flip="none" rotWithShape="1">
-              <a:gsLst>
-                <a:gs pos="0">
-                  <a:schemeClr val="accent1">
-                    <a:alpha val="0"/>
-                  </a:schemeClr>
-                </a:gs>
-                <a:gs pos="17000">
-                  <a:schemeClr val="accent1"/>
-                </a:gs>
-                <a:gs pos="100000">
-                  <a:schemeClr val="accent1"/>
-                </a:gs>
-              </a:gsLst>
-              <a:lin ang="0" scaled="1"/>
-              <a:tileRect/>
-            </a:gradFill>
-            <a:prstDash val="solid"/>
-            <a:round/>
-            <a:headEnd type="none" w="med" len="med"/>
-            <a:tailEnd type="none" w="med" len="med"/>
-          </a:ln>
-          <a:effectLst/>
-        </p:spPr>
-        <p:txBody>
-          <a:bodyPr vert="horz" wrap="square" lIns="91440" tIns="45720" rIns="91440" bIns="45720" anchor="t" compatLnSpc="1"/>
-          <a:lstStyle/>
-          <a:p>
-            <a:endParaRPr kumimoji="0" lang="en-US"/>
-          </a:p>
-        </p:txBody>
-      </p:sp>
-      <p:sp>
-        <p:nvSpPr>
-          <p:cNvPr id="12" name="直線接點 11"/>
-          <p:cNvSpPr>
-            <a:spLocks noChangeShapeType="1"/>
-          </p:cNvSpPr>
-          <p:nvPr/>
-        </p:nvSpPr>
-        <p:spPr bwMode="auto">
-          <a:xfrm>
-            <a:off x="514350" y="1057986"/>
-            <a:ext cx="8629650" cy="2381"/>
-          </a:xfrm>
-          <a:prstGeom prst="line">
-            <a:avLst/>
-          </a:prstGeom>
-          <a:noFill/>
-          <a:ln w="9525" cap="flat" cmpd="sng" algn="ctr">
-            <a:gradFill flip="none" rotWithShape="1">
-              <a:gsLst>
-                <a:gs pos="0">
-                  <a:schemeClr val="accent1">
-                    <a:alpha val="0"/>
-                  </a:schemeClr>
-                </a:gs>
-                <a:gs pos="17000">
-                  <a:schemeClr val="accent1"/>
-                </a:gs>
-                <a:gs pos="100000">
-                  <a:schemeClr val="accent1"/>
-                </a:gs>
-              </a:gsLst>
-              <a:lin ang="0" scaled="1"/>
-              <a:tileRect/>
-            </a:gradFill>
-            <a:prstDash val="solid"/>
-            <a:round/>
-            <a:headEnd type="none" w="med" len="med"/>
-            <a:tailEnd type="none" w="med" len="med"/>
-          </a:ln>
-          <a:effectLst/>
-        </p:spPr>
-        <p:txBody>
-          <a:bodyPr vert="horz" wrap="square" lIns="91440" tIns="45720" rIns="91440" bIns="45720" anchor="t" compatLnSpc="1"/>
-          <a:lstStyle/>
-          <a:p>
-            <a:endParaRPr kumimoji="0" lang="en-US"/>
-          </a:p>
-        </p:txBody>
-      </p:sp>
     </p:spTree>
+    <p:extLst>
+      <p:ext uri="{BB962C8B-B14F-4D97-AF65-F5344CB8AC3E}">
+        <p14:creationId xmlns:p14="http://schemas.microsoft.com/office/powerpoint/2010/main" val="4157393963"/>
+      </p:ext>
+    </p:extLst>
   </p:cSld>
   <p:clrMap bg1="lt1" tx1="dk1" bg2="lt2" tx2="dk2" accent1="accent1" accent2="accent2" accent3="accent3" accent4="accent4" accent5="accent5" accent6="accent6" hlink="hlink" folHlink="folHlink"/>
   <p:sldLayoutIdLst>
-    <p:sldLayoutId id="2147483673" r:id="rId1"/>
-    <p:sldLayoutId id="2147483674" r:id="rId2"/>
-    <p:sldLayoutId id="2147483675" r:id="rId3"/>
-    <p:sldLayoutId id="2147483676" r:id="rId4"/>
-    <p:sldLayoutId id="2147483677" r:id="rId5"/>
-    <p:sldLayoutId id="2147483678" r:id="rId6"/>
-    <p:sldLayoutId id="2147483679" r:id="rId7"/>
-    <p:sldLayoutId id="2147483680" r:id="rId8"/>
-    <p:sldLayoutId id="2147483681" r:id="rId9"/>
-    <p:sldLayoutId id="2147483682" r:id="rId10"/>
-    <p:sldLayoutId id="2147483683" r:id="rId11"/>
+    <p:sldLayoutId id="2147483685" r:id="rId1"/>
+    <p:sldLayoutId id="2147483686" r:id="rId2"/>
+    <p:sldLayoutId id="2147483687" r:id="rId3"/>
+    <p:sldLayoutId id="2147483688" r:id="rId4"/>
+    <p:sldLayoutId id="2147483689" r:id="rId5"/>
+    <p:sldLayoutId id="2147483690" r:id="rId6"/>
+    <p:sldLayoutId id="2147483691" r:id="rId7"/>
+    <p:sldLayoutId id="2147483692" r:id="rId8"/>
+    <p:sldLayoutId id="2147483693" r:id="rId9"/>
+    <p:sldLayoutId id="2147483694" r:id="rId10"/>
+    <p:sldLayoutId id="2147483695" r:id="rId11"/>
   </p:sldLayoutIdLst>
   <p:txStyles>
     <p:titleStyle>
-      <a:lvl1pPr algn="l" rtl="0" eaLnBrk="1" latinLnBrk="0" hangingPunct="1">
+      <a:lvl1pPr algn="ctr" defTabSz="1219170" rtl="0" eaLnBrk="1" latinLnBrk="0" hangingPunct="1">
         <a:spcBef>
           <a:spcPct val="0"/>
         </a:spcBef>
         <a:buNone/>
-        <a:defRPr kumimoji="0" sz="3600" kern="1200" cap="all" baseline="0">
+        <a:defRPr sz="5867" kern="1200">
           <a:solidFill>
-            <a:schemeClr val="tx2"/>
+            <a:schemeClr val="tx1"/>
           </a:solidFill>
-          <a:effectLst>
-            <a:reflection blurRad="12700" stA="48000" endA="300" endPos="55000" dir="5400000" sy="-90000" algn="bl" rotWithShape="0"/>
-          </a:effectLst>
           <a:latin typeface="+mj-lt"/>
           <a:ea typeface="+mj-ea"/>
           <a:cs typeface="+mj-cs"/>
@@ -2973,171 +2869,135 @@
       </a:lvl1pPr>
     </p:titleStyle>
     <p:bodyStyle>
-      <a:lvl1pPr marL="342900" indent="-342900" algn="l" rtl="0" eaLnBrk="1" latinLnBrk="0" hangingPunct="1">
+      <a:lvl1pPr marL="457189" indent="-457189" algn="l" defTabSz="1219170" rtl="0" eaLnBrk="1" latinLnBrk="0" hangingPunct="1">
         <a:spcBef>
           <a:spcPct val="20000"/>
         </a:spcBef>
-        <a:buClr>
-          <a:schemeClr val="accent1"/>
-        </a:buClr>
-        <a:buSzPct val="70000"/>
-        <a:buFont typeface="Wingdings 2"/>
-        <a:buChar char=""/>
-        <a:defRPr kumimoji="0" sz="3200" kern="1200">
+        <a:buFont typeface="Arial" pitchFamily="34" charset="0"/>
+        <a:buChar char="•"/>
+        <a:defRPr sz="4267" kern="1200">
           <a:solidFill>
-            <a:schemeClr val="tx2"/>
+            <a:schemeClr val="tx1"/>
           </a:solidFill>
           <a:latin typeface="+mn-lt"/>
           <a:ea typeface="+mn-ea"/>
           <a:cs typeface="+mn-cs"/>
         </a:defRPr>
       </a:lvl1pPr>
-      <a:lvl2pPr marL="742950" indent="-285750" algn="l" rtl="0" eaLnBrk="1" latinLnBrk="0" hangingPunct="1">
+      <a:lvl2pPr marL="990575" indent="-380990" algn="l" defTabSz="1219170" rtl="0" eaLnBrk="1" latinLnBrk="0" hangingPunct="1">
         <a:spcBef>
           <a:spcPct val="20000"/>
         </a:spcBef>
-        <a:buClr>
-          <a:schemeClr val="accent1"/>
-        </a:buClr>
-        <a:buSzPct val="70000"/>
-        <a:buFont typeface="Wingdings 2"/>
-        <a:buChar char=""/>
-        <a:defRPr kumimoji="0" sz="2800" kern="1200">
+        <a:buFont typeface="Arial" pitchFamily="34" charset="0"/>
+        <a:buChar char="–"/>
+        <a:defRPr sz="3733" kern="1200">
           <a:solidFill>
-            <a:schemeClr val="tx2"/>
+            <a:schemeClr val="tx1"/>
           </a:solidFill>
           <a:latin typeface="+mn-lt"/>
           <a:ea typeface="+mn-ea"/>
           <a:cs typeface="+mn-cs"/>
         </a:defRPr>
       </a:lvl2pPr>
-      <a:lvl3pPr marL="1143000" indent="-228600" algn="l" rtl="0" eaLnBrk="1" latinLnBrk="0" hangingPunct="1">
+      <a:lvl3pPr marL="1523962" indent="-304792" algn="l" defTabSz="1219170" rtl="0" eaLnBrk="1" latinLnBrk="0" hangingPunct="1">
         <a:spcBef>
           <a:spcPct val="20000"/>
         </a:spcBef>
-        <a:buClr>
-          <a:schemeClr val="accent1"/>
-        </a:buClr>
-        <a:buSzPct val="70000"/>
-        <a:buFont typeface="Wingdings 2"/>
-        <a:buChar char=""/>
-        <a:defRPr kumimoji="0" sz="2400" kern="1200">
+        <a:buFont typeface="Arial" pitchFamily="34" charset="0"/>
+        <a:buChar char="•"/>
+        <a:defRPr sz="3200" kern="1200">
           <a:solidFill>
-            <a:schemeClr val="tx2"/>
+            <a:schemeClr val="tx1"/>
           </a:solidFill>
           <a:latin typeface="+mn-lt"/>
           <a:ea typeface="+mn-ea"/>
           <a:cs typeface="+mn-cs"/>
         </a:defRPr>
       </a:lvl3pPr>
-      <a:lvl4pPr marL="1600200" indent="-228600" algn="l" rtl="0" eaLnBrk="1" latinLnBrk="0" hangingPunct="1">
+      <a:lvl4pPr marL="2133547" indent="-304792" algn="l" defTabSz="1219170" rtl="0" eaLnBrk="1" latinLnBrk="0" hangingPunct="1">
         <a:spcBef>
           <a:spcPct val="20000"/>
         </a:spcBef>
-        <a:buClr>
-          <a:schemeClr val="accent1"/>
-        </a:buClr>
-        <a:buSzPct val="70000"/>
-        <a:buFont typeface="Wingdings 2"/>
-        <a:buChar char=""/>
-        <a:defRPr kumimoji="0" sz="2000" kern="1200">
+        <a:buFont typeface="Arial" pitchFamily="34" charset="0"/>
+        <a:buChar char="–"/>
+        <a:defRPr sz="2667" kern="1200">
           <a:solidFill>
-            <a:schemeClr val="tx2"/>
+            <a:schemeClr val="tx1"/>
           </a:solidFill>
           <a:latin typeface="+mn-lt"/>
           <a:ea typeface="+mn-ea"/>
           <a:cs typeface="+mn-cs"/>
         </a:defRPr>
       </a:lvl4pPr>
-      <a:lvl5pPr marL="2057400" indent="-228600" algn="l" rtl="0" eaLnBrk="1" latinLnBrk="0" hangingPunct="1">
+      <a:lvl5pPr marL="2743131" indent="-304792" algn="l" defTabSz="1219170" rtl="0" eaLnBrk="1" latinLnBrk="0" hangingPunct="1">
         <a:spcBef>
           <a:spcPct val="20000"/>
         </a:spcBef>
-        <a:buClr>
-          <a:schemeClr val="accent1"/>
-        </a:buClr>
-        <a:buSzPct val="60000"/>
-        <a:buFont typeface="Wingdings 2"/>
-        <a:buChar char=""/>
-        <a:defRPr kumimoji="0" sz="1800" kern="1200">
+        <a:buFont typeface="Arial" pitchFamily="34" charset="0"/>
+        <a:buChar char="»"/>
+        <a:defRPr sz="2667" kern="1200">
           <a:solidFill>
-            <a:schemeClr val="tx2"/>
+            <a:schemeClr val="tx1"/>
           </a:solidFill>
           <a:latin typeface="+mn-lt"/>
           <a:ea typeface="+mn-ea"/>
           <a:cs typeface="+mn-cs"/>
         </a:defRPr>
       </a:lvl5pPr>
-      <a:lvl6pPr marL="2514600" indent="-228600" algn="l" rtl="0" eaLnBrk="1" latinLnBrk="0" hangingPunct="1">
+      <a:lvl6pPr marL="3352716" indent="-304792" algn="l" defTabSz="1219170" rtl="0" eaLnBrk="1" latinLnBrk="0" hangingPunct="1">
         <a:spcBef>
           <a:spcPct val="20000"/>
         </a:spcBef>
-        <a:buClr>
-          <a:schemeClr val="accent1"/>
-        </a:buClr>
-        <a:buSzPct val="60000"/>
-        <a:buFont typeface="Wingdings 2"/>
-        <a:buChar char=""/>
-        <a:defRPr kumimoji="0" sz="1800" kern="1200">
+        <a:buFont typeface="Arial" pitchFamily="34" charset="0"/>
+        <a:buChar char="•"/>
+        <a:defRPr sz="2667" kern="1200">
           <a:solidFill>
-            <a:schemeClr val="tx2"/>
+            <a:schemeClr val="tx1"/>
           </a:solidFill>
           <a:latin typeface="+mn-lt"/>
           <a:ea typeface="+mn-ea"/>
           <a:cs typeface="+mn-cs"/>
         </a:defRPr>
       </a:lvl6pPr>
-      <a:lvl7pPr marL="2971800" indent="-228600" algn="l" rtl="0" eaLnBrk="1" latinLnBrk="0" hangingPunct="1">
+      <a:lvl7pPr marL="3962301" indent="-304792" algn="l" defTabSz="1219170" rtl="0" eaLnBrk="1" latinLnBrk="0" hangingPunct="1">
         <a:spcBef>
           <a:spcPct val="20000"/>
         </a:spcBef>
-        <a:buClr>
-          <a:schemeClr val="accent1"/>
-        </a:buClr>
-        <a:buSzPct val="60000"/>
-        <a:buFont typeface="Wingdings 2"/>
-        <a:buChar char=""/>
-        <a:defRPr kumimoji="0" sz="1600" kern="1200">
+        <a:buFont typeface="Arial" pitchFamily="34" charset="0"/>
+        <a:buChar char="•"/>
+        <a:defRPr sz="2667" kern="1200">
           <a:solidFill>
-            <a:schemeClr val="tx2"/>
+            <a:schemeClr val="tx1"/>
           </a:solidFill>
           <a:latin typeface="+mn-lt"/>
           <a:ea typeface="+mn-ea"/>
           <a:cs typeface="+mn-cs"/>
         </a:defRPr>
       </a:lvl7pPr>
-      <a:lvl8pPr marL="3429000" indent="-228600" algn="l" rtl="0" eaLnBrk="1" latinLnBrk="0" hangingPunct="1">
+      <a:lvl8pPr marL="4571886" indent="-304792" algn="l" defTabSz="1219170" rtl="0" eaLnBrk="1" latinLnBrk="0" hangingPunct="1">
         <a:spcBef>
           <a:spcPct val="20000"/>
         </a:spcBef>
-        <a:buClr>
-          <a:schemeClr val="accent1"/>
-        </a:buClr>
-        <a:buSzPct val="60000"/>
-        <a:buFont typeface="Wingdings 2"/>
-        <a:buChar char=""/>
-        <a:defRPr kumimoji="0" sz="1600" kern="1200" baseline="0">
+        <a:buFont typeface="Arial" pitchFamily="34" charset="0"/>
+        <a:buChar char="•"/>
+        <a:defRPr sz="2667" kern="1200">
           <a:solidFill>
-            <a:schemeClr val="tx2"/>
+            <a:schemeClr val="tx1"/>
           </a:solidFill>
           <a:latin typeface="+mn-lt"/>
           <a:ea typeface="+mn-ea"/>
           <a:cs typeface="+mn-cs"/>
         </a:defRPr>
       </a:lvl8pPr>
-      <a:lvl9pPr marL="3886200" indent="-228600" algn="l" rtl="0" eaLnBrk="1" latinLnBrk="0" hangingPunct="1">
+      <a:lvl9pPr marL="5181470" indent="-304792" algn="l" defTabSz="1219170" rtl="0" eaLnBrk="1" latinLnBrk="0" hangingPunct="1">
         <a:spcBef>
           <a:spcPct val="20000"/>
         </a:spcBef>
-        <a:buClr>
-          <a:schemeClr val="accent1"/>
-        </a:buClr>
-        <a:buSzPct val="60000"/>
-        <a:buFont typeface="Wingdings 2"/>
-        <a:buChar char=""/>
-        <a:defRPr kumimoji="0" sz="1400" kern="1200" baseline="0">
+        <a:buFont typeface="Arial" pitchFamily="34" charset="0"/>
+        <a:buChar char="•"/>
+        <a:defRPr sz="2667" kern="1200">
           <a:solidFill>
-            <a:schemeClr val="tx2"/>
+            <a:schemeClr val="tx1"/>
           </a:solidFill>
           <a:latin typeface="+mn-lt"/>
           <a:ea typeface="+mn-ea"/>
@@ -3146,8 +3006,11 @@
       </a:lvl9pPr>
     </p:bodyStyle>
     <p:otherStyle>
-      <a:lvl1pPr marL="0" algn="l" rtl="0" eaLnBrk="1" latinLnBrk="0" hangingPunct="1">
-        <a:defRPr kumimoji="0" kern="1200">
+      <a:defPPr>
+        <a:defRPr lang="zh-TW"/>
+      </a:defPPr>
+      <a:lvl1pPr marL="0" algn="l" defTabSz="1219170" rtl="0" eaLnBrk="1" latinLnBrk="0" hangingPunct="1">
+        <a:defRPr sz="2400" kern="1200">
           <a:solidFill>
             <a:schemeClr val="tx1"/>
           </a:solidFill>
@@ -3156,8 +3019,8 @@
           <a:cs typeface="+mn-cs"/>
         </a:defRPr>
       </a:lvl1pPr>
-      <a:lvl2pPr marL="457200" algn="l" rtl="0" eaLnBrk="1" latinLnBrk="0" hangingPunct="1">
-        <a:defRPr kumimoji="0" kern="1200">
+      <a:lvl2pPr marL="609585" algn="l" defTabSz="1219170" rtl="0" eaLnBrk="1" latinLnBrk="0" hangingPunct="1">
+        <a:defRPr sz="2400" kern="1200">
           <a:solidFill>
             <a:schemeClr val="tx1"/>
           </a:solidFill>
@@ -3166,8 +3029,8 @@
           <a:cs typeface="+mn-cs"/>
         </a:defRPr>
       </a:lvl2pPr>
-      <a:lvl3pPr marL="914400" algn="l" rtl="0" eaLnBrk="1" latinLnBrk="0" hangingPunct="1">
-        <a:defRPr kumimoji="0" kern="1200">
+      <a:lvl3pPr marL="1219170" algn="l" defTabSz="1219170" rtl="0" eaLnBrk="1" latinLnBrk="0" hangingPunct="1">
+        <a:defRPr sz="2400" kern="1200">
           <a:solidFill>
             <a:schemeClr val="tx1"/>
           </a:solidFill>
@@ -3176,8 +3039,8 @@
           <a:cs typeface="+mn-cs"/>
         </a:defRPr>
       </a:lvl3pPr>
-      <a:lvl4pPr marL="1371600" algn="l" rtl="0" eaLnBrk="1" latinLnBrk="0" hangingPunct="1">
-        <a:defRPr kumimoji="0" kern="1200">
+      <a:lvl4pPr marL="1828754" algn="l" defTabSz="1219170" rtl="0" eaLnBrk="1" latinLnBrk="0" hangingPunct="1">
+        <a:defRPr sz="2400" kern="1200">
           <a:solidFill>
             <a:schemeClr val="tx1"/>
           </a:solidFill>
@@ -3186,8 +3049,8 @@
           <a:cs typeface="+mn-cs"/>
         </a:defRPr>
       </a:lvl4pPr>
-      <a:lvl5pPr marL="1828800" algn="l" rtl="0" eaLnBrk="1" latinLnBrk="0" hangingPunct="1">
-        <a:defRPr kumimoji="0" kern="1200">
+      <a:lvl5pPr marL="2438339" algn="l" defTabSz="1219170" rtl="0" eaLnBrk="1" latinLnBrk="0" hangingPunct="1">
+        <a:defRPr sz="2400" kern="1200">
           <a:solidFill>
             <a:schemeClr val="tx1"/>
           </a:solidFill>
@@ -3196,8 +3059,8 @@
           <a:cs typeface="+mn-cs"/>
         </a:defRPr>
       </a:lvl5pPr>
-      <a:lvl6pPr marL="2286000" algn="l" rtl="0" eaLnBrk="1" latinLnBrk="0" hangingPunct="1">
-        <a:defRPr kumimoji="0" kern="1200">
+      <a:lvl6pPr marL="3047924" algn="l" defTabSz="1219170" rtl="0" eaLnBrk="1" latinLnBrk="0" hangingPunct="1">
+        <a:defRPr sz="2400" kern="1200">
           <a:solidFill>
             <a:schemeClr val="tx1"/>
           </a:solidFill>
@@ -3206,8 +3069,8 @@
           <a:cs typeface="+mn-cs"/>
         </a:defRPr>
       </a:lvl6pPr>
-      <a:lvl7pPr marL="2743200" algn="l" rtl="0" eaLnBrk="1" latinLnBrk="0" hangingPunct="1">
-        <a:defRPr kumimoji="0" kern="1200">
+      <a:lvl7pPr marL="3657509" algn="l" defTabSz="1219170" rtl="0" eaLnBrk="1" latinLnBrk="0" hangingPunct="1">
+        <a:defRPr sz="2400" kern="1200">
           <a:solidFill>
             <a:schemeClr val="tx1"/>
           </a:solidFill>
@@ -3216,8 +3079,8 @@
           <a:cs typeface="+mn-cs"/>
         </a:defRPr>
       </a:lvl7pPr>
-      <a:lvl8pPr marL="3200400" algn="l" rtl="0" eaLnBrk="1" latinLnBrk="0" hangingPunct="1">
-        <a:defRPr kumimoji="0" kern="1200">
+      <a:lvl8pPr marL="4267093" algn="l" defTabSz="1219170" rtl="0" eaLnBrk="1" latinLnBrk="0" hangingPunct="1">
+        <a:defRPr sz="2400" kern="1200">
           <a:solidFill>
             <a:schemeClr val="tx1"/>
           </a:solidFill>
@@ -3226,8 +3089,8 @@
           <a:cs typeface="+mn-cs"/>
         </a:defRPr>
       </a:lvl8pPr>
-      <a:lvl9pPr marL="3657600" algn="l" rtl="0" eaLnBrk="1" latinLnBrk="0" hangingPunct="1">
-        <a:defRPr kumimoji="0" kern="1200">
+      <a:lvl9pPr marL="4876678" algn="l" defTabSz="1219170" rtl="0" eaLnBrk="1" latinLnBrk="0" hangingPunct="1">
+        <a:defRPr sz="2400" kern="1200">
           <a:solidFill>
             <a:schemeClr val="tx1"/>
           </a:solidFill>
@@ -3276,14 +3139,23 @@
           <a:lstStyle/>
           <a:p>
             <a:r>
-              <a:rPr lang="zh-CN" altLang="en-US" dirty="0"/>
+              <a:rPr lang="zh-CN" altLang="en-US" sz="4800" b="1" dirty="0">
+                <a:latin typeface="Microsoft JhengHei" panose="020B0604030504040204" pitchFamily="34" charset="-120"/>
+                <a:ea typeface="Microsoft JhengHei" panose="020B0604030504040204" pitchFamily="34" charset="-120"/>
+              </a:rPr>
               <a:t>恩主</a:t>
             </a:r>
             <a:r>
-              <a:rPr lang="zh-CN" altLang="en-US" dirty="0" smtClean="0"/>
+              <a:rPr lang="zh-CN" altLang="en-US" sz="4800" b="1" dirty="0" smtClean="0">
+                <a:latin typeface="Microsoft JhengHei" panose="020B0604030504040204" pitchFamily="34" charset="-120"/>
+                <a:ea typeface="Microsoft JhengHei" panose="020B0604030504040204" pitchFamily="34" charset="-120"/>
+              </a:rPr>
               <a:t>頌</a:t>
             </a:r>
-            <a:endParaRPr lang="zh-TW" altLang="en-US" dirty="0"/>
+            <a:endParaRPr lang="zh-TW" altLang="en-US" sz="4800" b="1" dirty="0">
+              <a:latin typeface="Microsoft JhengHei" panose="020B0604030504040204" pitchFamily="34" charset="-120"/>
+              <a:ea typeface="Microsoft JhengHei" panose="020B0604030504040204" pitchFamily="34" charset="-120"/>
+            </a:endParaRPr>
           </a:p>
         </p:txBody>
       </p:sp>
@@ -3308,7 +3180,10 @@
               <a:buNone/>
             </a:pPr>
             <a:r>
-              <a:rPr lang="zh-TW" altLang="en-US" sz="5400" dirty="0"/>
+              <a:rPr lang="zh-TW" altLang="en-US" sz="5400" b="1" dirty="0">
+                <a:latin typeface="Microsoft JhengHei" panose="020B0604030504040204" pitchFamily="34" charset="-120"/>
+                <a:ea typeface="Microsoft JhengHei" panose="020B0604030504040204" pitchFamily="34" charset="-120"/>
+              </a:rPr>
               <a:t>耶穌的愛是世間最好</a:t>
             </a:r>
           </a:p>
@@ -3317,7 +3192,10 @@
               <a:buNone/>
             </a:pPr>
             <a:r>
-              <a:rPr lang="zh-TW" altLang="en-US" sz="5400" dirty="0"/>
+              <a:rPr lang="zh-TW" altLang="en-US" sz="5400" b="1" dirty="0">
+                <a:latin typeface="Microsoft JhengHei" panose="020B0604030504040204" pitchFamily="34" charset="-120"/>
+                <a:ea typeface="Microsoft JhengHei" panose="020B0604030504040204" pitchFamily="34" charset="-120"/>
+              </a:rPr>
               <a:t>督促我們來做人</a:t>
             </a:r>
           </a:p>
@@ -3326,7 +3204,10 @@
               <a:buNone/>
             </a:pPr>
             <a:r>
-              <a:rPr lang="zh-TW" altLang="en-US" sz="5400" dirty="0"/>
+              <a:rPr lang="zh-TW" altLang="en-US" sz="5400" b="1" dirty="0">
+                <a:latin typeface="Microsoft JhengHei" panose="020B0604030504040204" pitchFamily="34" charset="-120"/>
+                <a:ea typeface="Microsoft JhengHei" panose="020B0604030504040204" pitchFamily="34" charset="-120"/>
+              </a:rPr>
               <a:t>不論嚴寒夏至你的愛不改</a:t>
             </a:r>
           </a:p>
@@ -3335,7 +3216,10 @@
               <a:buNone/>
             </a:pPr>
             <a:r>
-              <a:rPr lang="zh-TW" altLang="en-US" sz="5400" dirty="0"/>
+              <a:rPr lang="zh-TW" altLang="en-US" sz="5400" b="1" dirty="0">
+                <a:latin typeface="Microsoft JhengHei" panose="020B0604030504040204" pitchFamily="34" charset="-120"/>
+                <a:ea typeface="Microsoft JhengHei" panose="020B0604030504040204" pitchFamily="34" charset="-120"/>
+              </a:rPr>
               <a:t>更常常令我有溫暖</a:t>
             </a:r>
           </a:p>
@@ -3384,14 +3268,23 @@
           <a:lstStyle/>
           <a:p>
             <a:r>
-              <a:rPr lang="zh-CN" altLang="en-US" dirty="0"/>
+              <a:rPr lang="zh-CN" altLang="en-US" sz="4800" b="1" dirty="0">
+                <a:latin typeface="Microsoft JhengHei" panose="020B0604030504040204" pitchFamily="34" charset="-120"/>
+                <a:ea typeface="Microsoft JhengHei" panose="020B0604030504040204" pitchFamily="34" charset="-120"/>
+              </a:rPr>
               <a:t>恩主</a:t>
             </a:r>
             <a:r>
-              <a:rPr lang="zh-CN" altLang="en-US" dirty="0" smtClean="0"/>
+              <a:rPr lang="zh-CN" altLang="en-US" sz="4800" b="1" dirty="0">
+                <a:latin typeface="Microsoft JhengHei" panose="020B0604030504040204" pitchFamily="34" charset="-120"/>
+                <a:ea typeface="Microsoft JhengHei" panose="020B0604030504040204" pitchFamily="34" charset="-120"/>
+              </a:rPr>
               <a:t>頌</a:t>
             </a:r>
-            <a:endParaRPr lang="zh-TW" altLang="en-US" dirty="0"/>
+            <a:endParaRPr lang="zh-TW" altLang="en-US" sz="4800" b="1" dirty="0">
+              <a:latin typeface="Microsoft JhengHei" panose="020B0604030504040204" pitchFamily="34" charset="-120"/>
+              <a:ea typeface="Microsoft JhengHei" panose="020B0604030504040204" pitchFamily="34" charset="-120"/>
+            </a:endParaRPr>
           </a:p>
         </p:txBody>
       </p:sp>
@@ -3405,7 +3298,12 @@
             <p:ph idx="1"/>
           </p:nvPr>
         </p:nvSpPr>
-        <p:spPr/>
+        <p:spPr>
+          <a:xfrm>
+            <a:off x="609600" y="1600201"/>
+            <a:ext cx="10972800" cy="5257799"/>
+          </a:xfrm>
+        </p:spPr>
         <p:txBody>
           <a:bodyPr>
             <a:normAutofit/>
@@ -3416,8 +3314,25 @@
               <a:buNone/>
             </a:pPr>
             <a:r>
-              <a:rPr lang="zh-TW" altLang="en-US" sz="5400" dirty="0"/>
-              <a:t>基督的愛像是</a:t>
+              <a:rPr lang="zh-TW" altLang="en-US" sz="5400" b="1" dirty="0">
+                <a:latin typeface="Microsoft JhengHei" panose="020B0604030504040204" pitchFamily="34" charset="-120"/>
+                <a:ea typeface="Microsoft JhengHei" panose="020B0604030504040204" pitchFamily="34" charset="-120"/>
+              </a:rPr>
+              <a:t>基督的愛像</a:t>
+            </a:r>
+            <a:r>
+              <a:rPr lang="zh-TW" altLang="en-US" sz="5400" b="1" dirty="0" smtClean="0">
+                <a:latin typeface="Microsoft JhengHei" panose="020B0604030504040204" pitchFamily="34" charset="-120"/>
+                <a:ea typeface="Microsoft JhengHei" panose="020B0604030504040204" pitchFamily="34" charset="-120"/>
+              </a:rPr>
+              <a:t>是  漆</a:t>
+            </a:r>
+            <a:r>
+              <a:rPr lang="zh-TW" altLang="en-US" sz="5400" b="1" dirty="0">
+                <a:latin typeface="Microsoft JhengHei" panose="020B0604030504040204" pitchFamily="34" charset="-120"/>
+                <a:ea typeface="Microsoft JhengHei" panose="020B0604030504040204" pitchFamily="34" charset="-120"/>
+              </a:rPr>
+              <a:t>黑裡導航亮光</a:t>
             </a:r>
           </a:p>
           <a:p>
@@ -3425,117 +3340,54 @@
               <a:buNone/>
             </a:pPr>
             <a:r>
-              <a:rPr lang="zh-TW" altLang="en-US" sz="5400" dirty="0"/>
-              <a:t>漆黑裡導航亮光</a:t>
-            </a:r>
-          </a:p>
-          <a:p>
-            <a:pPr algn="ctr">
-              <a:buNone/>
-            </a:pPr>
-            <a:r>
-              <a:rPr lang="zh-TW" altLang="en-US" sz="5400" dirty="0"/>
-              <a:t>一生替人受罪</a:t>
-            </a:r>
-          </a:p>
-          <a:p>
-            <a:pPr algn="ctr">
-              <a:buNone/>
-            </a:pPr>
-            <a:r>
-              <a:rPr lang="zh-CN" altLang="en-US" sz="5400" dirty="0">
+              <a:rPr lang="zh-TW" altLang="en-US" sz="5400" b="1" dirty="0">
+                <a:latin typeface="Microsoft JhengHei" panose="020B0604030504040204" pitchFamily="34" charset="-120"/>
+                <a:ea typeface="Microsoft JhengHei" panose="020B0604030504040204" pitchFamily="34" charset="-120"/>
+              </a:rPr>
+              <a:t>一生替人受</a:t>
+            </a:r>
+            <a:r>
+              <a:rPr lang="zh-TW" altLang="en-US" sz="5400" b="1" dirty="0" smtClean="0">
+                <a:latin typeface="Microsoft JhengHei" panose="020B0604030504040204" pitchFamily="34" charset="-120"/>
+                <a:ea typeface="Microsoft JhengHei" panose="020B0604030504040204" pitchFamily="34" charset="-120"/>
+              </a:rPr>
+              <a:t>罪  </a:t>
+            </a:r>
+            <a:r>
+              <a:rPr lang="zh-CN" altLang="en-US" sz="5400" b="1" dirty="0" smtClean="0">
                 <a:latin typeface="Microsoft JhengHei" panose="020B0604030504040204" pitchFamily="34" charset="-120"/>
                 <a:ea typeface="Microsoft JhengHei" panose="020B0604030504040204" pitchFamily="34" charset="-120"/>
               </a:rPr>
               <a:t>祂</a:t>
             </a:r>
             <a:r>
-              <a:rPr lang="zh-TW" altLang="en-US" sz="5400" dirty="0"/>
-              <a:t>關</a:t>
-            </a:r>
-            <a:r>
-              <a:rPr lang="zh-TW" altLang="en-US" sz="5400" dirty="0"/>
-              <a:t>心愛護兒女</a:t>
-            </a:r>
-          </a:p>
-        </p:txBody>
-      </p:sp>
-    </p:spTree>
-  </p:cSld>
-  <p:clrMapOvr>
-    <a:masterClrMapping/>
-  </p:clrMapOvr>
-</p:sld>
-</file>
-
-<file path=ppt/slides/slide3.xml><?xml version="1.0" encoding="utf-8"?>
-<p:sld xmlns:a="http://schemas.openxmlformats.org/drawingml/2006/main" xmlns:r="http://schemas.openxmlformats.org/officeDocument/2006/relationships" xmlns:p="http://schemas.openxmlformats.org/presentationml/2006/main">
-  <p:cSld>
-    <p:spTree>
-      <p:nvGrpSpPr>
-        <p:cNvPr id="1" name=""/>
-        <p:cNvGrpSpPr/>
-        <p:nvPr/>
-      </p:nvGrpSpPr>
-      <p:grpSpPr>
-        <a:xfrm>
-          <a:off x="0" y="0"/>
-          <a:ext cx="0" cy="0"/>
-          <a:chOff x="0" y="0"/>
-          <a:chExt cx="0" cy="0"/>
-        </a:xfrm>
-      </p:grpSpPr>
-      <p:sp>
-        <p:nvSpPr>
-          <p:cNvPr id="4" name="標題 3"/>
-          <p:cNvSpPr>
-            <a:spLocks noGrp="1"/>
-          </p:cNvSpPr>
-          <p:nvPr>
-            <p:ph type="title"/>
-          </p:nvPr>
-        </p:nvSpPr>
-        <p:spPr/>
-        <p:txBody>
-          <a:bodyPr>
-            <a:normAutofit/>
-          </a:bodyPr>
-          <a:lstStyle/>
-          <a:p>
-            <a:r>
-              <a:rPr lang="zh-CN" altLang="en-US" dirty="0"/>
-              <a:t>恩主</a:t>
-            </a:r>
-            <a:r>
-              <a:rPr lang="zh-CN" altLang="en-US" dirty="0" smtClean="0"/>
-              <a:t>頌</a:t>
-            </a:r>
-            <a:endParaRPr lang="zh-TW" altLang="en-US" dirty="0"/>
-          </a:p>
-        </p:txBody>
-      </p:sp>
-      <p:sp>
-        <p:nvSpPr>
-          <p:cNvPr id="5" name="內容版面配置區 4"/>
-          <p:cNvSpPr>
-            <a:spLocks noGrp="1"/>
-          </p:cNvSpPr>
-          <p:nvPr>
-            <p:ph idx="1"/>
-          </p:nvPr>
-        </p:nvSpPr>
-        <p:spPr/>
-        <p:txBody>
-          <a:bodyPr>
-            <a:normAutofit/>
-          </a:bodyPr>
-          <a:lstStyle/>
+              <a:rPr lang="zh-TW" altLang="en-US" sz="5400" b="1" dirty="0">
+                <a:latin typeface="Microsoft JhengHei" panose="020B0604030504040204" pitchFamily="34" charset="-120"/>
+                <a:ea typeface="Microsoft JhengHei" panose="020B0604030504040204" pitchFamily="34" charset="-120"/>
+              </a:rPr>
+              <a:t>關心愛護兒</a:t>
+            </a:r>
+            <a:r>
+              <a:rPr lang="zh-TW" altLang="en-US" sz="5400" b="1" dirty="0" smtClean="0">
+                <a:latin typeface="Microsoft JhengHei" panose="020B0604030504040204" pitchFamily="34" charset="-120"/>
+                <a:ea typeface="Microsoft JhengHei" panose="020B0604030504040204" pitchFamily="34" charset="-120"/>
+              </a:rPr>
+              <a:t>女</a:t>
+            </a:r>
+            <a:endParaRPr lang="en-US" altLang="zh-TW" sz="5400" b="1" dirty="0" smtClean="0">
+              <a:latin typeface="Microsoft JhengHei" panose="020B0604030504040204" pitchFamily="34" charset="-120"/>
+              <a:ea typeface="Microsoft JhengHei" panose="020B0604030504040204" pitchFamily="34" charset="-120"/>
+            </a:endParaRPr>
+          </a:p>
           <a:p>
             <a:pPr algn="ctr">
               <a:buNone/>
             </a:pPr>
             <a:r>
-              <a:rPr lang="zh-TW" altLang="en-US" sz="5400" dirty="0"/>
+              <a:rPr lang="zh-TW" altLang="en-US" sz="5400" b="1" dirty="0">
+                <a:latin typeface="Microsoft JhengHei" panose="020B0604030504040204" pitchFamily="34" charset="-120"/>
+                <a:ea typeface="Microsoft JhengHei" panose="020B0604030504040204" pitchFamily="34" charset="-120"/>
+              </a:rPr>
               <a:t>敬拜上主更兼要虔誠</a:t>
             </a:r>
           </a:p>
@@ -3544,15 +3396,24 @@
               <a:buNone/>
             </a:pPr>
             <a:r>
-              <a:rPr lang="zh-TW" altLang="en-US" sz="5400" dirty="0"/>
+              <a:rPr lang="zh-TW" altLang="en-US" sz="5400" b="1" dirty="0">
+                <a:latin typeface="Microsoft JhengHei" panose="020B0604030504040204" pitchFamily="34" charset="-120"/>
+                <a:ea typeface="Microsoft JhengHei" panose="020B0604030504040204" pitchFamily="34" charset="-120"/>
+              </a:rPr>
               <a:t>遵守主道</a:t>
             </a:r>
             <a:r>
-              <a:rPr lang="en-US" sz="5400" dirty="0"/>
+              <a:rPr lang="en-US" sz="5400" b="1" dirty="0">
+                <a:latin typeface="Microsoft JhengHei" panose="020B0604030504040204" pitchFamily="34" charset="-120"/>
+                <a:ea typeface="Microsoft JhengHei" panose="020B0604030504040204" pitchFamily="34" charset="-120"/>
+              </a:rPr>
               <a:t>  </a:t>
             </a:r>
             <a:r>
-              <a:rPr lang="zh-TW" altLang="en-US" sz="5400" dirty="0"/>
+              <a:rPr lang="zh-TW" altLang="en-US" sz="5400" b="1" dirty="0">
+                <a:latin typeface="Microsoft JhengHei" panose="020B0604030504040204" pitchFamily="34" charset="-120"/>
+                <a:ea typeface="Microsoft JhengHei" panose="020B0604030504040204" pitchFamily="34" charset="-120"/>
+              </a:rPr>
               <a:t>心中默禱</a:t>
             </a:r>
           </a:p>
@@ -3561,9 +3422,23 @@
               <a:buNone/>
             </a:pPr>
             <a:r>
-              <a:rPr lang="zh-TW" altLang="en-US" sz="5400" dirty="0"/>
-              <a:t>盼求上主祝福你</a:t>
-            </a:r>
+              <a:rPr lang="zh-TW" altLang="en-US" sz="5400" b="1" dirty="0">
+                <a:latin typeface="Microsoft JhengHei" panose="020B0604030504040204" pitchFamily="34" charset="-120"/>
+                <a:ea typeface="Microsoft JhengHei" panose="020B0604030504040204" pitchFamily="34" charset="-120"/>
+              </a:rPr>
+              <a:t>盼求上主祝福</a:t>
+            </a:r>
+            <a:r>
+              <a:rPr lang="zh-TW" altLang="en-US" sz="5400" b="1" dirty="0">
+                <a:latin typeface="Microsoft JhengHei" panose="020B0604030504040204" pitchFamily="34" charset="-120"/>
+                <a:ea typeface="Microsoft JhengHei" panose="020B0604030504040204" pitchFamily="34" charset="-120"/>
+              </a:rPr>
+              <a:t>你</a:t>
+            </a:r>
+            <a:endParaRPr lang="zh-TW" altLang="en-US" sz="5400" b="1" dirty="0">
+              <a:latin typeface="Microsoft JhengHei" panose="020B0604030504040204" pitchFamily="34" charset="-120"/>
+              <a:ea typeface="Microsoft JhengHei" panose="020B0604030504040204" pitchFamily="34" charset="-120"/>
+            </a:endParaRPr>
           </a:p>
         </p:txBody>
       </p:sp>
@@ -3576,9 +3451,9 @@
 </file>
 
 <file path=ppt/theme/theme1.xml><?xml version="1.0" encoding="utf-8"?>
-<a:theme xmlns:a="http://schemas.openxmlformats.org/drawingml/2006/main" name="旅程">
+<a:theme xmlns:a="http://schemas.openxmlformats.org/drawingml/2006/main" name="Theme1">
   <a:themeElements>
-    <a:clrScheme name="旅程">
+    <a:clrScheme name="Office">
       <a:dk1>
         <a:sysClr val="windowText" lastClr="000000"/>
       </a:dk1>
@@ -3586,48 +3461,82 @@
         <a:sysClr val="window" lastClr="FFFFFF"/>
       </a:lt1>
       <a:dk2>
-        <a:srgbClr val="4E3B30"/>
+        <a:srgbClr val="1F497D"/>
       </a:dk2>
       <a:lt2>
-        <a:srgbClr val="FBEEC9"/>
+        <a:srgbClr val="EEECE1"/>
       </a:lt2>
       <a:accent1>
-        <a:srgbClr val="F0A22E"/>
+        <a:srgbClr val="4F81BD"/>
       </a:accent1>
       <a:accent2>
-        <a:srgbClr val="A5644E"/>
+        <a:srgbClr val="C0504D"/>
       </a:accent2>
       <a:accent3>
-        <a:srgbClr val="B58B80"/>
+        <a:srgbClr val="9BBB59"/>
       </a:accent3>
       <a:accent4>
-        <a:srgbClr val="C3986D"/>
+        <a:srgbClr val="8064A2"/>
       </a:accent4>
       <a:accent5>
-        <a:srgbClr val="A19574"/>
+        <a:srgbClr val="4BACC6"/>
       </a:accent5>
       <a:accent6>
-        <a:srgbClr val="C17529"/>
+        <a:srgbClr val="F79646"/>
       </a:accent6>
       <a:hlink>
-        <a:srgbClr val="AD1F1F"/>
+        <a:srgbClr val="0000FF"/>
       </a:hlink>
       <a:folHlink>
-        <a:srgbClr val="FFC42F"/>
+        <a:srgbClr val="800080"/>
       </a:folHlink>
     </a:clrScheme>
-    <a:fontScheme name="旅程">
+    <a:fontScheme name="Office">
       <a:majorFont>
-        <a:latin typeface="Franklin Gothic Medium"/>
+        <a:latin typeface="Calibri"/>
         <a:ea typeface=""/>
         <a:cs typeface=""/>
-        <a:font script="Jpan" typeface="HG創英角ｺﾞｼｯｸUB"/>
-        <a:font script="Hang" typeface="돋움"/>
-        <a:font script="Hans" typeface="隶书"/>
-        <a:font script="Hant" typeface="微軟正黑體"/>
-        <a:font script="Arab" typeface="Tahoma"/>
-        <a:font script="Hebr" typeface="Aharoni"/>
-        <a:font script="Thai" typeface="LilyUPC"/>
+        <a:font script="Jpan" typeface="ＭＳ Ｐゴシック"/>
+        <a:font script="Hang" typeface="맑은 고딕"/>
+        <a:font script="Hans" typeface="宋体"/>
+        <a:font script="Hant" typeface="新細明體"/>
+        <a:font script="Arab" typeface="Times New Roman"/>
+        <a:font script="Hebr" typeface="Times New Roman"/>
+        <a:font script="Thai" typeface="Angsana New"/>
+        <a:font script="Ethi" typeface="Nyala"/>
+        <a:font script="Beng" typeface="Vrinda"/>
+        <a:font script="Gujr" typeface="Shruti"/>
+        <a:font script="Khmr" typeface="MoolBoran"/>
+        <a:font script="Knda" typeface="Tunga"/>
+        <a:font script="Guru" typeface="Raavi"/>
+        <a:font script="Cans" typeface="Euphemia"/>
+        <a:font script="Cher" typeface="Plantagenet Cherokee"/>
+        <a:font script="Yiii" typeface="Microsoft Yi Baiti"/>
+        <a:font script="Tibt" typeface="Microsoft Himalaya"/>
+        <a:font script="Thaa" typeface="MV Boli"/>
+        <a:font script="Deva" typeface="Mangal"/>
+        <a:font script="Telu" typeface="Gautami"/>
+        <a:font script="Taml" typeface="Latha"/>
+        <a:font script="Syrc" typeface="Estrangelo Edessa"/>
+        <a:font script="Orya" typeface="Kalinga"/>
+        <a:font script="Mlym" typeface="Kartika"/>
+        <a:font script="Laoo" typeface="DokChampa"/>
+        <a:font script="Sinh" typeface="Iskoola Pota"/>
+        <a:font script="Mong" typeface="Mongolian Baiti"/>
+        <a:font script="Viet" typeface="Times New Roman"/>
+        <a:font script="Uigh" typeface="Microsoft Uighur"/>
+      </a:majorFont>
+      <a:minorFont>
+        <a:latin typeface="Calibri"/>
+        <a:ea typeface=""/>
+        <a:cs typeface=""/>
+        <a:font script="Jpan" typeface="ＭＳ Ｐゴシック"/>
+        <a:font script="Hang" typeface="맑은 고딕"/>
+        <a:font script="Hans" typeface="宋体"/>
+        <a:font script="Hant" typeface="新細明體"/>
+        <a:font script="Arab" typeface="Arial"/>
+        <a:font script="Hebr" typeface="Arial"/>
+        <a:font script="Thai" typeface="Cordia New"/>
         <a:font script="Ethi" typeface="Nyala"/>
         <a:font script="Beng" typeface="Vrinda"/>
         <a:font script="Gujr" typeface="Shruti"/>
@@ -3650,43 +3559,9 @@
         <a:font script="Mong" typeface="Mongolian Baiti"/>
         <a:font script="Viet" typeface="Arial"/>
         <a:font script="Uigh" typeface="Microsoft Uighur"/>
-      </a:majorFont>
-      <a:minorFont>
-        <a:latin typeface="Franklin Gothic Book"/>
-        <a:ea typeface=""/>
-        <a:cs typeface=""/>
-        <a:font script="Jpan" typeface="HGｺﾞｼｯｸE"/>
-        <a:font script="Hang" typeface="돋움"/>
-        <a:font script="Hans" typeface="华文楷体"/>
-        <a:font script="Hant" typeface="微軟正黑體"/>
-        <a:font script="Arab" typeface="Tahoma"/>
-        <a:font script="Hebr" typeface="Aharoni"/>
-        <a:font script="Thai" typeface="LilyUPC"/>
-        <a:font script="Ethi" typeface="Nyala"/>
-        <a:font script="Beng" typeface="Vrinda"/>
-        <a:font script="Gujr" typeface="Shruti"/>
-        <a:font script="Khmr" typeface="DaunPenh"/>
-        <a:font script="Knda" typeface="Tunga"/>
-        <a:font script="Guru" typeface="Raavi"/>
-        <a:font script="Cans" typeface="Euphemia"/>
-        <a:font script="Cher" typeface="Plantagenet Cherokee"/>
-        <a:font script="Yiii" typeface="Microsoft Yi Baiti"/>
-        <a:font script="Tibt" typeface="Microsoft Himalaya"/>
-        <a:font script="Thaa" typeface="MV Boli"/>
-        <a:font script="Deva" typeface="Mangal"/>
-        <a:font script="Telu" typeface="Gautami"/>
-        <a:font script="Taml" typeface="Latha"/>
-        <a:font script="Syrc" typeface="Estrangelo Edessa"/>
-        <a:font script="Orya" typeface="Kalinga"/>
-        <a:font script="Mlym" typeface="Kartika"/>
-        <a:font script="Laoo" typeface="DokChampa"/>
-        <a:font script="Sinh" typeface="Iskoola Pota"/>
-        <a:font script="Mong" typeface="Mongolian Baiti"/>
-        <a:font script="Viet" typeface="Tahoma"/>
-        <a:font script="Uigh" typeface="Microsoft Uighur"/>
       </a:minorFont>
     </a:fontScheme>
-    <a:fmtScheme name="旅程">
+    <a:fmtScheme name="Office">
       <a:fillStyleLst>
         <a:solidFill>
           <a:schemeClr val="phClr"/>
@@ -3695,77 +3570,56 @@
           <a:gsLst>
             <a:gs pos="0">
               <a:schemeClr val="phClr">
-                <a:tint val="30000"/>
-                <a:satMod val="250000"/>
+                <a:tint val="50000"/>
+                <a:satMod val="300000"/>
               </a:schemeClr>
             </a:gs>
-            <a:gs pos="72000">
+            <a:gs pos="35000">
               <a:schemeClr val="phClr">
-                <a:tint val="75000"/>
-                <a:satMod val="210000"/>
+                <a:tint val="37000"/>
+                <a:satMod val="300000"/>
               </a:schemeClr>
             </a:gs>
             <a:gs pos="100000">
               <a:schemeClr val="phClr">
-                <a:tint val="85000"/>
-                <a:satMod val="210000"/>
+                <a:tint val="15000"/>
+                <a:satMod val="350000"/>
               </a:schemeClr>
             </a:gs>
           </a:gsLst>
-          <a:lin ang="5400000" scaled="1"/>
+          <a:lin ang="16200000" scaled="1"/>
         </a:gradFill>
         <a:gradFill rotWithShape="1">
           <a:gsLst>
             <a:gs pos="0">
               <a:schemeClr val="phClr">
-                <a:tint val="75000"/>
-                <a:shade val="85000"/>
-                <a:satMod val="230000"/>
-              </a:schemeClr>
-            </a:gs>
-            <a:gs pos="25000">
-              <a:schemeClr val="phClr">
-                <a:tint val="90000"/>
-                <a:shade val="70000"/>
-                <a:satMod val="220000"/>
-              </a:schemeClr>
-            </a:gs>
-            <a:gs pos="50000">
-              <a:schemeClr val="phClr">
-                <a:tint val="90000"/>
-                <a:shade val="58000"/>
-                <a:satMod val="225000"/>
-              </a:schemeClr>
-            </a:gs>
-            <a:gs pos="65000">
-              <a:schemeClr val="phClr">
-                <a:tint val="90000"/>
-                <a:shade val="58000"/>
-                <a:satMod val="225000"/>
+                <a:shade val="51000"/>
+                <a:satMod val="130000"/>
               </a:schemeClr>
             </a:gs>
             <a:gs pos="80000">
               <a:schemeClr val="phClr">
-                <a:tint val="90000"/>
-                <a:shade val="69000"/>
-                <a:satMod val="220000"/>
+                <a:shade val="93000"/>
+                <a:satMod val="130000"/>
               </a:schemeClr>
             </a:gs>
             <a:gs pos="100000">
               <a:schemeClr val="phClr">
-                <a:tint val="77000"/>
-                <a:shade val="80000"/>
-                <a:satMod val="230000"/>
+                <a:shade val="94000"/>
+                <a:satMod val="135000"/>
               </a:schemeClr>
             </a:gs>
           </a:gsLst>
-          <a:lin ang="5400000" scaled="1"/>
+          <a:lin ang="16200000" scaled="0"/>
         </a:gradFill>
       </a:fillStyleLst>
       <a:lnStyleLst>
-        <a:ln w="10000" cap="flat" cmpd="sng" algn="ctr">
+        <a:ln w="9525" cap="flat" cmpd="sng" algn="ctr">
           <a:solidFill>
-            <a:schemeClr val="phClr"/>
+            <a:schemeClr val="phClr">
+              <a:shade val="95000"/>
+              <a:satMod val="105000"/>
+            </a:schemeClr>
           </a:solidFill>
           <a:prstDash val="solid"/>
         </a:ln>
@@ -3785,18 +3639,27 @@
       <a:effectStyleLst>
         <a:effectStyle>
           <a:effectLst>
-            <a:outerShdw blurRad="76200" dist="50800" dir="5400000" rotWithShape="0">
-              <a:srgbClr val="4E3B30">
-                <a:alpha val="60000"/>
+            <a:outerShdw blurRad="40000" dist="20000" dir="5400000" rotWithShape="0">
+              <a:srgbClr val="000000">
+                <a:alpha val="38000"/>
               </a:srgbClr>
             </a:outerShdw>
           </a:effectLst>
         </a:effectStyle>
         <a:effectStyle>
           <a:effectLst>
-            <a:outerShdw blurRad="76200" dist="50800" dir="5400000" rotWithShape="0">
-              <a:srgbClr val="4E3B30">
-                <a:alpha val="60000"/>
+            <a:outerShdw blurRad="40000" dist="23000" dir="5400000" rotWithShape="0">
+              <a:srgbClr val="000000">
+                <a:alpha val="35000"/>
+              </a:srgbClr>
+            </a:outerShdw>
+          </a:effectLst>
+        </a:effectStyle>
+        <a:effectStyle>
+          <a:effectLst>
+            <a:outerShdw blurRad="40000" dist="23000" dir="5400000" rotWithShape="0">
+              <a:srgbClr val="000000">
+                <a:alpha val="35000"/>
               </a:srgbClr>
             </a:outerShdw>
           </a:effectLst>
@@ -3804,38 +3667,12 @@
             <a:camera prst="orthographicFront">
               <a:rot lat="0" lon="0" rev="0"/>
             </a:camera>
-            <a:lightRig rig="threePt" dir="tl">
-              <a:rot lat="0" lon="0" rev="0"/>
+            <a:lightRig rig="threePt" dir="t">
+              <a:rot lat="0" lon="0" rev="1200000"/>
             </a:lightRig>
           </a:scene3d>
-          <a:sp3d prstMaterial="metal">
-            <a:bevelT w="10000" h="10000"/>
-          </a:sp3d>
-        </a:effectStyle>
-        <a:effectStyle>
-          <a:effectLst>
-            <a:outerShdw blurRad="76200" dist="50800" dir="5400000" rotWithShape="0">
-              <a:srgbClr val="4E3B30">
-                <a:alpha val="60000"/>
-              </a:srgbClr>
-            </a:outerShdw>
-          </a:effectLst>
-          <a:scene3d>
-            <a:camera prst="obliqueTopLeft" fov="600000">
-              <a:rot lat="0" lon="0" rev="0"/>
-            </a:camera>
-            <a:lightRig rig="balanced" dir="t">
-              <a:rot lat="0" lon="0" rev="19200000"/>
-            </a:lightRig>
-          </a:scene3d>
-          <a:sp3d contourW="12700" prstMaterial="matte">
-            <a:bevelT w="60000" h="50800"/>
-            <a:contourClr>
-              <a:schemeClr val="phClr">
-                <a:shade val="60000"/>
-                <a:satMod val="110000"/>
-              </a:schemeClr>
-            </a:contourClr>
+          <a:sp3d>
+            <a:bevelT w="63500" h="25400"/>
           </a:sp3d>
         </a:effectStyle>
       </a:effectStyleLst>
@@ -3843,42 +3680,60 @@
         <a:solidFill>
           <a:schemeClr val="phClr"/>
         </a:solidFill>
-        <a:blipFill>
-          <a:blip xmlns:r="http://schemas.openxmlformats.org/officeDocument/2006/relationships" r:embed="rId1">
-            <a:duotone>
+        <a:gradFill rotWithShape="1">
+          <a:gsLst>
+            <a:gs pos="0">
               <a:schemeClr val="phClr">
-                <a:shade val="90000"/>
-                <a:satMod val="150000"/>
+                <a:tint val="40000"/>
+                <a:satMod val="350000"/>
               </a:schemeClr>
+            </a:gs>
+            <a:gs pos="40000">
               <a:schemeClr val="phClr">
-                <a:tint val="88000"/>
-                <a:satMod val="105000"/>
+                <a:tint val="45000"/>
+                <a:shade val="99000"/>
+                <a:satMod val="350000"/>
               </a:schemeClr>
-            </a:duotone>
-          </a:blip>
-          <a:tile tx="0" ty="0" sx="95000" sy="95000" flip="none" algn="t"/>
-        </a:blipFill>
-        <a:blipFill>
-          <a:blip xmlns:r="http://schemas.openxmlformats.org/officeDocument/2006/relationships" r:embed="rId2">
-            <a:duotone>
+            </a:gs>
+            <a:gs pos="100000">
+              <a:schemeClr val="phClr">
+                <a:shade val="20000"/>
+                <a:satMod val="255000"/>
+              </a:schemeClr>
+            </a:gs>
+          </a:gsLst>
+          <a:path path="circle">
+            <a:fillToRect l="50000" t="-80000" r="50000" b="180000"/>
+          </a:path>
+        </a:gradFill>
+        <a:gradFill rotWithShape="1">
+          <a:gsLst>
+            <a:gs pos="0">
+              <a:schemeClr val="phClr">
+                <a:tint val="80000"/>
+                <a:satMod val="300000"/>
+              </a:schemeClr>
+            </a:gs>
+            <a:gs pos="100000">
               <a:schemeClr val="phClr">
                 <a:shade val="30000"/>
-                <a:satMod val="455000"/>
+                <a:satMod val="200000"/>
               </a:schemeClr>
-              <a:schemeClr val="phClr">
-                <a:tint val="95000"/>
-                <a:satMod val="120000"/>
-              </a:schemeClr>
-            </a:duotone>
-          </a:blip>
-          <a:stretch>
-            <a:fillRect/>
-          </a:stretch>
-        </a:blipFill>
+            </a:gs>
+          </a:gsLst>
+          <a:path path="circle">
+            <a:fillToRect l="50000" t="50000" r="50000" b="50000"/>
+          </a:path>
+        </a:gradFill>
       </a:bgFillStyleLst>
     </a:fmtScheme>
   </a:themeElements>
   <a:objectDefaults/>
   <a:extraClrSchemeLst/>
+  <a:extLst>
+    <a:ext uri="{05A4C25C-085E-4340-85A3-A5531E510DB2}">
+      <thm15:themeFamily xmlns:thm15="http://schemas.microsoft.com/office/thememl/2012/main" name="Theme1" id="{AFC7C034-021A-479F-A5B0-F4AE2AC2A6F8}" vid="{E4B01A5C-7C0B-4AB8-8973-047186F18E30}"/>
+    </a:ext>
+  </a:extLst>
 </a:theme>
 </file>
--- a/恩主頌.pptx
+++ b/恩主頌.pptx
@@ -5,8 +5,12 @@
     <p:sldMasterId id="2147483684" r:id="rId1"/>
   </p:sldMasterIdLst>
   <p:sldIdLst>
-    <p:sldId id="256" r:id="rId2"/>
-    <p:sldId id="257" r:id="rId3"/>
+    <p:sldId id="258" r:id="rId2"/>
+    <p:sldId id="259" r:id="rId3"/>
+    <p:sldId id="260" r:id="rId4"/>
+    <p:sldId id="261" r:id="rId5"/>
+    <p:sldId id="262" r:id="rId6"/>
+    <p:sldId id="263" r:id="rId7"/>
   </p:sldIdLst>
   <p:sldSz cx="12192000" cy="6858000"/>
   <p:notesSz cx="6858000" cy="9144000"/>
@@ -305,7 +309,7 @@
           <a:p>
             <a:fld id="{F196456C-D8C5-4A21-BE41-5372ECB01F10}" type="datetimeFigureOut">
               <a:rPr lang="zh-TW" altLang="en-US" smtClean="0"/>
-              <a:t>2020/3/14</a:t>
+              <a:t>2022/5/21</a:t>
             </a:fld>
             <a:endParaRPr lang="zh-TW" altLang="en-US"/>
           </a:p>
@@ -475,7 +479,7 @@
           <a:p>
             <a:fld id="{F196456C-D8C5-4A21-BE41-5372ECB01F10}" type="datetimeFigureOut">
               <a:rPr lang="zh-TW" altLang="en-US" smtClean="0"/>
-              <a:t>2020/3/14</a:t>
+              <a:t>2022/5/21</a:t>
             </a:fld>
             <a:endParaRPr lang="zh-TW" altLang="en-US"/>
           </a:p>
@@ -655,7 +659,7 @@
           <a:p>
             <a:fld id="{F196456C-D8C5-4A21-BE41-5372ECB01F10}" type="datetimeFigureOut">
               <a:rPr lang="zh-TW" altLang="en-US" smtClean="0"/>
-              <a:t>2020/3/14</a:t>
+              <a:t>2022/5/21</a:t>
             </a:fld>
             <a:endParaRPr lang="zh-TW" altLang="en-US"/>
           </a:p>
@@ -825,7 +829,7 @@
           <a:p>
             <a:fld id="{F196456C-D8C5-4A21-BE41-5372ECB01F10}" type="datetimeFigureOut">
               <a:rPr lang="zh-TW" altLang="en-US" smtClean="0"/>
-              <a:t>2020/3/14</a:t>
+              <a:t>2022/5/21</a:t>
             </a:fld>
             <a:endParaRPr lang="zh-TW" altLang="en-US"/>
           </a:p>
@@ -1071,7 +1075,7 @@
           <a:p>
             <a:fld id="{F196456C-D8C5-4A21-BE41-5372ECB01F10}" type="datetimeFigureOut">
               <a:rPr lang="zh-TW" altLang="en-US" smtClean="0"/>
-              <a:t>2020/3/14</a:t>
+              <a:t>2022/5/21</a:t>
             </a:fld>
             <a:endParaRPr lang="zh-TW" altLang="en-US"/>
           </a:p>
@@ -1359,7 +1363,7 @@
           <a:p>
             <a:fld id="{F196456C-D8C5-4A21-BE41-5372ECB01F10}" type="datetimeFigureOut">
               <a:rPr lang="zh-TW" altLang="en-US" smtClean="0"/>
-              <a:t>2020/3/14</a:t>
+              <a:t>2022/5/21</a:t>
             </a:fld>
             <a:endParaRPr lang="zh-TW" altLang="en-US"/>
           </a:p>
@@ -1781,7 +1785,7 @@
           <a:p>
             <a:fld id="{F196456C-D8C5-4A21-BE41-5372ECB01F10}" type="datetimeFigureOut">
               <a:rPr lang="zh-TW" altLang="en-US" smtClean="0"/>
-              <a:t>2020/3/14</a:t>
+              <a:t>2022/5/21</a:t>
             </a:fld>
             <a:endParaRPr lang="zh-TW" altLang="en-US"/>
           </a:p>
@@ -1899,7 +1903,7 @@
           <a:p>
             <a:fld id="{F196456C-D8C5-4A21-BE41-5372ECB01F10}" type="datetimeFigureOut">
               <a:rPr lang="zh-TW" altLang="en-US" smtClean="0"/>
-              <a:t>2020/3/14</a:t>
+              <a:t>2022/5/21</a:t>
             </a:fld>
             <a:endParaRPr lang="zh-TW" altLang="en-US"/>
           </a:p>
@@ -1994,7 +1998,7 @@
           <a:p>
             <a:fld id="{F196456C-D8C5-4A21-BE41-5372ECB01F10}" type="datetimeFigureOut">
               <a:rPr lang="zh-TW" altLang="en-US" smtClean="0"/>
-              <a:t>2020/3/14</a:t>
+              <a:t>2022/5/21</a:t>
             </a:fld>
             <a:endParaRPr lang="zh-TW" altLang="en-US"/>
           </a:p>
@@ -2271,7 +2275,7 @@
           <a:p>
             <a:fld id="{F196456C-D8C5-4A21-BE41-5372ECB01F10}" type="datetimeFigureOut">
               <a:rPr lang="zh-TW" altLang="en-US" smtClean="0"/>
-              <a:t>2020/3/14</a:t>
+              <a:t>2022/5/21</a:t>
             </a:fld>
             <a:endParaRPr lang="zh-TW" altLang="en-US"/>
           </a:p>
@@ -2528,7 +2532,7 @@
           <a:p>
             <a:fld id="{F196456C-D8C5-4A21-BE41-5372ECB01F10}" type="datetimeFigureOut">
               <a:rPr lang="zh-TW" altLang="en-US" smtClean="0"/>
-              <a:t>2020/3/14</a:t>
+              <a:t>2022/5/21</a:t>
             </a:fld>
             <a:endParaRPr lang="zh-TW" altLang="en-US"/>
           </a:p>
@@ -2746,7 +2750,7 @@
           <a:p>
             <a:fld id="{F196456C-D8C5-4A21-BE41-5372ECB01F10}" type="datetimeFigureOut">
               <a:rPr lang="zh-TW" altLang="en-US" smtClean="0"/>
-              <a:t>2020/3/14</a:t>
+              <a:t>2022/5/21</a:t>
             </a:fld>
             <a:endParaRPr lang="zh-TW" altLang="en-US"/>
           </a:p>
@@ -3131,101 +3135,75 @@
             <p:ph type="title"/>
           </p:nvPr>
         </p:nvSpPr>
-        <p:spPr/>
+        <p:spPr>
+          <a:xfrm>
+            <a:off x="0" y="2660915"/>
+            <a:ext cx="12192000" cy="1143000"/>
+          </a:xfrm>
+        </p:spPr>
         <p:txBody>
           <a:bodyPr>
-            <a:normAutofit/>
+            <a:noAutofit/>
           </a:bodyPr>
           <a:lstStyle/>
           <a:p>
             <a:r>
-              <a:rPr lang="zh-CN" altLang="en-US" sz="4800" b="1" dirty="0">
-                <a:latin typeface="Microsoft JhengHei" panose="020B0604030504040204" pitchFamily="34" charset="-120"/>
-                <a:ea typeface="Microsoft JhengHei" panose="020B0604030504040204" pitchFamily="34" charset="-120"/>
+              <a:rPr lang="zh-CN" altLang="en-US" sz="7200" b="1" i="1" dirty="0">
+                <a:solidFill>
+                  <a:srgbClr val="660033"/>
+                </a:solidFill>
+                <a:effectLst>
+                  <a:outerShdw blurRad="38100" dist="38100" dir="2700000" algn="tl">
+                    <a:srgbClr val="000000">
+                      <a:alpha val="43137"/>
+                    </a:srgbClr>
+                  </a:outerShdw>
+                </a:effectLst>
+                <a:latin typeface="微軟正黑體" pitchFamily="34" charset="-120"/>
+                <a:ea typeface="微軟正黑體" pitchFamily="34" charset="-120"/>
               </a:rPr>
-              <a:t>恩主</a:t>
-            </a:r>
-            <a:r>
-              <a:rPr lang="zh-CN" altLang="en-US" sz="4800" b="1" dirty="0" smtClean="0">
-                <a:latin typeface="Microsoft JhengHei" panose="020B0604030504040204" pitchFamily="34" charset="-120"/>
-                <a:ea typeface="Microsoft JhengHei" panose="020B0604030504040204" pitchFamily="34" charset="-120"/>
+              <a:t>恩</a:t>
+            </a:r>
+            <a:r>
+              <a:rPr lang="zh-CN" altLang="en-US" sz="7200" b="1" i="1" dirty="0">
+                <a:solidFill>
+                  <a:srgbClr val="660033"/>
+                </a:solidFill>
+                <a:effectLst>
+                  <a:outerShdw blurRad="38100" dist="38100" dir="2700000" algn="tl">
+                    <a:srgbClr val="000000">
+                      <a:alpha val="43137"/>
+                    </a:srgbClr>
+                  </a:outerShdw>
+                </a:effectLst>
+                <a:latin typeface="微軟正黑體" pitchFamily="34" charset="-120"/>
+                <a:ea typeface="微軟正黑體" pitchFamily="34" charset="-120"/>
               </a:rPr>
-              <a:t>頌</a:t>
-            </a:r>
-            <a:endParaRPr lang="zh-TW" altLang="en-US" sz="4800" b="1" dirty="0">
-              <a:latin typeface="Microsoft JhengHei" panose="020B0604030504040204" pitchFamily="34" charset="-120"/>
-              <a:ea typeface="Microsoft JhengHei" panose="020B0604030504040204" pitchFamily="34" charset="-120"/>
+              <a:t>主頌</a:t>
+            </a:r>
+            <a:endParaRPr lang="zh-TW" altLang="en-US" sz="7200" b="1" i="1" dirty="0">
+              <a:solidFill>
+                <a:srgbClr val="660033"/>
+              </a:solidFill>
+              <a:effectLst>
+                <a:outerShdw blurRad="38100" dist="38100" dir="2700000" algn="tl">
+                  <a:srgbClr val="000000">
+                    <a:alpha val="43137"/>
+                  </a:srgbClr>
+                </a:outerShdw>
+              </a:effectLst>
+              <a:latin typeface="微軟正黑體" pitchFamily="34" charset="-120"/>
+              <a:ea typeface="微軟正黑體" pitchFamily="34" charset="-120"/>
             </a:endParaRPr>
           </a:p>
         </p:txBody>
       </p:sp>
-      <p:sp>
-        <p:nvSpPr>
-          <p:cNvPr id="5" name="內容版面配置區 4"/>
-          <p:cNvSpPr>
-            <a:spLocks noGrp="1"/>
-          </p:cNvSpPr>
-          <p:nvPr>
-            <p:ph idx="1"/>
-          </p:nvPr>
-        </p:nvSpPr>
-        <p:spPr/>
-        <p:txBody>
-          <a:bodyPr>
-            <a:normAutofit/>
-          </a:bodyPr>
-          <a:lstStyle/>
-          <a:p>
-            <a:pPr algn="ctr">
-              <a:buNone/>
-            </a:pPr>
-            <a:r>
-              <a:rPr lang="zh-TW" altLang="en-US" sz="5400" b="1" dirty="0">
-                <a:latin typeface="Microsoft JhengHei" panose="020B0604030504040204" pitchFamily="34" charset="-120"/>
-                <a:ea typeface="Microsoft JhengHei" panose="020B0604030504040204" pitchFamily="34" charset="-120"/>
-              </a:rPr>
-              <a:t>耶穌的愛是世間最好</a:t>
-            </a:r>
-          </a:p>
-          <a:p>
-            <a:pPr algn="ctr">
-              <a:buNone/>
-            </a:pPr>
-            <a:r>
-              <a:rPr lang="zh-TW" altLang="en-US" sz="5400" b="1" dirty="0">
-                <a:latin typeface="Microsoft JhengHei" panose="020B0604030504040204" pitchFamily="34" charset="-120"/>
-                <a:ea typeface="Microsoft JhengHei" panose="020B0604030504040204" pitchFamily="34" charset="-120"/>
-              </a:rPr>
-              <a:t>督促我們來做人</a:t>
-            </a:r>
-          </a:p>
-          <a:p>
-            <a:pPr algn="ctr">
-              <a:buNone/>
-            </a:pPr>
-            <a:r>
-              <a:rPr lang="zh-TW" altLang="en-US" sz="5400" b="1" dirty="0">
-                <a:latin typeface="Microsoft JhengHei" panose="020B0604030504040204" pitchFamily="34" charset="-120"/>
-                <a:ea typeface="Microsoft JhengHei" panose="020B0604030504040204" pitchFamily="34" charset="-120"/>
-              </a:rPr>
-              <a:t>不論嚴寒夏至你的愛不改</a:t>
-            </a:r>
-          </a:p>
-          <a:p>
-            <a:pPr algn="ctr">
-              <a:buNone/>
-            </a:pPr>
-            <a:r>
-              <a:rPr lang="zh-TW" altLang="en-US" sz="5400" b="1" dirty="0">
-                <a:latin typeface="Microsoft JhengHei" panose="020B0604030504040204" pitchFamily="34" charset="-120"/>
-                <a:ea typeface="Microsoft JhengHei" panose="020B0604030504040204" pitchFamily="34" charset="-120"/>
-              </a:rPr>
-              <a:t>更常常令我有溫暖</a:t>
-            </a:r>
-          </a:p>
-        </p:txBody>
-      </p:sp>
     </p:spTree>
+    <p:extLst>
+      <p:ext uri="{BB962C8B-B14F-4D97-AF65-F5344CB8AC3E}">
+        <p14:creationId xmlns:p14="http://schemas.microsoft.com/office/powerpoint/2010/main" val="143251016"/>
+      </p:ext>
+    </p:extLst>
   </p:cSld>
   <p:clrMapOvr>
     <a:masterClrMapping/>
@@ -3252,197 +3230,787 @@
       </p:grpSpPr>
       <p:sp>
         <p:nvSpPr>
-          <p:cNvPr id="4" name="標題 3"/>
-          <p:cNvSpPr>
-            <a:spLocks noGrp="1"/>
-          </p:cNvSpPr>
-          <p:nvPr>
-            <p:ph type="title"/>
-          </p:nvPr>
-        </p:nvSpPr>
-        <p:spPr/>
-        <p:txBody>
-          <a:bodyPr>
+          <p:cNvPr id="5" name="內容版面配置區 4"/>
+          <p:cNvSpPr>
+            <a:spLocks noGrp="1"/>
+          </p:cNvSpPr>
+          <p:nvPr>
+            <p:ph idx="1"/>
+          </p:nvPr>
+        </p:nvSpPr>
+        <p:spPr>
+          <a:xfrm>
+            <a:off x="0" y="2084851"/>
+            <a:ext cx="12192000" cy="2404863"/>
+          </a:xfrm>
+        </p:spPr>
+        <p:txBody>
+          <a:bodyPr anchor="ctr">
             <a:normAutofit/>
           </a:bodyPr>
           <a:lstStyle/>
           <a:p>
-            <a:r>
-              <a:rPr lang="zh-CN" altLang="en-US" sz="4800" b="1" dirty="0">
+            <a:pPr algn="ctr">
+              <a:buNone/>
+            </a:pPr>
+            <a:r>
+              <a:rPr lang="zh-TW" altLang="en-US" sz="6400" b="1" dirty="0">
+                <a:solidFill>
+                  <a:srgbClr val="660033"/>
+                </a:solidFill>
+                <a:latin typeface="微軟正黑體" pitchFamily="34" charset="-120"/>
+                <a:ea typeface="微軟正黑體" pitchFamily="34" charset="-120"/>
+              </a:rPr>
+              <a:t>耶</a:t>
+            </a:r>
+            <a:r>
+              <a:rPr lang="zh-TW" altLang="en-US" sz="6400" b="1" dirty="0">
+                <a:solidFill>
+                  <a:srgbClr val="660033"/>
+                </a:solidFill>
+                <a:latin typeface="微軟正黑體" pitchFamily="34" charset="-120"/>
+                <a:ea typeface="微軟正黑體" pitchFamily="34" charset="-120"/>
+              </a:rPr>
+              <a:t>穌的愛是世間最好</a:t>
+            </a:r>
+          </a:p>
+          <a:p>
+            <a:pPr algn="ctr">
+              <a:buNone/>
+            </a:pPr>
+            <a:r>
+              <a:rPr lang="zh-TW" altLang="en-US" sz="6400" b="1" dirty="0">
+                <a:solidFill>
+                  <a:srgbClr val="660033"/>
+                </a:solidFill>
+                <a:latin typeface="微軟正黑體" pitchFamily="34" charset="-120"/>
+                <a:ea typeface="微軟正黑體" pitchFamily="34" charset="-120"/>
+              </a:rPr>
+              <a:t>督促我們來做人</a:t>
+            </a:r>
+          </a:p>
+        </p:txBody>
+      </p:sp>
+      <p:sp>
+        <p:nvSpPr>
+          <p:cNvPr id="3" name="TextBox 2"/>
+          <p:cNvSpPr txBox="1"/>
+          <p:nvPr/>
+        </p:nvSpPr>
+        <p:spPr>
+          <a:xfrm>
+            <a:off x="0" y="5157192"/>
+            <a:ext cx="12192000" cy="748988"/>
+          </a:xfrm>
+          <a:prstGeom prst="rect">
+            <a:avLst/>
+          </a:prstGeom>
+          <a:noFill/>
+        </p:spPr>
+        <p:txBody>
+          <a:bodyPr wrap="square" rtlCol="0">
+            <a:spAutoFit/>
+          </a:bodyPr>
+          <a:lstStyle/>
+          <a:p>
+            <a:pPr algn="ctr"/>
+            <a:r>
+              <a:rPr lang="en-US" sz="4267" b="1" dirty="0">
+                <a:solidFill>
+                  <a:srgbClr val="660033"/>
+                </a:solidFill>
                 <a:latin typeface="Microsoft JhengHei" panose="020B0604030504040204" pitchFamily="34" charset="-120"/>
                 <a:ea typeface="Microsoft JhengHei" panose="020B0604030504040204" pitchFamily="34" charset="-120"/>
               </a:rPr>
-              <a:t>恩主</a:t>
-            </a:r>
-            <a:r>
-              <a:rPr lang="zh-CN" altLang="en-US" sz="4800" b="1" dirty="0">
+              <a:t>( </a:t>
+            </a:r>
+            <a:r>
+              <a:rPr lang="zh-CN" altLang="en-US" sz="4267" b="1" dirty="0">
+                <a:solidFill>
+                  <a:srgbClr val="660033"/>
+                </a:solidFill>
                 <a:latin typeface="Microsoft JhengHei" panose="020B0604030504040204" pitchFamily="34" charset="-120"/>
                 <a:ea typeface="Microsoft JhengHei" panose="020B0604030504040204" pitchFamily="34" charset="-120"/>
               </a:rPr>
-              <a:t>頌</a:t>
-            </a:r>
-            <a:endParaRPr lang="zh-TW" altLang="en-US" sz="4800" b="1" dirty="0">
-              <a:latin typeface="Microsoft JhengHei" panose="020B0604030504040204" pitchFamily="34" charset="-120"/>
-              <a:ea typeface="Microsoft JhengHei" panose="020B0604030504040204" pitchFamily="34" charset="-120"/>
-            </a:endParaRPr>
-          </a:p>
-        </p:txBody>
-      </p:sp>
-      <p:sp>
-        <p:nvSpPr>
-          <p:cNvPr id="5" name="內容版面配置區 4"/>
-          <p:cNvSpPr>
-            <a:spLocks noGrp="1"/>
-          </p:cNvSpPr>
-          <p:nvPr>
-            <p:ph idx="1"/>
-          </p:nvPr>
-        </p:nvSpPr>
-        <p:spPr>
-          <a:xfrm>
-            <a:off x="609600" y="1600201"/>
-            <a:ext cx="10972800" cy="5257799"/>
-          </a:xfrm>
-        </p:spPr>
-        <p:txBody>
-          <a:bodyPr>
-            <a:normAutofit/>
-          </a:bodyPr>
-          <a:lstStyle/>
-          <a:p>
-            <a:pPr algn="ctr">
-              <a:buNone/>
-            </a:pPr>
-            <a:r>
-              <a:rPr lang="zh-TW" altLang="en-US" sz="5400" b="1" dirty="0">
+              <a:t>正</a:t>
+            </a:r>
+            <a:r>
+              <a:rPr lang="en-US" sz="4267" b="1" dirty="0">
+                <a:solidFill>
+                  <a:srgbClr val="660033"/>
+                </a:solidFill>
                 <a:latin typeface="Microsoft JhengHei" panose="020B0604030504040204" pitchFamily="34" charset="-120"/>
                 <a:ea typeface="Microsoft JhengHei" panose="020B0604030504040204" pitchFamily="34" charset="-120"/>
               </a:rPr>
-              <a:t>基督的愛像</a:t>
-            </a:r>
-            <a:r>
-              <a:rPr lang="zh-TW" altLang="en-US" sz="5400" b="1" dirty="0" smtClean="0">
+              <a:t> )</a:t>
+            </a:r>
+            <a:endParaRPr lang="vi-VN" sz="4267" b="1" dirty="0">
+              <a:solidFill>
+                <a:srgbClr val="660033"/>
+              </a:solidFill>
+              <a:ea typeface="Microsoft JhengHei" panose="020B0604030504040204" pitchFamily="34" charset="-120"/>
+            </a:endParaRPr>
+          </a:p>
+        </p:txBody>
+      </p:sp>
+    </p:spTree>
+    <p:extLst>
+      <p:ext uri="{BB962C8B-B14F-4D97-AF65-F5344CB8AC3E}">
+        <p14:creationId xmlns:p14="http://schemas.microsoft.com/office/powerpoint/2010/main" val="3103711064"/>
+      </p:ext>
+    </p:extLst>
+  </p:cSld>
+  <p:clrMapOvr>
+    <a:masterClrMapping/>
+  </p:clrMapOvr>
+</p:sld>
+</file>
+
+<file path=ppt/slides/slide3.xml><?xml version="1.0" encoding="utf-8"?>
+<p:sld xmlns:a="http://schemas.openxmlformats.org/drawingml/2006/main" xmlns:r="http://schemas.openxmlformats.org/officeDocument/2006/relationships" xmlns:p="http://schemas.openxmlformats.org/presentationml/2006/main">
+  <p:cSld>
+    <p:spTree>
+      <p:nvGrpSpPr>
+        <p:cNvPr id="1" name=""/>
+        <p:cNvGrpSpPr/>
+        <p:nvPr/>
+      </p:nvGrpSpPr>
+      <p:grpSpPr>
+        <a:xfrm>
+          <a:off x="0" y="0"/>
+          <a:ext cx="0" cy="0"/>
+          <a:chOff x="0" y="0"/>
+          <a:chExt cx="0" cy="0"/>
+        </a:xfrm>
+      </p:grpSpPr>
+      <p:sp>
+        <p:nvSpPr>
+          <p:cNvPr id="5" name="內容版面配置區 4"/>
+          <p:cNvSpPr>
+            <a:spLocks noGrp="1"/>
+          </p:cNvSpPr>
+          <p:nvPr>
+            <p:ph idx="1"/>
+          </p:nvPr>
+        </p:nvSpPr>
+        <p:spPr>
+          <a:xfrm>
+            <a:off x="0" y="2084851"/>
+            <a:ext cx="12192000" cy="2404863"/>
+          </a:xfrm>
+        </p:spPr>
+        <p:txBody>
+          <a:bodyPr anchor="ctr">
+            <a:normAutofit/>
+          </a:bodyPr>
+          <a:lstStyle/>
+          <a:p>
+            <a:pPr algn="ctr">
+              <a:buNone/>
+            </a:pPr>
+            <a:r>
+              <a:rPr lang="zh-TW" altLang="en-US" sz="6400" b="1" dirty="0">
+                <a:solidFill>
+                  <a:srgbClr val="660033"/>
+                </a:solidFill>
+                <a:latin typeface="微軟正黑體" pitchFamily="34" charset="-120"/>
+                <a:ea typeface="微軟正黑體" pitchFamily="34" charset="-120"/>
+              </a:rPr>
+              <a:t>不論嚴寒夏</a:t>
+            </a:r>
+            <a:r>
+              <a:rPr lang="zh-TW" altLang="en-US" sz="6400" b="1" dirty="0">
+                <a:solidFill>
+                  <a:srgbClr val="660033"/>
+                </a:solidFill>
+                <a:latin typeface="微軟正黑體" pitchFamily="34" charset="-120"/>
+                <a:ea typeface="微軟正黑體" pitchFamily="34" charset="-120"/>
+              </a:rPr>
+              <a:t>至</a:t>
+            </a:r>
+            <a:r>
+              <a:rPr lang="zh-CN" altLang="en-US" sz="6400" b="1" dirty="0">
+                <a:solidFill>
+                  <a:srgbClr val="660033"/>
+                </a:solidFill>
+                <a:latin typeface="微軟正黑體" pitchFamily="34" charset="-120"/>
+                <a:ea typeface="微軟正黑體" pitchFamily="34" charset="-120"/>
+              </a:rPr>
+              <a:t>袮</a:t>
+            </a:r>
+            <a:r>
+              <a:rPr lang="zh-TW" altLang="en-US" sz="6400" b="1" dirty="0">
+                <a:solidFill>
+                  <a:srgbClr val="660033"/>
+                </a:solidFill>
+                <a:latin typeface="微軟正黑體" pitchFamily="34" charset="-120"/>
+                <a:ea typeface="微軟正黑體" pitchFamily="34" charset="-120"/>
+              </a:rPr>
+              <a:t>的</a:t>
+            </a:r>
+            <a:r>
+              <a:rPr lang="zh-TW" altLang="en-US" sz="6400" b="1" dirty="0">
+                <a:solidFill>
+                  <a:srgbClr val="660033"/>
+                </a:solidFill>
+                <a:latin typeface="微軟正黑體" pitchFamily="34" charset="-120"/>
+                <a:ea typeface="微軟正黑體" pitchFamily="34" charset="-120"/>
+              </a:rPr>
+              <a:t>愛不改</a:t>
+            </a:r>
+          </a:p>
+          <a:p>
+            <a:pPr algn="ctr">
+              <a:buNone/>
+            </a:pPr>
+            <a:r>
+              <a:rPr lang="zh-TW" altLang="en-US" sz="6400" b="1" dirty="0">
+                <a:solidFill>
+                  <a:srgbClr val="660033"/>
+                </a:solidFill>
+                <a:latin typeface="微軟正黑體" pitchFamily="34" charset="-120"/>
+                <a:ea typeface="微軟正黑體" pitchFamily="34" charset="-120"/>
+              </a:rPr>
+              <a:t>更常常令我有溫暖</a:t>
+            </a:r>
+          </a:p>
+        </p:txBody>
+      </p:sp>
+      <p:sp>
+        <p:nvSpPr>
+          <p:cNvPr id="3" name="TextBox 2"/>
+          <p:cNvSpPr txBox="1"/>
+          <p:nvPr/>
+        </p:nvSpPr>
+        <p:spPr>
+          <a:xfrm>
+            <a:off x="0" y="5157192"/>
+            <a:ext cx="12192000" cy="748988"/>
+          </a:xfrm>
+          <a:prstGeom prst="rect">
+            <a:avLst/>
+          </a:prstGeom>
+          <a:noFill/>
+        </p:spPr>
+        <p:txBody>
+          <a:bodyPr wrap="square" rtlCol="0">
+            <a:spAutoFit/>
+          </a:bodyPr>
+          <a:lstStyle/>
+          <a:p>
+            <a:pPr algn="ctr"/>
+            <a:r>
+              <a:rPr lang="en-US" sz="4267" b="1" dirty="0">
+                <a:solidFill>
+                  <a:srgbClr val="660033"/>
+                </a:solidFill>
                 <a:latin typeface="Microsoft JhengHei" panose="020B0604030504040204" pitchFamily="34" charset="-120"/>
                 <a:ea typeface="Microsoft JhengHei" panose="020B0604030504040204" pitchFamily="34" charset="-120"/>
               </a:rPr>
-              <a:t>是  漆</a:t>
-            </a:r>
-            <a:r>
-              <a:rPr lang="zh-TW" altLang="en-US" sz="5400" b="1" dirty="0">
+              <a:t>( </a:t>
+            </a:r>
+            <a:r>
+              <a:rPr lang="zh-CN" altLang="en-US" sz="4267" b="1" dirty="0">
+                <a:solidFill>
+                  <a:srgbClr val="660033"/>
+                </a:solidFill>
                 <a:latin typeface="Microsoft JhengHei" panose="020B0604030504040204" pitchFamily="34" charset="-120"/>
                 <a:ea typeface="Microsoft JhengHei" panose="020B0604030504040204" pitchFamily="34" charset="-120"/>
               </a:rPr>
-              <a:t>黑裡導航亮光</a:t>
-            </a:r>
-          </a:p>
-          <a:p>
-            <a:pPr algn="ctr">
-              <a:buNone/>
-            </a:pPr>
-            <a:r>
-              <a:rPr lang="zh-TW" altLang="en-US" sz="5400" b="1" dirty="0">
+              <a:t>正</a:t>
+            </a:r>
+            <a:r>
+              <a:rPr lang="en-US" sz="4267" b="1" dirty="0">
+                <a:solidFill>
+                  <a:srgbClr val="660033"/>
+                </a:solidFill>
                 <a:latin typeface="Microsoft JhengHei" panose="020B0604030504040204" pitchFamily="34" charset="-120"/>
                 <a:ea typeface="Microsoft JhengHei" panose="020B0604030504040204" pitchFamily="34" charset="-120"/>
               </a:rPr>
-              <a:t>一生替人受</a:t>
-            </a:r>
-            <a:r>
-              <a:rPr lang="zh-TW" altLang="en-US" sz="5400" b="1" dirty="0" smtClean="0">
+              <a:t> )</a:t>
+            </a:r>
+            <a:endParaRPr lang="vi-VN" sz="4267" b="1" dirty="0">
+              <a:solidFill>
+                <a:srgbClr val="660033"/>
+              </a:solidFill>
+              <a:ea typeface="Microsoft JhengHei" panose="020B0604030504040204" pitchFamily="34" charset="-120"/>
+            </a:endParaRPr>
+          </a:p>
+        </p:txBody>
+      </p:sp>
+    </p:spTree>
+    <p:extLst>
+      <p:ext uri="{BB962C8B-B14F-4D97-AF65-F5344CB8AC3E}">
+        <p14:creationId xmlns:p14="http://schemas.microsoft.com/office/powerpoint/2010/main" val="655498375"/>
+      </p:ext>
+    </p:extLst>
+  </p:cSld>
+  <p:clrMapOvr>
+    <a:masterClrMapping/>
+  </p:clrMapOvr>
+</p:sld>
+</file>
+
+<file path=ppt/slides/slide4.xml><?xml version="1.0" encoding="utf-8"?>
+<p:sld xmlns:a="http://schemas.openxmlformats.org/drawingml/2006/main" xmlns:r="http://schemas.openxmlformats.org/officeDocument/2006/relationships" xmlns:p="http://schemas.openxmlformats.org/presentationml/2006/main">
+  <p:cSld>
+    <p:spTree>
+      <p:nvGrpSpPr>
+        <p:cNvPr id="1" name=""/>
+        <p:cNvGrpSpPr/>
+        <p:nvPr/>
+      </p:nvGrpSpPr>
+      <p:grpSpPr>
+        <a:xfrm>
+          <a:off x="0" y="0"/>
+          <a:ext cx="0" cy="0"/>
+          <a:chOff x="0" y="0"/>
+          <a:chExt cx="0" cy="0"/>
+        </a:xfrm>
+      </p:grpSpPr>
+      <p:sp>
+        <p:nvSpPr>
+          <p:cNvPr id="5" name="內容版面配置區 4"/>
+          <p:cNvSpPr>
+            <a:spLocks noGrp="1"/>
+          </p:cNvSpPr>
+          <p:nvPr>
+            <p:ph idx="1"/>
+          </p:nvPr>
+        </p:nvSpPr>
+        <p:spPr>
+          <a:xfrm>
+            <a:off x="0" y="2084851"/>
+            <a:ext cx="12192000" cy="2404863"/>
+          </a:xfrm>
+        </p:spPr>
+        <p:txBody>
+          <a:bodyPr anchor="ctr">
+            <a:normAutofit/>
+          </a:bodyPr>
+          <a:lstStyle/>
+          <a:p>
+            <a:pPr algn="ctr">
+              <a:buNone/>
+            </a:pPr>
+            <a:r>
+              <a:rPr lang="zh-TW" altLang="en-US" sz="6400" b="1" dirty="0">
+                <a:solidFill>
+                  <a:srgbClr val="660033"/>
+                </a:solidFill>
+                <a:latin typeface="微軟正黑體" pitchFamily="34" charset="-120"/>
+                <a:ea typeface="微軟正黑體" pitchFamily="34" charset="-120"/>
+              </a:rPr>
+              <a:t>基督的愛像是  漆黑裡導航亮光</a:t>
+            </a:r>
+          </a:p>
+          <a:p>
+            <a:pPr algn="ctr">
+              <a:buNone/>
+            </a:pPr>
+            <a:r>
+              <a:rPr lang="zh-TW" altLang="en-US" sz="6400" b="1" dirty="0">
+                <a:solidFill>
+                  <a:srgbClr val="660033"/>
+                </a:solidFill>
+                <a:latin typeface="微軟正黑體" pitchFamily="34" charset="-120"/>
+                <a:ea typeface="微軟正黑體" pitchFamily="34" charset="-120"/>
+              </a:rPr>
+              <a:t>一生替人受罪  </a:t>
+            </a:r>
+            <a:r>
+              <a:rPr lang="zh-CN" altLang="en-US" sz="6400" b="1" dirty="0">
+                <a:solidFill>
+                  <a:srgbClr val="660033"/>
+                </a:solidFill>
+                <a:latin typeface="微軟正黑體" pitchFamily="34" charset="-120"/>
+                <a:ea typeface="微軟正黑體" pitchFamily="34" charset="-120"/>
+              </a:rPr>
+              <a:t>祂</a:t>
+            </a:r>
+            <a:r>
+              <a:rPr lang="zh-TW" altLang="en-US" sz="6400" b="1" dirty="0">
+                <a:solidFill>
+                  <a:srgbClr val="660033"/>
+                </a:solidFill>
+                <a:latin typeface="微軟正黑體" pitchFamily="34" charset="-120"/>
+                <a:ea typeface="微軟正黑體" pitchFamily="34" charset="-120"/>
+              </a:rPr>
+              <a:t>關心愛護兒女</a:t>
+            </a:r>
+            <a:endParaRPr lang="en-US" altLang="zh-TW" sz="6400" b="1" dirty="0">
+              <a:solidFill>
+                <a:srgbClr val="660033"/>
+              </a:solidFill>
+              <a:latin typeface="微軟正黑體" pitchFamily="34" charset="-120"/>
+              <a:ea typeface="微軟正黑體" pitchFamily="34" charset="-120"/>
+            </a:endParaRPr>
+          </a:p>
+        </p:txBody>
+      </p:sp>
+      <p:sp>
+        <p:nvSpPr>
+          <p:cNvPr id="3" name="TextBox 2"/>
+          <p:cNvSpPr txBox="1"/>
+          <p:nvPr/>
+        </p:nvSpPr>
+        <p:spPr>
+          <a:xfrm>
+            <a:off x="0" y="5157192"/>
+            <a:ext cx="12192000" cy="748988"/>
+          </a:xfrm>
+          <a:prstGeom prst="rect">
+            <a:avLst/>
+          </a:prstGeom>
+          <a:noFill/>
+        </p:spPr>
+        <p:txBody>
+          <a:bodyPr wrap="square" rtlCol="0">
+            <a:spAutoFit/>
+          </a:bodyPr>
+          <a:lstStyle/>
+          <a:p>
+            <a:pPr algn="ctr"/>
+            <a:r>
+              <a:rPr lang="en-US" sz="4267" b="1" dirty="0">
+                <a:solidFill>
+                  <a:srgbClr val="660033"/>
+                </a:solidFill>
                 <a:latin typeface="Microsoft JhengHei" panose="020B0604030504040204" pitchFamily="34" charset="-120"/>
                 <a:ea typeface="Microsoft JhengHei" panose="020B0604030504040204" pitchFamily="34" charset="-120"/>
               </a:rPr>
-              <a:t>罪  </a:t>
-            </a:r>
-            <a:r>
-              <a:rPr lang="zh-CN" altLang="en-US" sz="5400" b="1" dirty="0" smtClean="0">
+              <a:t>( </a:t>
+            </a:r>
+            <a:r>
+              <a:rPr lang="zh-CN" altLang="en-US" sz="4267" b="1" dirty="0">
+                <a:solidFill>
+                  <a:srgbClr val="660033"/>
+                </a:solidFill>
                 <a:latin typeface="Microsoft JhengHei" panose="020B0604030504040204" pitchFamily="34" charset="-120"/>
                 <a:ea typeface="Microsoft JhengHei" panose="020B0604030504040204" pitchFamily="34" charset="-120"/>
               </a:rPr>
-              <a:t>祂</a:t>
-            </a:r>
-            <a:r>
-              <a:rPr lang="zh-TW" altLang="en-US" sz="5400" b="1" dirty="0">
+              <a:t>正</a:t>
+            </a:r>
+            <a:r>
+              <a:rPr lang="en-US" sz="4267" b="1" dirty="0">
+                <a:solidFill>
+                  <a:srgbClr val="660033"/>
+                </a:solidFill>
                 <a:latin typeface="Microsoft JhengHei" panose="020B0604030504040204" pitchFamily="34" charset="-120"/>
                 <a:ea typeface="Microsoft JhengHei" panose="020B0604030504040204" pitchFamily="34" charset="-120"/>
               </a:rPr>
-              <a:t>關心愛護兒</a:t>
-            </a:r>
-            <a:r>
-              <a:rPr lang="zh-TW" altLang="en-US" sz="5400" b="1" dirty="0" smtClean="0">
+              <a:t> )</a:t>
+            </a:r>
+            <a:endParaRPr lang="vi-VN" sz="4267" b="1" dirty="0">
+              <a:solidFill>
+                <a:srgbClr val="660033"/>
+              </a:solidFill>
+              <a:ea typeface="Microsoft JhengHei" panose="020B0604030504040204" pitchFamily="34" charset="-120"/>
+            </a:endParaRPr>
+          </a:p>
+        </p:txBody>
+      </p:sp>
+    </p:spTree>
+    <p:extLst>
+      <p:ext uri="{BB962C8B-B14F-4D97-AF65-F5344CB8AC3E}">
+        <p14:creationId xmlns:p14="http://schemas.microsoft.com/office/powerpoint/2010/main" val="2874247438"/>
+      </p:ext>
+    </p:extLst>
+  </p:cSld>
+  <p:clrMapOvr>
+    <a:masterClrMapping/>
+  </p:clrMapOvr>
+</p:sld>
+</file>
+
+<file path=ppt/slides/slide5.xml><?xml version="1.0" encoding="utf-8"?>
+<p:sld xmlns:a="http://schemas.openxmlformats.org/drawingml/2006/main" xmlns:r="http://schemas.openxmlformats.org/officeDocument/2006/relationships" xmlns:p="http://schemas.openxmlformats.org/presentationml/2006/main">
+  <p:cSld>
+    <p:spTree>
+      <p:nvGrpSpPr>
+        <p:cNvPr id="1" name=""/>
+        <p:cNvGrpSpPr/>
+        <p:nvPr/>
+      </p:nvGrpSpPr>
+      <p:grpSpPr>
+        <a:xfrm>
+          <a:off x="0" y="0"/>
+          <a:ext cx="0" cy="0"/>
+          <a:chOff x="0" y="0"/>
+          <a:chExt cx="0" cy="0"/>
+        </a:xfrm>
+      </p:grpSpPr>
+      <p:sp>
+        <p:nvSpPr>
+          <p:cNvPr id="5" name="內容版面配置區 4"/>
+          <p:cNvSpPr>
+            <a:spLocks noGrp="1"/>
+          </p:cNvSpPr>
+          <p:nvPr>
+            <p:ph idx="1"/>
+          </p:nvPr>
+        </p:nvSpPr>
+        <p:spPr>
+          <a:xfrm>
+            <a:off x="0" y="2084851"/>
+            <a:ext cx="12192000" cy="2404863"/>
+          </a:xfrm>
+        </p:spPr>
+        <p:txBody>
+          <a:bodyPr anchor="ctr">
+            <a:normAutofit/>
+          </a:bodyPr>
+          <a:lstStyle/>
+          <a:p>
+            <a:pPr algn="ctr">
+              <a:buNone/>
+            </a:pPr>
+            <a:r>
+              <a:rPr lang="zh-TW" altLang="en-US" sz="6400" b="1" dirty="0">
+                <a:solidFill>
+                  <a:srgbClr val="660033"/>
+                </a:solidFill>
+                <a:latin typeface="微軟正黑體" pitchFamily="34" charset="-120"/>
+                <a:ea typeface="微軟正黑體" pitchFamily="34" charset="-120"/>
+              </a:rPr>
+              <a:t>敬拜上主更兼要虔誠</a:t>
+            </a:r>
+          </a:p>
+          <a:p>
+            <a:pPr algn="ctr">
+              <a:buNone/>
+            </a:pPr>
+            <a:r>
+              <a:rPr lang="zh-TW" altLang="en-US" sz="6400" b="1" dirty="0">
+                <a:solidFill>
+                  <a:srgbClr val="660033"/>
+                </a:solidFill>
+                <a:latin typeface="微軟正黑體" pitchFamily="34" charset="-120"/>
+                <a:ea typeface="微軟正黑體" pitchFamily="34" charset="-120"/>
+              </a:rPr>
+              <a:t>遵守主道</a:t>
+            </a:r>
+            <a:r>
+              <a:rPr lang="en-US" sz="6400" b="1" dirty="0">
+                <a:solidFill>
+                  <a:srgbClr val="660033"/>
+                </a:solidFill>
+                <a:latin typeface="微軟正黑體" pitchFamily="34" charset="-120"/>
+                <a:ea typeface="微軟正黑體" pitchFamily="34" charset="-120"/>
+              </a:rPr>
+              <a:t>  </a:t>
+            </a:r>
+            <a:r>
+              <a:rPr lang="zh-TW" altLang="en-US" sz="6400" b="1" dirty="0">
+                <a:solidFill>
+                  <a:srgbClr val="660033"/>
+                </a:solidFill>
+                <a:latin typeface="微軟正黑體" pitchFamily="34" charset="-120"/>
+                <a:ea typeface="微軟正黑體" pitchFamily="34" charset="-120"/>
+              </a:rPr>
+              <a:t>心中默禱</a:t>
+            </a:r>
+          </a:p>
+        </p:txBody>
+      </p:sp>
+      <p:sp>
+        <p:nvSpPr>
+          <p:cNvPr id="3" name="TextBox 2"/>
+          <p:cNvSpPr txBox="1"/>
+          <p:nvPr/>
+        </p:nvSpPr>
+        <p:spPr>
+          <a:xfrm>
+            <a:off x="0" y="5157192"/>
+            <a:ext cx="12192000" cy="748988"/>
+          </a:xfrm>
+          <a:prstGeom prst="rect">
+            <a:avLst/>
+          </a:prstGeom>
+          <a:noFill/>
+        </p:spPr>
+        <p:txBody>
+          <a:bodyPr wrap="square" rtlCol="0">
+            <a:spAutoFit/>
+          </a:bodyPr>
+          <a:lstStyle/>
+          <a:p>
+            <a:pPr algn="ctr"/>
+            <a:r>
+              <a:rPr lang="en-US" sz="4267" b="1" dirty="0">
+                <a:solidFill>
+                  <a:srgbClr val="660033"/>
+                </a:solidFill>
                 <a:latin typeface="Microsoft JhengHei" panose="020B0604030504040204" pitchFamily="34" charset="-120"/>
                 <a:ea typeface="Microsoft JhengHei" panose="020B0604030504040204" pitchFamily="34" charset="-120"/>
               </a:rPr>
-              <a:t>女</a:t>
-            </a:r>
-            <a:endParaRPr lang="en-US" altLang="zh-TW" sz="5400" b="1" dirty="0" smtClean="0">
-              <a:latin typeface="Microsoft JhengHei" panose="020B0604030504040204" pitchFamily="34" charset="-120"/>
-              <a:ea typeface="Microsoft JhengHei" panose="020B0604030504040204" pitchFamily="34" charset="-120"/>
-            </a:endParaRPr>
-          </a:p>
-          <a:p>
-            <a:pPr algn="ctr">
-              <a:buNone/>
-            </a:pPr>
-            <a:r>
-              <a:rPr lang="zh-TW" altLang="en-US" sz="5400" b="1" dirty="0">
+              <a:t>( </a:t>
+            </a:r>
+            <a:r>
+              <a:rPr lang="zh-CN" altLang="en-US" sz="4267" b="1" dirty="0">
+                <a:solidFill>
+                  <a:srgbClr val="660033"/>
+                </a:solidFill>
                 <a:latin typeface="Microsoft JhengHei" panose="020B0604030504040204" pitchFamily="34" charset="-120"/>
                 <a:ea typeface="Microsoft JhengHei" panose="020B0604030504040204" pitchFamily="34" charset="-120"/>
               </a:rPr>
-              <a:t>敬拜上主更兼要虔誠</a:t>
-            </a:r>
-          </a:p>
-          <a:p>
-            <a:pPr algn="ctr">
-              <a:buNone/>
-            </a:pPr>
-            <a:r>
-              <a:rPr lang="zh-TW" altLang="en-US" sz="5400" b="1" dirty="0">
+              <a:t>副</a:t>
+            </a:r>
+            <a:r>
+              <a:rPr lang="en-US" sz="4267" b="1" dirty="0">
+                <a:solidFill>
+                  <a:srgbClr val="660033"/>
+                </a:solidFill>
                 <a:latin typeface="Microsoft JhengHei" panose="020B0604030504040204" pitchFamily="34" charset="-120"/>
                 <a:ea typeface="Microsoft JhengHei" panose="020B0604030504040204" pitchFamily="34" charset="-120"/>
               </a:rPr>
-              <a:t>遵守主道</a:t>
-            </a:r>
-            <a:r>
-              <a:rPr lang="en-US" sz="5400" b="1" dirty="0">
+              <a:t> )</a:t>
+            </a:r>
+            <a:endParaRPr lang="vi-VN" sz="4267" b="1" dirty="0">
+              <a:solidFill>
+                <a:srgbClr val="660033"/>
+              </a:solidFill>
+              <a:ea typeface="Microsoft JhengHei" panose="020B0604030504040204" pitchFamily="34" charset="-120"/>
+            </a:endParaRPr>
+          </a:p>
+        </p:txBody>
+      </p:sp>
+    </p:spTree>
+    <p:extLst>
+      <p:ext uri="{BB962C8B-B14F-4D97-AF65-F5344CB8AC3E}">
+        <p14:creationId xmlns:p14="http://schemas.microsoft.com/office/powerpoint/2010/main" val="3552852609"/>
+      </p:ext>
+    </p:extLst>
+  </p:cSld>
+  <p:clrMapOvr>
+    <a:masterClrMapping/>
+  </p:clrMapOvr>
+</p:sld>
+</file>
+
+<file path=ppt/slides/slide6.xml><?xml version="1.0" encoding="utf-8"?>
+<p:sld xmlns:a="http://schemas.openxmlformats.org/drawingml/2006/main" xmlns:r="http://schemas.openxmlformats.org/officeDocument/2006/relationships" xmlns:p="http://schemas.openxmlformats.org/presentationml/2006/main">
+  <p:cSld>
+    <p:spTree>
+      <p:nvGrpSpPr>
+        <p:cNvPr id="1" name=""/>
+        <p:cNvGrpSpPr/>
+        <p:nvPr/>
+      </p:nvGrpSpPr>
+      <p:grpSpPr>
+        <a:xfrm>
+          <a:off x="0" y="0"/>
+          <a:ext cx="0" cy="0"/>
+          <a:chOff x="0" y="0"/>
+          <a:chExt cx="0" cy="0"/>
+        </a:xfrm>
+      </p:grpSpPr>
+      <p:sp>
+        <p:nvSpPr>
+          <p:cNvPr id="5" name="內容版面配置區 4"/>
+          <p:cNvSpPr>
+            <a:spLocks noGrp="1"/>
+          </p:cNvSpPr>
+          <p:nvPr>
+            <p:ph idx="1"/>
+          </p:nvPr>
+        </p:nvSpPr>
+        <p:spPr>
+          <a:xfrm>
+            <a:off x="0" y="2084851"/>
+            <a:ext cx="12192000" cy="2404863"/>
+          </a:xfrm>
+        </p:spPr>
+        <p:txBody>
+          <a:bodyPr anchor="ctr">
+            <a:normAutofit/>
+          </a:bodyPr>
+          <a:lstStyle/>
+          <a:p>
+            <a:pPr algn="ctr">
+              <a:buNone/>
+            </a:pPr>
+            <a:r>
+              <a:rPr lang="zh-TW" altLang="en-US" sz="6400" b="1" dirty="0">
+                <a:solidFill>
+                  <a:srgbClr val="660033"/>
+                </a:solidFill>
+                <a:latin typeface="微軟正黑體" pitchFamily="34" charset="-120"/>
+                <a:ea typeface="微軟正黑體" pitchFamily="34" charset="-120"/>
+              </a:rPr>
+              <a:t>盼求上主祝福你</a:t>
+            </a:r>
+          </a:p>
+        </p:txBody>
+      </p:sp>
+      <p:sp>
+        <p:nvSpPr>
+          <p:cNvPr id="3" name="TextBox 2"/>
+          <p:cNvSpPr txBox="1"/>
+          <p:nvPr/>
+        </p:nvSpPr>
+        <p:spPr>
+          <a:xfrm>
+            <a:off x="0" y="5157192"/>
+            <a:ext cx="12192000" cy="748988"/>
+          </a:xfrm>
+          <a:prstGeom prst="rect">
+            <a:avLst/>
+          </a:prstGeom>
+          <a:noFill/>
+        </p:spPr>
+        <p:txBody>
+          <a:bodyPr wrap="square" rtlCol="0">
+            <a:spAutoFit/>
+          </a:bodyPr>
+          <a:lstStyle/>
+          <a:p>
+            <a:pPr algn="ctr"/>
+            <a:r>
+              <a:rPr lang="en-US" sz="4267" b="1" dirty="0">
+                <a:solidFill>
+                  <a:srgbClr val="660033"/>
+                </a:solidFill>
                 <a:latin typeface="Microsoft JhengHei" panose="020B0604030504040204" pitchFamily="34" charset="-120"/>
                 <a:ea typeface="Microsoft JhengHei" panose="020B0604030504040204" pitchFamily="34" charset="-120"/>
               </a:rPr>
-              <a:t>  </a:t>
-            </a:r>
-            <a:r>
-              <a:rPr lang="zh-TW" altLang="en-US" sz="5400" b="1" dirty="0">
+              <a:t>( </a:t>
+            </a:r>
+            <a:r>
+              <a:rPr lang="zh-CN" altLang="en-US" sz="4267" b="1" dirty="0">
+                <a:solidFill>
+                  <a:srgbClr val="660033"/>
+                </a:solidFill>
                 <a:latin typeface="Microsoft JhengHei" panose="020B0604030504040204" pitchFamily="34" charset="-120"/>
                 <a:ea typeface="Microsoft JhengHei" panose="020B0604030504040204" pitchFamily="34" charset="-120"/>
               </a:rPr>
-              <a:t>心中默禱</a:t>
-            </a:r>
-          </a:p>
-          <a:p>
-            <a:pPr algn="ctr">
-              <a:buNone/>
-            </a:pPr>
-            <a:r>
-              <a:rPr lang="zh-TW" altLang="en-US" sz="5400" b="1" dirty="0">
+              <a:t>副</a:t>
+            </a:r>
+            <a:r>
+              <a:rPr lang="en-US" sz="4267" b="1" dirty="0">
+                <a:solidFill>
+                  <a:srgbClr val="660033"/>
+                </a:solidFill>
                 <a:latin typeface="Microsoft JhengHei" panose="020B0604030504040204" pitchFamily="34" charset="-120"/>
                 <a:ea typeface="Microsoft JhengHei" panose="020B0604030504040204" pitchFamily="34" charset="-120"/>
               </a:rPr>
-              <a:t>盼求上主祝福</a:t>
-            </a:r>
-            <a:r>
-              <a:rPr lang="zh-TW" altLang="en-US" sz="5400" b="1" dirty="0">
-                <a:latin typeface="Microsoft JhengHei" panose="020B0604030504040204" pitchFamily="34" charset="-120"/>
-                <a:ea typeface="Microsoft JhengHei" panose="020B0604030504040204" pitchFamily="34" charset="-120"/>
-              </a:rPr>
-              <a:t>你</a:t>
-            </a:r>
-            <a:endParaRPr lang="zh-TW" altLang="en-US" sz="5400" b="1" dirty="0">
-              <a:latin typeface="Microsoft JhengHei" panose="020B0604030504040204" pitchFamily="34" charset="-120"/>
+              <a:t> )</a:t>
+            </a:r>
+            <a:endParaRPr lang="vi-VN" sz="4267" b="1" dirty="0">
+              <a:solidFill>
+                <a:srgbClr val="660033"/>
+              </a:solidFill>
               <a:ea typeface="Microsoft JhengHei" panose="020B0604030504040204" pitchFamily="34" charset="-120"/>
             </a:endParaRPr>
           </a:p>
         </p:txBody>
       </p:sp>
     </p:spTree>
+    <p:extLst>
+      <p:ext uri="{BB962C8B-B14F-4D97-AF65-F5344CB8AC3E}">
+        <p14:creationId xmlns:p14="http://schemas.microsoft.com/office/powerpoint/2010/main" val="3458278430"/>
+      </p:ext>
+    </p:extLst>
   </p:cSld>
   <p:clrMapOvr>
     <a:masterClrMapping/>

--- a/恩主頌.pptx
+++ b/恩主頌.pptx
@@ -166,7 +166,7 @@
           <a:lstStyle/>
           <a:p>
             <a:r>
-              <a:rPr lang="en-US" altLang="zh-TW" smtClean="0"/>
+              <a:rPr lang="en-US" altLang="zh-TW"/>
               <a:t>Click to edit Master title style</a:t>
             </a:r>
             <a:endParaRPr lang="zh-TW" altLang="en-US"/>
@@ -285,7 +285,7 @@
           </a:lstStyle>
           <a:p>
             <a:r>
-              <a:rPr lang="en-US" altLang="zh-TW" smtClean="0"/>
+              <a:rPr lang="en-US" altLang="zh-TW"/>
               <a:t>Click to edit Master subtitle style</a:t>
             </a:r>
             <a:endParaRPr lang="zh-TW" altLang="en-US"/>
@@ -309,7 +309,7 @@
           <a:p>
             <a:fld id="{F196456C-D8C5-4A21-BE41-5372ECB01F10}" type="datetimeFigureOut">
               <a:rPr lang="zh-TW" altLang="en-US" smtClean="0"/>
-              <a:t>2022/5/21</a:t>
+              <a:t>2024/2/9</a:t>
             </a:fld>
             <a:endParaRPr lang="zh-TW" altLang="en-US"/>
           </a:p>
@@ -403,7 +403,7 @@
           <a:lstStyle/>
           <a:p>
             <a:r>
-              <a:rPr lang="en-US" altLang="zh-TW" smtClean="0"/>
+              <a:rPr lang="en-US" altLang="zh-TW"/>
               <a:t>Click to edit Master title style</a:t>
             </a:r>
             <a:endParaRPr lang="zh-TW" altLang="en-US"/>
@@ -427,35 +427,35 @@
           <a:p>
             <a:pPr lvl="0"/>
             <a:r>
-              <a:rPr lang="en-US" altLang="zh-TW" smtClean="0"/>
+              <a:rPr lang="en-US" altLang="zh-TW"/>
               <a:t>Edit Master text styles</a:t>
             </a:r>
           </a:p>
           <a:p>
             <a:pPr lvl="1"/>
             <a:r>
-              <a:rPr lang="en-US" altLang="zh-TW" smtClean="0"/>
+              <a:rPr lang="en-US" altLang="zh-TW"/>
               <a:t>Second level</a:t>
             </a:r>
           </a:p>
           <a:p>
             <a:pPr lvl="2"/>
             <a:r>
-              <a:rPr lang="en-US" altLang="zh-TW" smtClean="0"/>
+              <a:rPr lang="en-US" altLang="zh-TW"/>
               <a:t>Third level</a:t>
             </a:r>
           </a:p>
           <a:p>
             <a:pPr lvl="3"/>
             <a:r>
-              <a:rPr lang="en-US" altLang="zh-TW" smtClean="0"/>
+              <a:rPr lang="en-US" altLang="zh-TW"/>
               <a:t>Fourth level</a:t>
             </a:r>
           </a:p>
           <a:p>
             <a:pPr lvl="4"/>
             <a:r>
-              <a:rPr lang="en-US" altLang="zh-TW" smtClean="0"/>
+              <a:rPr lang="en-US" altLang="zh-TW"/>
               <a:t>Fifth level</a:t>
             </a:r>
             <a:endParaRPr lang="zh-TW" altLang="en-US"/>
@@ -479,7 +479,7 @@
           <a:p>
             <a:fld id="{F196456C-D8C5-4A21-BE41-5372ECB01F10}" type="datetimeFigureOut">
               <a:rPr lang="zh-TW" altLang="en-US" smtClean="0"/>
-              <a:t>2022/5/21</a:t>
+              <a:t>2024/2/9</a:t>
             </a:fld>
             <a:endParaRPr lang="zh-TW" altLang="en-US"/>
           </a:p>
@@ -578,7 +578,7 @@
           <a:lstStyle/>
           <a:p>
             <a:r>
-              <a:rPr lang="en-US" altLang="zh-TW" smtClean="0"/>
+              <a:rPr lang="en-US" altLang="zh-TW"/>
               <a:t>Click to edit Master title style</a:t>
             </a:r>
             <a:endParaRPr lang="zh-TW" altLang="en-US"/>
@@ -607,35 +607,35 @@
           <a:p>
             <a:pPr lvl="0"/>
             <a:r>
-              <a:rPr lang="en-US" altLang="zh-TW" smtClean="0"/>
+              <a:rPr lang="en-US" altLang="zh-TW"/>
               <a:t>Edit Master text styles</a:t>
             </a:r>
           </a:p>
           <a:p>
             <a:pPr lvl="1"/>
             <a:r>
-              <a:rPr lang="en-US" altLang="zh-TW" smtClean="0"/>
+              <a:rPr lang="en-US" altLang="zh-TW"/>
               <a:t>Second level</a:t>
             </a:r>
           </a:p>
           <a:p>
             <a:pPr lvl="2"/>
             <a:r>
-              <a:rPr lang="en-US" altLang="zh-TW" smtClean="0"/>
+              <a:rPr lang="en-US" altLang="zh-TW"/>
               <a:t>Third level</a:t>
             </a:r>
           </a:p>
           <a:p>
             <a:pPr lvl="3"/>
             <a:r>
-              <a:rPr lang="en-US" altLang="zh-TW" smtClean="0"/>
+              <a:rPr lang="en-US" altLang="zh-TW"/>
               <a:t>Fourth level</a:t>
             </a:r>
           </a:p>
           <a:p>
             <a:pPr lvl="4"/>
             <a:r>
-              <a:rPr lang="en-US" altLang="zh-TW" smtClean="0"/>
+              <a:rPr lang="en-US" altLang="zh-TW"/>
               <a:t>Fifth level</a:t>
             </a:r>
             <a:endParaRPr lang="zh-TW" altLang="en-US"/>
@@ -659,7 +659,7 @@
           <a:p>
             <a:fld id="{F196456C-D8C5-4A21-BE41-5372ECB01F10}" type="datetimeFigureOut">
               <a:rPr lang="zh-TW" altLang="en-US" smtClean="0"/>
-              <a:t>2022/5/21</a:t>
+              <a:t>2024/2/9</a:t>
             </a:fld>
             <a:endParaRPr lang="zh-TW" altLang="en-US"/>
           </a:p>
@@ -753,7 +753,7 @@
           <a:lstStyle/>
           <a:p>
             <a:r>
-              <a:rPr lang="en-US" altLang="zh-TW" smtClean="0"/>
+              <a:rPr lang="en-US" altLang="zh-TW"/>
               <a:t>Click to edit Master title style</a:t>
             </a:r>
             <a:endParaRPr lang="zh-TW" altLang="en-US"/>
@@ -777,35 +777,35 @@
           <a:p>
             <a:pPr lvl="0"/>
             <a:r>
-              <a:rPr lang="en-US" altLang="zh-TW" smtClean="0"/>
+              <a:rPr lang="en-US" altLang="zh-TW"/>
               <a:t>Edit Master text styles</a:t>
             </a:r>
           </a:p>
           <a:p>
             <a:pPr lvl="1"/>
             <a:r>
-              <a:rPr lang="en-US" altLang="zh-TW" smtClean="0"/>
+              <a:rPr lang="en-US" altLang="zh-TW"/>
               <a:t>Second level</a:t>
             </a:r>
           </a:p>
           <a:p>
             <a:pPr lvl="2"/>
             <a:r>
-              <a:rPr lang="en-US" altLang="zh-TW" smtClean="0"/>
+              <a:rPr lang="en-US" altLang="zh-TW"/>
               <a:t>Third level</a:t>
             </a:r>
           </a:p>
           <a:p>
             <a:pPr lvl="3"/>
             <a:r>
-              <a:rPr lang="en-US" altLang="zh-TW" smtClean="0"/>
+              <a:rPr lang="en-US" altLang="zh-TW"/>
               <a:t>Fourth level</a:t>
             </a:r>
           </a:p>
           <a:p>
             <a:pPr lvl="4"/>
             <a:r>
-              <a:rPr lang="en-US" altLang="zh-TW" smtClean="0"/>
+              <a:rPr lang="en-US" altLang="zh-TW"/>
               <a:t>Fifth level</a:t>
             </a:r>
             <a:endParaRPr lang="zh-TW" altLang="en-US"/>
@@ -829,7 +829,7 @@
           <a:p>
             <a:fld id="{F196456C-D8C5-4A21-BE41-5372ECB01F10}" type="datetimeFigureOut">
               <a:rPr lang="zh-TW" altLang="en-US" smtClean="0"/>
-              <a:t>2022/5/21</a:t>
+              <a:t>2024/2/9</a:t>
             </a:fld>
             <a:endParaRPr lang="zh-TW" altLang="en-US"/>
           </a:p>
@@ -932,7 +932,7 @@
           </a:lstStyle>
           <a:p>
             <a:r>
-              <a:rPr lang="en-US" altLang="zh-TW" smtClean="0"/>
+              <a:rPr lang="en-US" altLang="zh-TW"/>
               <a:t>Click to edit Master title style</a:t>
             </a:r>
             <a:endParaRPr lang="zh-TW" altLang="en-US"/>
@@ -1052,7 +1052,7 @@
           <a:p>
             <a:pPr lvl="0"/>
             <a:r>
-              <a:rPr lang="en-US" altLang="zh-TW" smtClean="0"/>
+              <a:rPr lang="en-US" altLang="zh-TW"/>
               <a:t>Edit Master text styles</a:t>
             </a:r>
           </a:p>
@@ -1075,7 +1075,7 @@
           <a:p>
             <a:fld id="{F196456C-D8C5-4A21-BE41-5372ECB01F10}" type="datetimeFigureOut">
               <a:rPr lang="zh-TW" altLang="en-US" smtClean="0"/>
-              <a:t>2022/5/21</a:t>
+              <a:t>2024/2/9</a:t>
             </a:fld>
             <a:endParaRPr lang="zh-TW" altLang="en-US"/>
           </a:p>
@@ -1169,7 +1169,7 @@
           <a:lstStyle/>
           <a:p>
             <a:r>
-              <a:rPr lang="en-US" altLang="zh-TW" smtClean="0"/>
+              <a:rPr lang="en-US" altLang="zh-TW"/>
               <a:t>Click to edit Master title style</a:t>
             </a:r>
             <a:endParaRPr lang="zh-TW" altLang="en-US"/>
@@ -1226,35 +1226,35 @@
           <a:p>
             <a:pPr lvl="0"/>
             <a:r>
-              <a:rPr lang="en-US" altLang="zh-TW" smtClean="0"/>
+              <a:rPr lang="en-US" altLang="zh-TW"/>
               <a:t>Edit Master text styles</a:t>
             </a:r>
           </a:p>
           <a:p>
             <a:pPr lvl="1"/>
             <a:r>
-              <a:rPr lang="en-US" altLang="zh-TW" smtClean="0"/>
+              <a:rPr lang="en-US" altLang="zh-TW"/>
               <a:t>Second level</a:t>
             </a:r>
           </a:p>
           <a:p>
             <a:pPr lvl="2"/>
             <a:r>
-              <a:rPr lang="en-US" altLang="zh-TW" smtClean="0"/>
+              <a:rPr lang="en-US" altLang="zh-TW"/>
               <a:t>Third level</a:t>
             </a:r>
           </a:p>
           <a:p>
             <a:pPr lvl="3"/>
             <a:r>
-              <a:rPr lang="en-US" altLang="zh-TW" smtClean="0"/>
+              <a:rPr lang="en-US" altLang="zh-TW"/>
               <a:t>Fourth level</a:t>
             </a:r>
           </a:p>
           <a:p>
             <a:pPr lvl="4"/>
             <a:r>
-              <a:rPr lang="en-US" altLang="zh-TW" smtClean="0"/>
+              <a:rPr lang="en-US" altLang="zh-TW"/>
               <a:t>Fifth level</a:t>
             </a:r>
             <a:endParaRPr lang="zh-TW" altLang="en-US"/>
@@ -1311,35 +1311,35 @@
           <a:p>
             <a:pPr lvl="0"/>
             <a:r>
-              <a:rPr lang="en-US" altLang="zh-TW" smtClean="0"/>
+              <a:rPr lang="en-US" altLang="zh-TW"/>
               <a:t>Edit Master text styles</a:t>
             </a:r>
           </a:p>
           <a:p>
             <a:pPr lvl="1"/>
             <a:r>
-              <a:rPr lang="en-US" altLang="zh-TW" smtClean="0"/>
+              <a:rPr lang="en-US" altLang="zh-TW"/>
               <a:t>Second level</a:t>
             </a:r>
           </a:p>
           <a:p>
             <a:pPr lvl="2"/>
             <a:r>
-              <a:rPr lang="en-US" altLang="zh-TW" smtClean="0"/>
+              <a:rPr lang="en-US" altLang="zh-TW"/>
               <a:t>Third level</a:t>
             </a:r>
           </a:p>
           <a:p>
             <a:pPr lvl="3"/>
             <a:r>
-              <a:rPr lang="en-US" altLang="zh-TW" smtClean="0"/>
+              <a:rPr lang="en-US" altLang="zh-TW"/>
               <a:t>Fourth level</a:t>
             </a:r>
           </a:p>
           <a:p>
             <a:pPr lvl="4"/>
             <a:r>
-              <a:rPr lang="en-US" altLang="zh-TW" smtClean="0"/>
+              <a:rPr lang="en-US" altLang="zh-TW"/>
               <a:t>Fifth level</a:t>
             </a:r>
             <a:endParaRPr lang="zh-TW" altLang="en-US"/>
@@ -1363,7 +1363,7 @@
           <a:p>
             <a:fld id="{F196456C-D8C5-4A21-BE41-5372ECB01F10}" type="datetimeFigureOut">
               <a:rPr lang="zh-TW" altLang="en-US" smtClean="0"/>
-              <a:t>2022/5/21</a:t>
+              <a:t>2024/2/9</a:t>
             </a:fld>
             <a:endParaRPr lang="zh-TW" altLang="en-US"/>
           </a:p>
@@ -1461,7 +1461,7 @@
           </a:lstStyle>
           <a:p>
             <a:r>
-              <a:rPr lang="en-US" altLang="zh-TW" smtClean="0"/>
+              <a:rPr lang="en-US" altLang="zh-TW"/>
               <a:t>Click to edit Master title style</a:t>
             </a:r>
             <a:endParaRPr lang="zh-TW" altLang="en-US"/>
@@ -1527,7 +1527,7 @@
           <a:p>
             <a:pPr lvl="0"/>
             <a:r>
-              <a:rPr lang="en-US" altLang="zh-TW" smtClean="0"/>
+              <a:rPr lang="en-US" altLang="zh-TW"/>
               <a:t>Edit Master text styles</a:t>
             </a:r>
           </a:p>
@@ -1583,35 +1583,35 @@
           <a:p>
             <a:pPr lvl="0"/>
             <a:r>
-              <a:rPr lang="en-US" altLang="zh-TW" smtClean="0"/>
+              <a:rPr lang="en-US" altLang="zh-TW"/>
               <a:t>Edit Master text styles</a:t>
             </a:r>
           </a:p>
           <a:p>
             <a:pPr lvl="1"/>
             <a:r>
-              <a:rPr lang="en-US" altLang="zh-TW" smtClean="0"/>
+              <a:rPr lang="en-US" altLang="zh-TW"/>
               <a:t>Second level</a:t>
             </a:r>
           </a:p>
           <a:p>
             <a:pPr lvl="2"/>
             <a:r>
-              <a:rPr lang="en-US" altLang="zh-TW" smtClean="0"/>
+              <a:rPr lang="en-US" altLang="zh-TW"/>
               <a:t>Third level</a:t>
             </a:r>
           </a:p>
           <a:p>
             <a:pPr lvl="3"/>
             <a:r>
-              <a:rPr lang="en-US" altLang="zh-TW" smtClean="0"/>
+              <a:rPr lang="en-US" altLang="zh-TW"/>
               <a:t>Fourth level</a:t>
             </a:r>
           </a:p>
           <a:p>
             <a:pPr lvl="4"/>
             <a:r>
-              <a:rPr lang="en-US" altLang="zh-TW" smtClean="0"/>
+              <a:rPr lang="en-US" altLang="zh-TW"/>
               <a:t>Fifth level</a:t>
             </a:r>
             <a:endParaRPr lang="zh-TW" altLang="en-US"/>
@@ -1677,7 +1677,7 @@
           <a:p>
             <a:pPr lvl="0"/>
             <a:r>
-              <a:rPr lang="en-US" altLang="zh-TW" smtClean="0"/>
+              <a:rPr lang="en-US" altLang="zh-TW"/>
               <a:t>Edit Master text styles</a:t>
             </a:r>
           </a:p>
@@ -1733,35 +1733,35 @@
           <a:p>
             <a:pPr lvl="0"/>
             <a:r>
-              <a:rPr lang="en-US" altLang="zh-TW" smtClean="0"/>
+              <a:rPr lang="en-US" altLang="zh-TW"/>
               <a:t>Edit Master text styles</a:t>
             </a:r>
           </a:p>
           <a:p>
             <a:pPr lvl="1"/>
             <a:r>
-              <a:rPr lang="en-US" altLang="zh-TW" smtClean="0"/>
+              <a:rPr lang="en-US" altLang="zh-TW"/>
               <a:t>Second level</a:t>
             </a:r>
           </a:p>
           <a:p>
             <a:pPr lvl="2"/>
             <a:r>
-              <a:rPr lang="en-US" altLang="zh-TW" smtClean="0"/>
+              <a:rPr lang="en-US" altLang="zh-TW"/>
               <a:t>Third level</a:t>
             </a:r>
           </a:p>
           <a:p>
             <a:pPr lvl="3"/>
             <a:r>
-              <a:rPr lang="en-US" altLang="zh-TW" smtClean="0"/>
+              <a:rPr lang="en-US" altLang="zh-TW"/>
               <a:t>Fourth level</a:t>
             </a:r>
           </a:p>
           <a:p>
             <a:pPr lvl="4"/>
             <a:r>
-              <a:rPr lang="en-US" altLang="zh-TW" smtClean="0"/>
+              <a:rPr lang="en-US" altLang="zh-TW"/>
               <a:t>Fifth level</a:t>
             </a:r>
             <a:endParaRPr lang="zh-TW" altLang="en-US"/>
@@ -1785,7 +1785,7 @@
           <a:p>
             <a:fld id="{F196456C-D8C5-4A21-BE41-5372ECB01F10}" type="datetimeFigureOut">
               <a:rPr lang="zh-TW" altLang="en-US" smtClean="0"/>
-              <a:t>2022/5/21</a:t>
+              <a:t>2024/2/9</a:t>
             </a:fld>
             <a:endParaRPr lang="zh-TW" altLang="en-US"/>
           </a:p>
@@ -1879,7 +1879,7 @@
           <a:lstStyle/>
           <a:p>
             <a:r>
-              <a:rPr lang="en-US" altLang="zh-TW" smtClean="0"/>
+              <a:rPr lang="en-US" altLang="zh-TW"/>
               <a:t>Click to edit Master title style</a:t>
             </a:r>
             <a:endParaRPr lang="zh-TW" altLang="en-US"/>
@@ -1903,7 +1903,7 @@
           <a:p>
             <a:fld id="{F196456C-D8C5-4A21-BE41-5372ECB01F10}" type="datetimeFigureOut">
               <a:rPr lang="zh-TW" altLang="en-US" smtClean="0"/>
-              <a:t>2022/5/21</a:t>
+              <a:t>2024/2/9</a:t>
             </a:fld>
             <a:endParaRPr lang="zh-TW" altLang="en-US"/>
           </a:p>
@@ -1998,7 +1998,7 @@
           <a:p>
             <a:fld id="{F196456C-D8C5-4A21-BE41-5372ECB01F10}" type="datetimeFigureOut">
               <a:rPr lang="zh-TW" altLang="en-US" smtClean="0"/>
-              <a:t>2022/5/21</a:t>
+              <a:t>2024/2/9</a:t>
             </a:fld>
             <a:endParaRPr lang="zh-TW" altLang="en-US"/>
           </a:p>
@@ -2101,7 +2101,7 @@
           </a:lstStyle>
           <a:p>
             <a:r>
-              <a:rPr lang="en-US" altLang="zh-TW" smtClean="0"/>
+              <a:rPr lang="en-US" altLang="zh-TW"/>
               <a:t>Click to edit Master title style</a:t>
             </a:r>
             <a:endParaRPr lang="zh-TW" altLang="en-US"/>
@@ -2158,35 +2158,35 @@
           <a:p>
             <a:pPr lvl="0"/>
             <a:r>
-              <a:rPr lang="en-US" altLang="zh-TW" smtClean="0"/>
+              <a:rPr lang="en-US" altLang="zh-TW"/>
               <a:t>Edit Master text styles</a:t>
             </a:r>
           </a:p>
           <a:p>
             <a:pPr lvl="1"/>
             <a:r>
-              <a:rPr lang="en-US" altLang="zh-TW" smtClean="0"/>
+              <a:rPr lang="en-US" altLang="zh-TW"/>
               <a:t>Second level</a:t>
             </a:r>
           </a:p>
           <a:p>
             <a:pPr lvl="2"/>
             <a:r>
-              <a:rPr lang="en-US" altLang="zh-TW" smtClean="0"/>
+              <a:rPr lang="en-US" altLang="zh-TW"/>
               <a:t>Third level</a:t>
             </a:r>
           </a:p>
           <a:p>
             <a:pPr lvl="3"/>
             <a:r>
-              <a:rPr lang="en-US" altLang="zh-TW" smtClean="0"/>
+              <a:rPr lang="en-US" altLang="zh-TW"/>
               <a:t>Fourth level</a:t>
             </a:r>
           </a:p>
           <a:p>
             <a:pPr lvl="4"/>
             <a:r>
-              <a:rPr lang="en-US" altLang="zh-TW" smtClean="0"/>
+              <a:rPr lang="en-US" altLang="zh-TW"/>
               <a:t>Fifth level</a:t>
             </a:r>
             <a:endParaRPr lang="zh-TW" altLang="en-US"/>
@@ -2252,7 +2252,7 @@
           <a:p>
             <a:pPr lvl="0"/>
             <a:r>
-              <a:rPr lang="en-US" altLang="zh-TW" smtClean="0"/>
+              <a:rPr lang="en-US" altLang="zh-TW"/>
               <a:t>Edit Master text styles</a:t>
             </a:r>
           </a:p>
@@ -2275,7 +2275,7 @@
           <a:p>
             <a:fld id="{F196456C-D8C5-4A21-BE41-5372ECB01F10}" type="datetimeFigureOut">
               <a:rPr lang="zh-TW" altLang="en-US" smtClean="0"/>
-              <a:t>2022/5/21</a:t>
+              <a:t>2024/2/9</a:t>
             </a:fld>
             <a:endParaRPr lang="zh-TW" altLang="en-US"/>
           </a:p>
@@ -2378,7 +2378,7 @@
           </a:lstStyle>
           <a:p>
             <a:r>
-              <a:rPr lang="en-US" altLang="zh-TW" smtClean="0"/>
+              <a:rPr lang="en-US" altLang="zh-TW"/>
               <a:t>Click to edit Master title style</a:t>
             </a:r>
             <a:endParaRPr lang="zh-TW" altLang="en-US"/>
@@ -2443,7 +2443,7 @@
           </a:lstStyle>
           <a:p>
             <a:r>
-              <a:rPr lang="en-US" altLang="zh-TW" smtClean="0"/>
+              <a:rPr lang="en-US" altLang="zh-TW"/>
               <a:t>Click icon to add picture</a:t>
             </a:r>
             <a:endParaRPr lang="zh-TW" altLang="en-US"/>
@@ -2509,7 +2509,7 @@
           <a:p>
             <a:pPr lvl="0"/>
             <a:r>
-              <a:rPr lang="en-US" altLang="zh-TW" smtClean="0"/>
+              <a:rPr lang="en-US" altLang="zh-TW"/>
               <a:t>Edit Master text styles</a:t>
             </a:r>
           </a:p>
@@ -2532,7 +2532,7 @@
           <a:p>
             <a:fld id="{F196456C-D8C5-4A21-BE41-5372ECB01F10}" type="datetimeFigureOut">
               <a:rPr lang="zh-TW" altLang="en-US" smtClean="0"/>
-              <a:t>2022/5/21</a:t>
+              <a:t>2024/2/9</a:t>
             </a:fld>
             <a:endParaRPr lang="zh-TW" altLang="en-US"/>
           </a:p>
@@ -2646,10 +2646,9 @@
           <a:lstStyle/>
           <a:p>
             <a:r>
-              <a:rPr lang="zh-TW" altLang="en-US" smtClean="0"/>
+              <a:rPr lang="zh-TW" altLang="en-US"/>
               <a:t>按一下以編輯母片標題樣式</a:t>
             </a:r>
-            <a:endParaRPr lang="zh-TW" altLang="en-US"/>
           </a:p>
         </p:txBody>
       </p:sp>
@@ -2680,38 +2679,37 @@
           <a:p>
             <a:pPr lvl="0"/>
             <a:r>
-              <a:rPr lang="zh-TW" altLang="en-US" smtClean="0"/>
+              <a:rPr lang="zh-TW" altLang="en-US"/>
               <a:t>按一下以編輯母片文字樣式</a:t>
             </a:r>
           </a:p>
           <a:p>
             <a:pPr lvl="1"/>
             <a:r>
-              <a:rPr lang="zh-TW" altLang="en-US" smtClean="0"/>
+              <a:rPr lang="zh-TW" altLang="en-US"/>
               <a:t>第二層</a:t>
             </a:r>
           </a:p>
           <a:p>
             <a:pPr lvl="2"/>
             <a:r>
-              <a:rPr lang="zh-TW" altLang="en-US" smtClean="0"/>
+              <a:rPr lang="zh-TW" altLang="en-US"/>
               <a:t>第三層</a:t>
             </a:r>
           </a:p>
           <a:p>
             <a:pPr lvl="3"/>
             <a:r>
-              <a:rPr lang="zh-TW" altLang="en-US" smtClean="0"/>
+              <a:rPr lang="zh-TW" altLang="en-US"/>
               <a:t>第四層</a:t>
             </a:r>
           </a:p>
           <a:p>
             <a:pPr lvl="4"/>
             <a:r>
-              <a:rPr lang="zh-TW" altLang="en-US" smtClean="0"/>
+              <a:rPr lang="zh-TW" altLang="en-US"/>
               <a:t>第五層</a:t>
             </a:r>
-            <a:endParaRPr lang="zh-TW" altLang="en-US"/>
           </a:p>
         </p:txBody>
       </p:sp>
@@ -2750,7 +2748,7 @@
           <a:p>
             <a:fld id="{F196456C-D8C5-4A21-BE41-5372ECB01F10}" type="datetimeFigureOut">
               <a:rPr lang="zh-TW" altLang="en-US" smtClean="0"/>
-              <a:t>2022/5/21</a:t>
+              <a:t>2024/2/9</a:t>
             </a:fld>
             <a:endParaRPr lang="zh-TW" altLang="en-US"/>
           </a:p>
@@ -3162,24 +3160,7 @@
                 <a:latin typeface="微軟正黑體" pitchFamily="34" charset="-120"/>
                 <a:ea typeface="微軟正黑體" pitchFamily="34" charset="-120"/>
               </a:rPr>
-              <a:t>恩</a:t>
-            </a:r>
-            <a:r>
-              <a:rPr lang="zh-CN" altLang="en-US" sz="7200" b="1" i="1" dirty="0">
-                <a:solidFill>
-                  <a:srgbClr val="660033"/>
-                </a:solidFill>
-                <a:effectLst>
-                  <a:outerShdw blurRad="38100" dist="38100" dir="2700000" algn="tl">
-                    <a:srgbClr val="000000">
-                      <a:alpha val="43137"/>
-                    </a:srgbClr>
-                  </a:outerShdw>
-                </a:effectLst>
-                <a:latin typeface="微軟正黑體" pitchFamily="34" charset="-120"/>
-                <a:ea typeface="微軟正黑體" pitchFamily="34" charset="-120"/>
-              </a:rPr>
-              <a:t>主頌</a:t>
+              <a:t>恩主頌</a:t>
             </a:r>
             <a:endParaRPr lang="zh-TW" altLang="en-US" sz="7200" b="1" i="1" dirty="0">
               <a:solidFill>
@@ -3261,17 +3242,7 @@
                 <a:latin typeface="微軟正黑體" pitchFamily="34" charset="-120"/>
                 <a:ea typeface="微軟正黑體" pitchFamily="34" charset="-120"/>
               </a:rPr>
-              <a:t>耶</a:t>
-            </a:r>
-            <a:r>
-              <a:rPr lang="zh-TW" altLang="en-US" sz="6400" b="1" dirty="0">
-                <a:solidFill>
-                  <a:srgbClr val="660033"/>
-                </a:solidFill>
-                <a:latin typeface="微軟正黑體" pitchFamily="34" charset="-120"/>
-                <a:ea typeface="微軟正黑體" pitchFamily="34" charset="-120"/>
-              </a:rPr>
-              <a:t>穌的愛是世間最好</a:t>
+              <a:t>耶穌的愛是世間最好</a:t>
             </a:r>
           </a:p>
           <a:p>
@@ -3332,7 +3303,7 @@
                 <a:latin typeface="Microsoft JhengHei" panose="020B0604030504040204" pitchFamily="34" charset="-120"/>
                 <a:ea typeface="Microsoft JhengHei" panose="020B0604030504040204" pitchFamily="34" charset="-120"/>
               </a:rPr>
-              <a:t>正</a:t>
+              <a:t>正歌</a:t>
             </a:r>
             <a:r>
               <a:rPr lang="en-US" sz="4267" b="1" dirty="0">
@@ -3416,17 +3387,7 @@
                 <a:latin typeface="微軟正黑體" pitchFamily="34" charset="-120"/>
                 <a:ea typeface="微軟正黑體" pitchFamily="34" charset="-120"/>
               </a:rPr>
-              <a:t>不論嚴寒夏</a:t>
-            </a:r>
-            <a:r>
-              <a:rPr lang="zh-TW" altLang="en-US" sz="6400" b="1" dirty="0">
-                <a:solidFill>
-                  <a:srgbClr val="660033"/>
-                </a:solidFill>
-                <a:latin typeface="微軟正黑體" pitchFamily="34" charset="-120"/>
-                <a:ea typeface="微軟正黑體" pitchFamily="34" charset="-120"/>
-              </a:rPr>
-              <a:t>至</a:t>
+              <a:t>不論嚴寒夏至</a:t>
             </a:r>
             <a:r>
               <a:rPr lang="zh-CN" altLang="en-US" sz="6400" b="1" dirty="0">
@@ -3446,17 +3407,7 @@
                 <a:latin typeface="微軟正黑體" pitchFamily="34" charset="-120"/>
                 <a:ea typeface="微軟正黑體" pitchFamily="34" charset="-120"/>
               </a:rPr>
-              <a:t>的</a:t>
-            </a:r>
-            <a:r>
-              <a:rPr lang="zh-TW" altLang="en-US" sz="6400" b="1" dirty="0">
-                <a:solidFill>
-                  <a:srgbClr val="660033"/>
-                </a:solidFill>
-                <a:latin typeface="微軟正黑體" pitchFamily="34" charset="-120"/>
-                <a:ea typeface="微軟正黑體" pitchFamily="34" charset="-120"/>
-              </a:rPr>
-              <a:t>愛不改</a:t>
+              <a:t>的愛不改</a:t>
             </a:r>
           </a:p>
           <a:p>
@@ -3517,7 +3468,7 @@
                 <a:latin typeface="Microsoft JhengHei" panose="020B0604030504040204" pitchFamily="34" charset="-120"/>
                 <a:ea typeface="Microsoft JhengHei" panose="020B0604030504040204" pitchFamily="34" charset="-120"/>
               </a:rPr>
-              <a:t>正</a:t>
+              <a:t>正歌</a:t>
             </a:r>
             <a:r>
               <a:rPr lang="en-US" sz="4267" b="1" dirty="0">
@@ -3689,7 +3640,7 @@
                 <a:latin typeface="Microsoft JhengHei" panose="020B0604030504040204" pitchFamily="34" charset="-120"/>
                 <a:ea typeface="Microsoft JhengHei" panose="020B0604030504040204" pitchFamily="34" charset="-120"/>
               </a:rPr>
-              <a:t>正</a:t>
+              <a:t>正歌</a:t>
             </a:r>
             <a:r>
               <a:rPr lang="en-US" sz="4267" b="1" dirty="0">
@@ -3854,7 +3805,7 @@
                 <a:latin typeface="Microsoft JhengHei" panose="020B0604030504040204" pitchFamily="34" charset="-120"/>
                 <a:ea typeface="Microsoft JhengHei" panose="020B0604030504040204" pitchFamily="34" charset="-120"/>
               </a:rPr>
-              <a:t>副</a:t>
+              <a:t>副歌</a:t>
             </a:r>
             <a:r>
               <a:rPr lang="en-US" sz="4267" b="1" dirty="0">
@@ -3984,7 +3935,7 @@
                 <a:latin typeface="Microsoft JhengHei" panose="020B0604030504040204" pitchFamily="34" charset="-120"/>
                 <a:ea typeface="Microsoft JhengHei" panose="020B0604030504040204" pitchFamily="34" charset="-120"/>
               </a:rPr>
-              <a:t>副</a:t>
+              <a:t>副歌</a:t>
             </a:r>
             <a:r>
               <a:rPr lang="en-US" sz="4267" b="1" dirty="0">
